--- a/capstone 2 presentation.pptx
+++ b/capstone 2 presentation.pptx
@@ -27,7 +27,7 @@
     <p:sldId id="274" r:id="rId22"/>
   </p:sldIdLst>
   <p:sldSz cx="10080625" cy="5670550"/>
-  <p:notesSz cx="7559675" cy="10691813"/>
+  <p:notesSz cx="7772400" cy="10058400"/>
 </p:presentation>
 </file>
 
@@ -82,8 +82,8 @@
         </p:nvSpPr>
         <p:spPr>
           <a:xfrm>
-            <a:off x="360000" y="180000"/>
-            <a:ext cx="9360000" cy="478080"/>
+            <a:off x="504000" y="226080"/>
+            <a:ext cx="9072000" cy="946440"/>
           </a:xfrm>
           <a:prstGeom prst="rect">
             <a:avLst/>
@@ -101,10 +101,7 @@
             <a:pPr algn="ctr">
               <a:buNone/>
             </a:pPr>
-            <a:endParaRPr b="0" lang="en-US" sz="3300" spc="-1" strike="noStrike">
-              <a:solidFill>
-                <a:srgbClr val="ffffff"/>
-              </a:solidFill>
+            <a:endParaRPr b="0" lang="en-US" sz="4400" spc="-1" strike="noStrike">
               <a:latin typeface="Arial"/>
             </a:endParaRPr>
           </a:p>
@@ -122,8 +119,8 @@
         </p:nvSpPr>
         <p:spPr>
           <a:xfrm>
-            <a:off x="360000" y="1080000"/>
-            <a:ext cx="9360000" cy="1716840"/>
+            <a:off x="504000" y="1326600"/>
+            <a:ext cx="9072000" cy="1568520"/>
           </a:xfrm>
           <a:prstGeom prst="rect">
             <a:avLst/>
@@ -135,13 +132,10 @@
         </p:spPr>
         <p:txBody>
           <a:bodyPr lIns="0" rIns="0" tIns="0" bIns="0" anchor="t">
-            <a:noAutofit/>
-          </a:bodyPr>
-          <a:p>
-            <a:endParaRPr b="0" lang="en-US" sz="2400" spc="-1" strike="noStrike">
-              <a:solidFill>
-                <a:srgbClr val="009bdd"/>
-              </a:solidFill>
+            <a:normAutofit/>
+          </a:bodyPr>
+          <a:p>
+            <a:endParaRPr b="0" lang="en-US" sz="3200" spc="-1" strike="noStrike">
               <a:latin typeface="Arial"/>
             </a:endParaRPr>
           </a:p>
@@ -159,8 +153,8 @@
         </p:nvSpPr>
         <p:spPr>
           <a:xfrm>
-            <a:off x="360000" y="2960280"/>
-            <a:ext cx="9360000" cy="1716840"/>
+            <a:off x="504000" y="3044520"/>
+            <a:ext cx="9072000" cy="1568520"/>
           </a:xfrm>
           <a:prstGeom prst="rect">
             <a:avLst/>
@@ -172,13 +166,10 @@
         </p:spPr>
         <p:txBody>
           <a:bodyPr lIns="0" rIns="0" tIns="0" bIns="0" anchor="t">
-            <a:noAutofit/>
-          </a:bodyPr>
-          <a:p>
-            <a:endParaRPr b="0" lang="en-US" sz="2400" spc="-1" strike="noStrike">
-              <a:solidFill>
-                <a:srgbClr val="009bdd"/>
-              </a:solidFill>
+            <a:normAutofit/>
+          </a:bodyPr>
+          <a:p>
+            <a:endParaRPr b="0" lang="en-US" sz="3200" spc="-1" strike="noStrike">
               <a:latin typeface="Arial"/>
             </a:endParaRPr>
           </a:p>
@@ -218,8 +209,8 @@
         </p:nvSpPr>
         <p:spPr>
           <a:xfrm>
-            <a:off x="360000" y="180000"/>
-            <a:ext cx="9360000" cy="478080"/>
+            <a:off x="504000" y="226080"/>
+            <a:ext cx="9072000" cy="946440"/>
           </a:xfrm>
           <a:prstGeom prst="rect">
             <a:avLst/>
@@ -237,10 +228,7 @@
             <a:pPr algn="ctr">
               <a:buNone/>
             </a:pPr>
-            <a:endParaRPr b="0" lang="en-US" sz="3300" spc="-1" strike="noStrike">
-              <a:solidFill>
-                <a:srgbClr val="ffffff"/>
-              </a:solidFill>
+            <a:endParaRPr b="0" lang="en-US" sz="4400" spc="-1" strike="noStrike">
               <a:latin typeface="Arial"/>
             </a:endParaRPr>
           </a:p>
@@ -258,8 +246,8 @@
         </p:nvSpPr>
         <p:spPr>
           <a:xfrm>
-            <a:off x="360000" y="1080000"/>
-            <a:ext cx="4567320" cy="1716840"/>
+            <a:off x="504000" y="1326600"/>
+            <a:ext cx="4426920" cy="1568520"/>
           </a:xfrm>
           <a:prstGeom prst="rect">
             <a:avLst/>
@@ -271,13 +259,10 @@
         </p:spPr>
         <p:txBody>
           <a:bodyPr lIns="0" rIns="0" tIns="0" bIns="0" anchor="t">
-            <a:noAutofit/>
-          </a:bodyPr>
-          <a:p>
-            <a:endParaRPr b="0" lang="en-US" sz="2400" spc="-1" strike="noStrike">
-              <a:solidFill>
-                <a:srgbClr val="009bdd"/>
-              </a:solidFill>
+            <a:normAutofit/>
+          </a:bodyPr>
+          <a:p>
+            <a:endParaRPr b="0" lang="en-US" sz="3200" spc="-1" strike="noStrike">
               <a:latin typeface="Arial"/>
             </a:endParaRPr>
           </a:p>
@@ -295,8 +280,8 @@
         </p:nvSpPr>
         <p:spPr>
           <a:xfrm>
-            <a:off x="5155920" y="1080000"/>
-            <a:ext cx="4567320" cy="1716840"/>
+            <a:off x="5152680" y="1326600"/>
+            <a:ext cx="4426920" cy="1568520"/>
           </a:xfrm>
           <a:prstGeom prst="rect">
             <a:avLst/>
@@ -308,13 +293,10 @@
         </p:spPr>
         <p:txBody>
           <a:bodyPr lIns="0" rIns="0" tIns="0" bIns="0" anchor="t">
-            <a:noAutofit/>
-          </a:bodyPr>
-          <a:p>
-            <a:endParaRPr b="0" lang="en-US" sz="2400" spc="-1" strike="noStrike">
-              <a:solidFill>
-                <a:srgbClr val="009bdd"/>
-              </a:solidFill>
+            <a:normAutofit/>
+          </a:bodyPr>
+          <a:p>
+            <a:endParaRPr b="0" lang="en-US" sz="3200" spc="-1" strike="noStrike">
               <a:latin typeface="Arial"/>
             </a:endParaRPr>
           </a:p>
@@ -332,8 +314,8 @@
         </p:nvSpPr>
         <p:spPr>
           <a:xfrm>
-            <a:off x="360000" y="2960280"/>
-            <a:ext cx="4567320" cy="1716840"/>
+            <a:off x="504000" y="3044520"/>
+            <a:ext cx="4426920" cy="1568520"/>
           </a:xfrm>
           <a:prstGeom prst="rect">
             <a:avLst/>
@@ -345,13 +327,10 @@
         </p:spPr>
         <p:txBody>
           <a:bodyPr lIns="0" rIns="0" tIns="0" bIns="0" anchor="t">
-            <a:noAutofit/>
-          </a:bodyPr>
-          <a:p>
-            <a:endParaRPr b="0" lang="en-US" sz="2400" spc="-1" strike="noStrike">
-              <a:solidFill>
-                <a:srgbClr val="009bdd"/>
-              </a:solidFill>
+            <a:normAutofit/>
+          </a:bodyPr>
+          <a:p>
+            <a:endParaRPr b="0" lang="en-US" sz="3200" spc="-1" strike="noStrike">
               <a:latin typeface="Arial"/>
             </a:endParaRPr>
           </a:p>
@@ -369,8 +348,8 @@
         </p:nvSpPr>
         <p:spPr>
           <a:xfrm>
-            <a:off x="5155920" y="2960280"/>
-            <a:ext cx="4567320" cy="1716840"/>
+            <a:off x="5152680" y="3044520"/>
+            <a:ext cx="4426920" cy="1568520"/>
           </a:xfrm>
           <a:prstGeom prst="rect">
             <a:avLst/>
@@ -382,13 +361,10 @@
         </p:spPr>
         <p:txBody>
           <a:bodyPr lIns="0" rIns="0" tIns="0" bIns="0" anchor="t">
-            <a:noAutofit/>
-          </a:bodyPr>
-          <a:p>
-            <a:endParaRPr b="0" lang="en-US" sz="2400" spc="-1" strike="noStrike">
-              <a:solidFill>
-                <a:srgbClr val="009bdd"/>
-              </a:solidFill>
+            <a:normAutofit/>
+          </a:bodyPr>
+          <a:p>
+            <a:endParaRPr b="0" lang="en-US" sz="3200" spc="-1" strike="noStrike">
               <a:latin typeface="Arial"/>
             </a:endParaRPr>
           </a:p>
@@ -428,8 +404,8 @@
         </p:nvSpPr>
         <p:spPr>
           <a:xfrm>
-            <a:off x="360000" y="180000"/>
-            <a:ext cx="9360000" cy="478080"/>
+            <a:off x="504000" y="226080"/>
+            <a:ext cx="9072000" cy="946440"/>
           </a:xfrm>
           <a:prstGeom prst="rect">
             <a:avLst/>
@@ -447,10 +423,7 @@
             <a:pPr algn="ctr">
               <a:buNone/>
             </a:pPr>
-            <a:endParaRPr b="0" lang="en-US" sz="3300" spc="-1" strike="noStrike">
-              <a:solidFill>
-                <a:srgbClr val="ffffff"/>
-              </a:solidFill>
+            <a:endParaRPr b="0" lang="en-US" sz="4400" spc="-1" strike="noStrike">
               <a:latin typeface="Arial"/>
             </a:endParaRPr>
           </a:p>
@@ -468,8 +441,8 @@
         </p:nvSpPr>
         <p:spPr>
           <a:xfrm>
-            <a:off x="360000" y="1080000"/>
-            <a:ext cx="3013560" cy="1716840"/>
+            <a:off x="504000" y="1326600"/>
+            <a:ext cx="2921040" cy="1568520"/>
           </a:xfrm>
           <a:prstGeom prst="rect">
             <a:avLst/>
@@ -481,13 +454,10 @@
         </p:spPr>
         <p:txBody>
           <a:bodyPr lIns="0" rIns="0" tIns="0" bIns="0" anchor="t">
-            <a:noAutofit/>
-          </a:bodyPr>
-          <a:p>
-            <a:endParaRPr b="0" lang="en-US" sz="2400" spc="-1" strike="noStrike">
-              <a:solidFill>
-                <a:srgbClr val="009bdd"/>
-              </a:solidFill>
+            <a:normAutofit/>
+          </a:bodyPr>
+          <a:p>
+            <a:endParaRPr b="0" lang="en-US" sz="3200" spc="-1" strike="noStrike">
               <a:latin typeface="Arial"/>
             </a:endParaRPr>
           </a:p>
@@ -505,8 +475,8 @@
         </p:nvSpPr>
         <p:spPr>
           <a:xfrm>
-            <a:off x="3524760" y="1080000"/>
-            <a:ext cx="3013560" cy="1716840"/>
+            <a:off x="3571560" y="1326600"/>
+            <a:ext cx="2921040" cy="1568520"/>
           </a:xfrm>
           <a:prstGeom prst="rect">
             <a:avLst/>
@@ -518,13 +488,10 @@
         </p:spPr>
         <p:txBody>
           <a:bodyPr lIns="0" rIns="0" tIns="0" bIns="0" anchor="t">
-            <a:noAutofit/>
-          </a:bodyPr>
-          <a:p>
-            <a:endParaRPr b="0" lang="en-US" sz="2400" spc="-1" strike="noStrike">
-              <a:solidFill>
-                <a:srgbClr val="009bdd"/>
-              </a:solidFill>
+            <a:normAutofit/>
+          </a:bodyPr>
+          <a:p>
+            <a:endParaRPr b="0" lang="en-US" sz="3200" spc="-1" strike="noStrike">
               <a:latin typeface="Arial"/>
             </a:endParaRPr>
           </a:p>
@@ -542,8 +509,8 @@
         </p:nvSpPr>
         <p:spPr>
           <a:xfrm>
-            <a:off x="6689160" y="1080000"/>
-            <a:ext cx="3013560" cy="1716840"/>
+            <a:off x="6639120" y="1326600"/>
+            <a:ext cx="2921040" cy="1568520"/>
           </a:xfrm>
           <a:prstGeom prst="rect">
             <a:avLst/>
@@ -555,13 +522,10 @@
         </p:spPr>
         <p:txBody>
           <a:bodyPr lIns="0" rIns="0" tIns="0" bIns="0" anchor="t">
-            <a:noAutofit/>
-          </a:bodyPr>
-          <a:p>
-            <a:endParaRPr b="0" lang="en-US" sz="2400" spc="-1" strike="noStrike">
-              <a:solidFill>
-                <a:srgbClr val="009bdd"/>
-              </a:solidFill>
+            <a:normAutofit/>
+          </a:bodyPr>
+          <a:p>
+            <a:endParaRPr b="0" lang="en-US" sz="3200" spc="-1" strike="noStrike">
               <a:latin typeface="Arial"/>
             </a:endParaRPr>
           </a:p>
@@ -579,8 +543,8 @@
         </p:nvSpPr>
         <p:spPr>
           <a:xfrm>
-            <a:off x="360000" y="2960280"/>
-            <a:ext cx="3013560" cy="1716840"/>
+            <a:off x="504000" y="3044520"/>
+            <a:ext cx="2921040" cy="1568520"/>
           </a:xfrm>
           <a:prstGeom prst="rect">
             <a:avLst/>
@@ -592,13 +556,10 @@
         </p:spPr>
         <p:txBody>
           <a:bodyPr lIns="0" rIns="0" tIns="0" bIns="0" anchor="t">
-            <a:noAutofit/>
-          </a:bodyPr>
-          <a:p>
-            <a:endParaRPr b="0" lang="en-US" sz="2400" spc="-1" strike="noStrike">
-              <a:solidFill>
-                <a:srgbClr val="009bdd"/>
-              </a:solidFill>
+            <a:normAutofit/>
+          </a:bodyPr>
+          <a:p>
+            <a:endParaRPr b="0" lang="en-US" sz="3200" spc="-1" strike="noStrike">
               <a:latin typeface="Arial"/>
             </a:endParaRPr>
           </a:p>
@@ -616,8 +577,8 @@
         </p:nvSpPr>
         <p:spPr>
           <a:xfrm>
-            <a:off x="3524760" y="2960280"/>
-            <a:ext cx="3013560" cy="1716840"/>
+            <a:off x="3571560" y="3044520"/>
+            <a:ext cx="2921040" cy="1568520"/>
           </a:xfrm>
           <a:prstGeom prst="rect">
             <a:avLst/>
@@ -629,13 +590,10 @@
         </p:spPr>
         <p:txBody>
           <a:bodyPr lIns="0" rIns="0" tIns="0" bIns="0" anchor="t">
-            <a:noAutofit/>
-          </a:bodyPr>
-          <a:p>
-            <a:endParaRPr b="0" lang="en-US" sz="2400" spc="-1" strike="noStrike">
-              <a:solidFill>
-                <a:srgbClr val="009bdd"/>
-              </a:solidFill>
+            <a:normAutofit/>
+          </a:bodyPr>
+          <a:p>
+            <a:endParaRPr b="0" lang="en-US" sz="3200" spc="-1" strike="noStrike">
               <a:latin typeface="Arial"/>
             </a:endParaRPr>
           </a:p>
@@ -653,8 +611,8 @@
         </p:nvSpPr>
         <p:spPr>
           <a:xfrm>
-            <a:off x="6689160" y="2960280"/>
-            <a:ext cx="3013560" cy="1716840"/>
+            <a:off x="6639120" y="3044520"/>
+            <a:ext cx="2921040" cy="1568520"/>
           </a:xfrm>
           <a:prstGeom prst="rect">
             <a:avLst/>
@@ -666,13 +624,10 @@
         </p:spPr>
         <p:txBody>
           <a:bodyPr lIns="0" rIns="0" tIns="0" bIns="0" anchor="t">
-            <a:noAutofit/>
-          </a:bodyPr>
-          <a:p>
-            <a:endParaRPr b="0" lang="en-US" sz="2400" spc="-1" strike="noStrike">
-              <a:solidFill>
-                <a:srgbClr val="009bdd"/>
-              </a:solidFill>
+            <a:normAutofit/>
+          </a:bodyPr>
+          <a:p>
+            <a:endParaRPr b="0" lang="en-US" sz="3200" spc="-1" strike="noStrike">
               <a:latin typeface="Arial"/>
             </a:endParaRPr>
           </a:p>
@@ -707,7 +662,7 @@
             <a:spLocks noGrp="1"/>
           </p:cNvSpPr>
           <p:nvPr>
-            <p:ph type="ftr" idx="2"/>
+            <p:ph type="ftr" idx="1"/>
           </p:nvPr>
         </p:nvSpPr>
         <p:spPr/>
@@ -727,14 +682,14 @@
             <a:spLocks noGrp="1"/>
           </p:cNvSpPr>
           <p:nvPr>
-            <p:ph type="sldNum" idx="3"/>
+            <p:ph type="sldNum" idx="2"/>
           </p:nvPr>
         </p:nvSpPr>
         <p:spPr/>
         <p:txBody>
           <a:bodyPr/>
           <a:p>
-            <a:fld id="{85D2E3F7-A17F-414E-A8DB-919A4329B704}" type="slidenum">
+            <a:fld id="{27D1131C-B891-486D-9FC8-8C4C0174BB00}" type="slidenum">
               <a:t>&lt;#&gt;</a:t>
             </a:fld>
           </a:p>
@@ -747,7 +702,7 @@
             <a:spLocks noGrp="1"/>
           </p:cNvSpPr>
           <p:nvPr>
-            <p:ph type="dt" idx="1"/>
+            <p:ph type="dt" idx="3"/>
           </p:nvPr>
         </p:nvSpPr>
         <p:spPr/>
@@ -795,8 +750,8 @@
         </p:nvSpPr>
         <p:spPr>
           <a:xfrm>
-            <a:off x="360000" y="180000"/>
-            <a:ext cx="9360000" cy="478080"/>
+            <a:off x="504000" y="226080"/>
+            <a:ext cx="9072000" cy="946440"/>
           </a:xfrm>
           <a:prstGeom prst="rect">
             <a:avLst/>
@@ -814,10 +769,7 @@
             <a:pPr algn="ctr">
               <a:buNone/>
             </a:pPr>
-            <a:endParaRPr b="0" lang="en-US" sz="3300" spc="-1" strike="noStrike">
-              <a:solidFill>
-                <a:srgbClr val="ffffff"/>
-              </a:solidFill>
+            <a:endParaRPr b="0" lang="en-US" sz="4400" spc="-1" strike="noStrike">
               <a:latin typeface="Arial"/>
             </a:endParaRPr>
           </a:p>
@@ -835,8 +787,8 @@
         </p:nvSpPr>
         <p:spPr>
           <a:xfrm>
-            <a:off x="360000" y="1080000"/>
-            <a:ext cx="9360000" cy="3600000"/>
+            <a:off x="504000" y="1326600"/>
+            <a:ext cx="9072000" cy="3288600"/>
           </a:xfrm>
           <a:prstGeom prst="rect">
             <a:avLst/>
@@ -855,9 +807,6 @@
               <a:buNone/>
             </a:pPr>
             <a:endParaRPr b="0" lang="en-US" sz="3200" spc="-1" strike="noStrike">
-              <a:highlight>
-                <a:srgbClr val="ffffff"/>
-              </a:highlight>
               <a:latin typeface="Arial"/>
             </a:endParaRPr>
           </a:p>
@@ -870,7 +819,7 @@
             <a:spLocks noGrp="1"/>
           </p:cNvSpPr>
           <p:nvPr>
-            <p:ph type="ftr" idx="2"/>
+            <p:ph type="ftr" idx="1"/>
           </p:nvPr>
         </p:nvSpPr>
         <p:spPr/>
@@ -890,14 +839,14 @@
             <a:spLocks noGrp="1"/>
           </p:cNvSpPr>
           <p:nvPr>
-            <p:ph type="sldNum" idx="3"/>
+            <p:ph type="sldNum" idx="2"/>
           </p:nvPr>
         </p:nvSpPr>
         <p:spPr/>
         <p:txBody>
           <a:bodyPr/>
           <a:p>
-            <a:fld id="{DDE3D2A3-373F-4034-8213-934E22163EB8}" type="slidenum">
+            <a:fld id="{09BE3999-3051-43F8-AD9C-23374BDD1BC3}" type="slidenum">
               <a:t>&lt;#&gt;</a:t>
             </a:fld>
           </a:p>
@@ -910,7 +859,7 @@
             <a:spLocks noGrp="1"/>
           </p:cNvSpPr>
           <p:nvPr>
-            <p:ph type="dt" idx="1"/>
+            <p:ph type="dt" idx="3"/>
           </p:nvPr>
         </p:nvSpPr>
         <p:spPr/>
@@ -958,8 +907,8 @@
         </p:nvSpPr>
         <p:spPr>
           <a:xfrm>
-            <a:off x="360000" y="180000"/>
-            <a:ext cx="9360000" cy="478080"/>
+            <a:off x="504000" y="226080"/>
+            <a:ext cx="9072000" cy="946440"/>
           </a:xfrm>
           <a:prstGeom prst="rect">
             <a:avLst/>
@@ -977,10 +926,7 @@
             <a:pPr algn="ctr">
               <a:buNone/>
             </a:pPr>
-            <a:endParaRPr b="0" lang="en-US" sz="3300" spc="-1" strike="noStrike">
-              <a:solidFill>
-                <a:srgbClr val="ffffff"/>
-              </a:solidFill>
+            <a:endParaRPr b="0" lang="en-US" sz="4400" spc="-1" strike="noStrike">
               <a:latin typeface="Arial"/>
             </a:endParaRPr>
           </a:p>
@@ -998,8 +944,8 @@
         </p:nvSpPr>
         <p:spPr>
           <a:xfrm>
-            <a:off x="360000" y="1080000"/>
-            <a:ext cx="9360000" cy="3600000"/>
+            <a:off x="504000" y="1326600"/>
+            <a:ext cx="9072000" cy="3288600"/>
           </a:xfrm>
           <a:prstGeom prst="rect">
             <a:avLst/>
@@ -1011,13 +957,10 @@
         </p:spPr>
         <p:txBody>
           <a:bodyPr lIns="0" rIns="0" tIns="0" bIns="0" anchor="t">
-            <a:noAutofit/>
-          </a:bodyPr>
-          <a:p>
-            <a:endParaRPr b="0" lang="en-US" sz="2400" spc="-1" strike="noStrike">
-              <a:solidFill>
-                <a:srgbClr val="009bdd"/>
-              </a:solidFill>
+            <a:normAutofit/>
+          </a:bodyPr>
+          <a:p>
+            <a:endParaRPr b="0" lang="en-US" sz="3200" spc="-1" strike="noStrike">
               <a:latin typeface="Arial"/>
             </a:endParaRPr>
           </a:p>
@@ -1030,7 +973,7 @@
             <a:spLocks noGrp="1"/>
           </p:cNvSpPr>
           <p:nvPr>
-            <p:ph type="ftr" idx="2"/>
+            <p:ph type="ftr" idx="1"/>
           </p:nvPr>
         </p:nvSpPr>
         <p:spPr/>
@@ -1050,14 +993,14 @@
             <a:spLocks noGrp="1"/>
           </p:cNvSpPr>
           <p:nvPr>
-            <p:ph type="sldNum" idx="3"/>
+            <p:ph type="sldNum" idx="2"/>
           </p:nvPr>
         </p:nvSpPr>
         <p:spPr/>
         <p:txBody>
           <a:bodyPr/>
           <a:p>
-            <a:fld id="{D6A3DE33-28A6-475C-B209-1FDD66CC9276}" type="slidenum">
+            <a:fld id="{F72D4682-BD34-4866-80D8-43B49CE6CD22}" type="slidenum">
               <a:t>&lt;#&gt;</a:t>
             </a:fld>
           </a:p>
@@ -1070,7 +1013,7 @@
             <a:spLocks noGrp="1"/>
           </p:cNvSpPr>
           <p:nvPr>
-            <p:ph type="dt" idx="1"/>
+            <p:ph type="dt" idx="3"/>
           </p:nvPr>
         </p:nvSpPr>
         <p:spPr/>
@@ -1118,8 +1061,8 @@
         </p:nvSpPr>
         <p:spPr>
           <a:xfrm>
-            <a:off x="360000" y="180000"/>
-            <a:ext cx="9360000" cy="478080"/>
+            <a:off x="504000" y="226080"/>
+            <a:ext cx="9072000" cy="946440"/>
           </a:xfrm>
           <a:prstGeom prst="rect">
             <a:avLst/>
@@ -1137,10 +1080,7 @@
             <a:pPr algn="ctr">
               <a:buNone/>
             </a:pPr>
-            <a:endParaRPr b="0" lang="en-US" sz="3300" spc="-1" strike="noStrike">
-              <a:solidFill>
-                <a:srgbClr val="ffffff"/>
-              </a:solidFill>
+            <a:endParaRPr b="0" lang="en-US" sz="4400" spc="-1" strike="noStrike">
               <a:latin typeface="Arial"/>
             </a:endParaRPr>
           </a:p>
@@ -1158,8 +1098,8 @@
         </p:nvSpPr>
         <p:spPr>
           <a:xfrm>
-            <a:off x="360000" y="1080000"/>
-            <a:ext cx="4567320" cy="3600000"/>
+            <a:off x="504000" y="1326600"/>
+            <a:ext cx="4426920" cy="3288600"/>
           </a:xfrm>
           <a:prstGeom prst="rect">
             <a:avLst/>
@@ -1171,13 +1111,10 @@
         </p:spPr>
         <p:txBody>
           <a:bodyPr lIns="0" rIns="0" tIns="0" bIns="0" anchor="t">
-            <a:noAutofit/>
-          </a:bodyPr>
-          <a:p>
-            <a:endParaRPr b="0" lang="en-US" sz="2400" spc="-1" strike="noStrike">
-              <a:solidFill>
-                <a:srgbClr val="009bdd"/>
-              </a:solidFill>
+            <a:normAutofit/>
+          </a:bodyPr>
+          <a:p>
+            <a:endParaRPr b="0" lang="en-US" sz="3200" spc="-1" strike="noStrike">
               <a:latin typeface="Arial"/>
             </a:endParaRPr>
           </a:p>
@@ -1195,8 +1132,8 @@
         </p:nvSpPr>
         <p:spPr>
           <a:xfrm>
-            <a:off x="5155920" y="1080000"/>
-            <a:ext cx="4567320" cy="3600000"/>
+            <a:off x="5152680" y="1326600"/>
+            <a:ext cx="4426920" cy="3288600"/>
           </a:xfrm>
           <a:prstGeom prst="rect">
             <a:avLst/>
@@ -1208,13 +1145,10 @@
         </p:spPr>
         <p:txBody>
           <a:bodyPr lIns="0" rIns="0" tIns="0" bIns="0" anchor="t">
-            <a:noAutofit/>
-          </a:bodyPr>
-          <a:p>
-            <a:endParaRPr b="0" lang="en-US" sz="2400" spc="-1" strike="noStrike">
-              <a:solidFill>
-                <a:srgbClr val="009bdd"/>
-              </a:solidFill>
+            <a:normAutofit/>
+          </a:bodyPr>
+          <a:p>
+            <a:endParaRPr b="0" lang="en-US" sz="3200" spc="-1" strike="noStrike">
               <a:latin typeface="Arial"/>
             </a:endParaRPr>
           </a:p>
@@ -1227,7 +1161,7 @@
             <a:spLocks noGrp="1"/>
           </p:cNvSpPr>
           <p:nvPr>
-            <p:ph type="ftr" idx="2"/>
+            <p:ph type="ftr" idx="1"/>
           </p:nvPr>
         </p:nvSpPr>
         <p:spPr/>
@@ -1247,14 +1181,14 @@
             <a:spLocks noGrp="1"/>
           </p:cNvSpPr>
           <p:nvPr>
-            <p:ph type="sldNum" idx="3"/>
+            <p:ph type="sldNum" idx="2"/>
           </p:nvPr>
         </p:nvSpPr>
         <p:spPr/>
         <p:txBody>
           <a:bodyPr/>
           <a:p>
-            <a:fld id="{14ED2243-6A60-4F3E-A247-3C8E472F6179}" type="slidenum">
+            <a:fld id="{87559156-86B8-4F6B-810B-3163A6998D0E}" type="slidenum">
               <a:t>&lt;#&gt;</a:t>
             </a:fld>
           </a:p>
@@ -1267,7 +1201,7 @@
             <a:spLocks noGrp="1"/>
           </p:cNvSpPr>
           <p:nvPr>
-            <p:ph type="dt" idx="1"/>
+            <p:ph type="dt" idx="3"/>
           </p:nvPr>
         </p:nvSpPr>
         <p:spPr/>
@@ -1315,8 +1249,8 @@
         </p:nvSpPr>
         <p:spPr>
           <a:xfrm>
-            <a:off x="360000" y="180000"/>
-            <a:ext cx="9360000" cy="478080"/>
+            <a:off x="504000" y="226080"/>
+            <a:ext cx="9072000" cy="946440"/>
           </a:xfrm>
           <a:prstGeom prst="rect">
             <a:avLst/>
@@ -1334,10 +1268,7 @@
             <a:pPr algn="ctr">
               <a:buNone/>
             </a:pPr>
-            <a:endParaRPr b="0" lang="en-US" sz="3300" spc="-1" strike="noStrike">
-              <a:solidFill>
-                <a:srgbClr val="ffffff"/>
-              </a:solidFill>
+            <a:endParaRPr b="0" lang="en-US" sz="4400" spc="-1" strike="noStrike">
               <a:latin typeface="Arial"/>
             </a:endParaRPr>
           </a:p>
@@ -1350,7 +1281,7 @@
             <a:spLocks noGrp="1"/>
           </p:cNvSpPr>
           <p:nvPr>
-            <p:ph type="ftr" idx="2"/>
+            <p:ph type="ftr" idx="1"/>
           </p:nvPr>
         </p:nvSpPr>
         <p:spPr/>
@@ -1370,14 +1301,14 @@
             <a:spLocks noGrp="1"/>
           </p:cNvSpPr>
           <p:nvPr>
-            <p:ph type="sldNum" idx="3"/>
+            <p:ph type="sldNum" idx="2"/>
           </p:nvPr>
         </p:nvSpPr>
         <p:spPr/>
         <p:txBody>
           <a:bodyPr/>
           <a:p>
-            <a:fld id="{D13FDE6B-40BC-46BC-9C71-D3DCB4A150A0}" type="slidenum">
+            <a:fld id="{464C733A-4C65-4494-BFD3-4117928FB274}" type="slidenum">
               <a:t>&lt;#&gt;</a:t>
             </a:fld>
           </a:p>
@@ -1390,7 +1321,7 @@
             <a:spLocks noGrp="1"/>
           </p:cNvSpPr>
           <p:nvPr>
-            <p:ph type="dt" idx="1"/>
+            <p:ph type="dt" idx="3"/>
           </p:nvPr>
         </p:nvSpPr>
         <p:spPr/>
@@ -1438,8 +1369,8 @@
         </p:nvSpPr>
         <p:spPr>
           <a:xfrm>
-            <a:off x="360000" y="180000"/>
-            <a:ext cx="9360000" cy="2217240"/>
+            <a:off x="504000" y="226080"/>
+            <a:ext cx="9072000" cy="4388400"/>
           </a:xfrm>
           <a:prstGeom prst="rect">
             <a:avLst/>
@@ -1458,9 +1389,6 @@
               <a:buNone/>
             </a:pPr>
             <a:endParaRPr b="0" lang="en-US" sz="3200" spc="-1" strike="noStrike">
-              <a:highlight>
-                <a:srgbClr val="ffffff"/>
-              </a:highlight>
               <a:latin typeface="Arial"/>
             </a:endParaRPr>
           </a:p>
@@ -1473,7 +1401,7 @@
             <a:spLocks noGrp="1"/>
           </p:cNvSpPr>
           <p:nvPr>
-            <p:ph type="ftr" idx="2"/>
+            <p:ph type="ftr" idx="1"/>
           </p:nvPr>
         </p:nvSpPr>
         <p:spPr/>
@@ -1493,14 +1421,14 @@
             <a:spLocks noGrp="1"/>
           </p:cNvSpPr>
           <p:nvPr>
-            <p:ph type="sldNum" idx="3"/>
+            <p:ph type="sldNum" idx="2"/>
           </p:nvPr>
         </p:nvSpPr>
         <p:spPr/>
         <p:txBody>
           <a:bodyPr/>
           <a:p>
-            <a:fld id="{67E51CBD-8561-4761-B3FD-8EC7E502A0ED}" type="slidenum">
+            <a:fld id="{E0F98B8B-5DE6-4EE9-87FB-07BBE29C0E6F}" type="slidenum">
               <a:t>&lt;#&gt;</a:t>
             </a:fld>
           </a:p>
@@ -1513,7 +1441,7 @@
             <a:spLocks noGrp="1"/>
           </p:cNvSpPr>
           <p:nvPr>
-            <p:ph type="dt" idx="1"/>
+            <p:ph type="dt" idx="3"/>
           </p:nvPr>
         </p:nvSpPr>
         <p:spPr/>
@@ -1561,8 +1489,8 @@
         </p:nvSpPr>
         <p:spPr>
           <a:xfrm>
-            <a:off x="360000" y="180000"/>
-            <a:ext cx="9360000" cy="478080"/>
+            <a:off x="504000" y="226080"/>
+            <a:ext cx="9072000" cy="946440"/>
           </a:xfrm>
           <a:prstGeom prst="rect">
             <a:avLst/>
@@ -1580,10 +1508,7 @@
             <a:pPr algn="ctr">
               <a:buNone/>
             </a:pPr>
-            <a:endParaRPr b="0" lang="en-US" sz="3300" spc="-1" strike="noStrike">
-              <a:solidFill>
-                <a:srgbClr val="ffffff"/>
-              </a:solidFill>
+            <a:endParaRPr b="0" lang="en-US" sz="4400" spc="-1" strike="noStrike">
               <a:latin typeface="Arial"/>
             </a:endParaRPr>
           </a:p>
@@ -1601,8 +1526,8 @@
         </p:nvSpPr>
         <p:spPr>
           <a:xfrm>
-            <a:off x="360000" y="1080000"/>
-            <a:ext cx="4567320" cy="1716840"/>
+            <a:off x="504000" y="1326600"/>
+            <a:ext cx="4426920" cy="1568520"/>
           </a:xfrm>
           <a:prstGeom prst="rect">
             <a:avLst/>
@@ -1614,13 +1539,10 @@
         </p:spPr>
         <p:txBody>
           <a:bodyPr lIns="0" rIns="0" tIns="0" bIns="0" anchor="t">
-            <a:noAutofit/>
-          </a:bodyPr>
-          <a:p>
-            <a:endParaRPr b="0" lang="en-US" sz="2400" spc="-1" strike="noStrike">
-              <a:solidFill>
-                <a:srgbClr val="009bdd"/>
-              </a:solidFill>
+            <a:normAutofit/>
+          </a:bodyPr>
+          <a:p>
+            <a:endParaRPr b="0" lang="en-US" sz="3200" spc="-1" strike="noStrike">
               <a:latin typeface="Arial"/>
             </a:endParaRPr>
           </a:p>
@@ -1638,8 +1560,8 @@
         </p:nvSpPr>
         <p:spPr>
           <a:xfrm>
-            <a:off x="5155920" y="1080000"/>
-            <a:ext cx="4567320" cy="3600000"/>
+            <a:off x="5152680" y="1326600"/>
+            <a:ext cx="4426920" cy="3288600"/>
           </a:xfrm>
           <a:prstGeom prst="rect">
             <a:avLst/>
@@ -1651,13 +1573,10 @@
         </p:spPr>
         <p:txBody>
           <a:bodyPr lIns="0" rIns="0" tIns="0" bIns="0" anchor="t">
-            <a:noAutofit/>
-          </a:bodyPr>
-          <a:p>
-            <a:endParaRPr b="0" lang="en-US" sz="2400" spc="-1" strike="noStrike">
-              <a:solidFill>
-                <a:srgbClr val="009bdd"/>
-              </a:solidFill>
+            <a:normAutofit/>
+          </a:bodyPr>
+          <a:p>
+            <a:endParaRPr b="0" lang="en-US" sz="3200" spc="-1" strike="noStrike">
               <a:latin typeface="Arial"/>
             </a:endParaRPr>
           </a:p>
@@ -1675,8 +1594,8 @@
         </p:nvSpPr>
         <p:spPr>
           <a:xfrm>
-            <a:off x="360000" y="2960280"/>
-            <a:ext cx="4567320" cy="1716840"/>
+            <a:off x="504000" y="3044520"/>
+            <a:ext cx="4426920" cy="1568520"/>
           </a:xfrm>
           <a:prstGeom prst="rect">
             <a:avLst/>
@@ -1688,13 +1607,10 @@
         </p:spPr>
         <p:txBody>
           <a:bodyPr lIns="0" rIns="0" tIns="0" bIns="0" anchor="t">
-            <a:noAutofit/>
-          </a:bodyPr>
-          <a:p>
-            <a:endParaRPr b="0" lang="en-US" sz="2400" spc="-1" strike="noStrike">
-              <a:solidFill>
-                <a:srgbClr val="009bdd"/>
-              </a:solidFill>
+            <a:normAutofit/>
+          </a:bodyPr>
+          <a:p>
+            <a:endParaRPr b="0" lang="en-US" sz="3200" spc="-1" strike="noStrike">
               <a:latin typeface="Arial"/>
             </a:endParaRPr>
           </a:p>
@@ -1707,7 +1623,7 @@
             <a:spLocks noGrp="1"/>
           </p:cNvSpPr>
           <p:nvPr>
-            <p:ph type="ftr" idx="2"/>
+            <p:ph type="ftr" idx="1"/>
           </p:nvPr>
         </p:nvSpPr>
         <p:spPr/>
@@ -1727,14 +1643,14 @@
             <a:spLocks noGrp="1"/>
           </p:cNvSpPr>
           <p:nvPr>
-            <p:ph type="sldNum" idx="3"/>
+            <p:ph type="sldNum" idx="2"/>
           </p:nvPr>
         </p:nvSpPr>
         <p:spPr/>
         <p:txBody>
           <a:bodyPr/>
           <a:p>
-            <a:fld id="{C06622F5-BCB8-43FD-9846-EC4D93B42D38}" type="slidenum">
+            <a:fld id="{09B3D02C-A4FF-47AD-97A6-AAFDB3BAF360}" type="slidenum">
               <a:t>&lt;#&gt;</a:t>
             </a:fld>
           </a:p>
@@ -1747,7 +1663,7 @@
             <a:spLocks noGrp="1"/>
           </p:cNvSpPr>
           <p:nvPr>
-            <p:ph type="dt" idx="1"/>
+            <p:ph type="dt" idx="3"/>
           </p:nvPr>
         </p:nvSpPr>
         <p:spPr/>
@@ -1795,8 +1711,8 @@
         </p:nvSpPr>
         <p:spPr>
           <a:xfrm>
-            <a:off x="360000" y="180000"/>
-            <a:ext cx="9360000" cy="478080"/>
+            <a:off x="504000" y="226080"/>
+            <a:ext cx="9072000" cy="946440"/>
           </a:xfrm>
           <a:prstGeom prst="rect">
             <a:avLst/>
@@ -1814,10 +1730,7 @@
             <a:pPr algn="ctr">
               <a:buNone/>
             </a:pPr>
-            <a:endParaRPr b="0" lang="en-US" sz="3300" spc="-1" strike="noStrike">
-              <a:solidFill>
-                <a:srgbClr val="ffffff"/>
-              </a:solidFill>
+            <a:endParaRPr b="0" lang="en-US" sz="4400" spc="-1" strike="noStrike">
               <a:latin typeface="Arial"/>
             </a:endParaRPr>
           </a:p>
@@ -1835,8 +1748,8 @@
         </p:nvSpPr>
         <p:spPr>
           <a:xfrm>
-            <a:off x="360000" y="1080000"/>
-            <a:ext cx="9360000" cy="3600000"/>
+            <a:off x="504000" y="1326600"/>
+            <a:ext cx="9072000" cy="3288600"/>
           </a:xfrm>
           <a:prstGeom prst="rect">
             <a:avLst/>
@@ -1855,9 +1768,6 @@
               <a:buNone/>
             </a:pPr>
             <a:endParaRPr b="0" lang="en-US" sz="3200" spc="-1" strike="noStrike">
-              <a:highlight>
-                <a:srgbClr val="ffffff"/>
-              </a:highlight>
               <a:latin typeface="Arial"/>
             </a:endParaRPr>
           </a:p>
@@ -1897,8 +1807,8 @@
         </p:nvSpPr>
         <p:spPr>
           <a:xfrm>
-            <a:off x="360000" y="180000"/>
-            <a:ext cx="9360000" cy="478080"/>
+            <a:off x="504000" y="226080"/>
+            <a:ext cx="9072000" cy="946440"/>
           </a:xfrm>
           <a:prstGeom prst="rect">
             <a:avLst/>
@@ -1916,10 +1826,7 @@
             <a:pPr algn="ctr">
               <a:buNone/>
             </a:pPr>
-            <a:endParaRPr b="0" lang="en-US" sz="3300" spc="-1" strike="noStrike">
-              <a:solidFill>
-                <a:srgbClr val="ffffff"/>
-              </a:solidFill>
+            <a:endParaRPr b="0" lang="en-US" sz="4400" spc="-1" strike="noStrike">
               <a:latin typeface="Arial"/>
             </a:endParaRPr>
           </a:p>
@@ -1937,8 +1844,8 @@
         </p:nvSpPr>
         <p:spPr>
           <a:xfrm>
-            <a:off x="360000" y="1080000"/>
-            <a:ext cx="4567320" cy="3600000"/>
+            <a:off x="504000" y="1326600"/>
+            <a:ext cx="4426920" cy="3288600"/>
           </a:xfrm>
           <a:prstGeom prst="rect">
             <a:avLst/>
@@ -1950,13 +1857,10 @@
         </p:spPr>
         <p:txBody>
           <a:bodyPr lIns="0" rIns="0" tIns="0" bIns="0" anchor="t">
-            <a:noAutofit/>
-          </a:bodyPr>
-          <a:p>
-            <a:endParaRPr b="0" lang="en-US" sz="2400" spc="-1" strike="noStrike">
-              <a:solidFill>
-                <a:srgbClr val="009bdd"/>
-              </a:solidFill>
+            <a:normAutofit/>
+          </a:bodyPr>
+          <a:p>
+            <a:endParaRPr b="0" lang="en-US" sz="3200" spc="-1" strike="noStrike">
               <a:latin typeface="Arial"/>
             </a:endParaRPr>
           </a:p>
@@ -1974,8 +1878,8 @@
         </p:nvSpPr>
         <p:spPr>
           <a:xfrm>
-            <a:off x="5155920" y="1080000"/>
-            <a:ext cx="4567320" cy="1716840"/>
+            <a:off x="5152680" y="1326600"/>
+            <a:ext cx="4426920" cy="1568520"/>
           </a:xfrm>
           <a:prstGeom prst="rect">
             <a:avLst/>
@@ -1987,13 +1891,10 @@
         </p:spPr>
         <p:txBody>
           <a:bodyPr lIns="0" rIns="0" tIns="0" bIns="0" anchor="t">
-            <a:noAutofit/>
-          </a:bodyPr>
-          <a:p>
-            <a:endParaRPr b="0" lang="en-US" sz="2400" spc="-1" strike="noStrike">
-              <a:solidFill>
-                <a:srgbClr val="009bdd"/>
-              </a:solidFill>
+            <a:normAutofit/>
+          </a:bodyPr>
+          <a:p>
+            <a:endParaRPr b="0" lang="en-US" sz="3200" spc="-1" strike="noStrike">
               <a:latin typeface="Arial"/>
             </a:endParaRPr>
           </a:p>
@@ -2011,8 +1912,8 @@
         </p:nvSpPr>
         <p:spPr>
           <a:xfrm>
-            <a:off x="5155920" y="2960280"/>
-            <a:ext cx="4567320" cy="1716840"/>
+            <a:off x="5152680" y="3044520"/>
+            <a:ext cx="4426920" cy="1568520"/>
           </a:xfrm>
           <a:prstGeom prst="rect">
             <a:avLst/>
@@ -2024,13 +1925,10 @@
         </p:spPr>
         <p:txBody>
           <a:bodyPr lIns="0" rIns="0" tIns="0" bIns="0" anchor="t">
-            <a:noAutofit/>
-          </a:bodyPr>
-          <a:p>
-            <a:endParaRPr b="0" lang="en-US" sz="2400" spc="-1" strike="noStrike">
-              <a:solidFill>
-                <a:srgbClr val="009bdd"/>
-              </a:solidFill>
+            <a:normAutofit/>
+          </a:bodyPr>
+          <a:p>
+            <a:endParaRPr b="0" lang="en-US" sz="3200" spc="-1" strike="noStrike">
               <a:latin typeface="Arial"/>
             </a:endParaRPr>
           </a:p>
@@ -2043,7 +1941,7 @@
             <a:spLocks noGrp="1"/>
           </p:cNvSpPr>
           <p:nvPr>
-            <p:ph type="ftr" idx="2"/>
+            <p:ph type="ftr" idx="1"/>
           </p:nvPr>
         </p:nvSpPr>
         <p:spPr/>
@@ -2063,14 +1961,14 @@
             <a:spLocks noGrp="1"/>
           </p:cNvSpPr>
           <p:nvPr>
-            <p:ph type="sldNum" idx="3"/>
+            <p:ph type="sldNum" idx="2"/>
           </p:nvPr>
         </p:nvSpPr>
         <p:spPr/>
         <p:txBody>
           <a:bodyPr/>
           <a:p>
-            <a:fld id="{CB491B62-8766-4B38-972D-491E18A73C80}" type="slidenum">
+            <a:fld id="{B815A0F2-DB2A-4BFE-8D4D-70790EAA1F3D}" type="slidenum">
               <a:t>&lt;#&gt;</a:t>
             </a:fld>
           </a:p>
@@ -2083,7 +1981,7 @@
             <a:spLocks noGrp="1"/>
           </p:cNvSpPr>
           <p:nvPr>
-            <p:ph type="dt" idx="1"/>
+            <p:ph type="dt" idx="3"/>
           </p:nvPr>
         </p:nvSpPr>
         <p:spPr/>
@@ -2131,8 +2029,8 @@
         </p:nvSpPr>
         <p:spPr>
           <a:xfrm>
-            <a:off x="360000" y="180000"/>
-            <a:ext cx="9360000" cy="478080"/>
+            <a:off x="504000" y="226080"/>
+            <a:ext cx="9072000" cy="946440"/>
           </a:xfrm>
           <a:prstGeom prst="rect">
             <a:avLst/>
@@ -2150,10 +2048,7 @@
             <a:pPr algn="ctr">
               <a:buNone/>
             </a:pPr>
-            <a:endParaRPr b="0" lang="en-US" sz="3300" spc="-1" strike="noStrike">
-              <a:solidFill>
-                <a:srgbClr val="ffffff"/>
-              </a:solidFill>
+            <a:endParaRPr b="0" lang="en-US" sz="4400" spc="-1" strike="noStrike">
               <a:latin typeface="Arial"/>
             </a:endParaRPr>
           </a:p>
@@ -2171,8 +2066,8 @@
         </p:nvSpPr>
         <p:spPr>
           <a:xfrm>
-            <a:off x="360000" y="1080000"/>
-            <a:ext cx="4567320" cy="1716840"/>
+            <a:off x="504000" y="1326600"/>
+            <a:ext cx="4426920" cy="1568520"/>
           </a:xfrm>
           <a:prstGeom prst="rect">
             <a:avLst/>
@@ -2184,13 +2079,10 @@
         </p:spPr>
         <p:txBody>
           <a:bodyPr lIns="0" rIns="0" tIns="0" bIns="0" anchor="t">
-            <a:noAutofit/>
-          </a:bodyPr>
-          <a:p>
-            <a:endParaRPr b="0" lang="en-US" sz="2400" spc="-1" strike="noStrike">
-              <a:solidFill>
-                <a:srgbClr val="009bdd"/>
-              </a:solidFill>
+            <a:normAutofit/>
+          </a:bodyPr>
+          <a:p>
+            <a:endParaRPr b="0" lang="en-US" sz="3200" spc="-1" strike="noStrike">
               <a:latin typeface="Arial"/>
             </a:endParaRPr>
           </a:p>
@@ -2208,8 +2100,8 @@
         </p:nvSpPr>
         <p:spPr>
           <a:xfrm>
-            <a:off x="5155920" y="1080000"/>
-            <a:ext cx="4567320" cy="1716840"/>
+            <a:off x="5152680" y="1326600"/>
+            <a:ext cx="4426920" cy="1568520"/>
           </a:xfrm>
           <a:prstGeom prst="rect">
             <a:avLst/>
@@ -2221,13 +2113,10 @@
         </p:spPr>
         <p:txBody>
           <a:bodyPr lIns="0" rIns="0" tIns="0" bIns="0" anchor="t">
-            <a:noAutofit/>
-          </a:bodyPr>
-          <a:p>
-            <a:endParaRPr b="0" lang="en-US" sz="2400" spc="-1" strike="noStrike">
-              <a:solidFill>
-                <a:srgbClr val="009bdd"/>
-              </a:solidFill>
+            <a:normAutofit/>
+          </a:bodyPr>
+          <a:p>
+            <a:endParaRPr b="0" lang="en-US" sz="3200" spc="-1" strike="noStrike">
               <a:latin typeface="Arial"/>
             </a:endParaRPr>
           </a:p>
@@ -2245,8 +2134,8 @@
         </p:nvSpPr>
         <p:spPr>
           <a:xfrm>
-            <a:off x="360000" y="2960280"/>
-            <a:ext cx="9360000" cy="1716840"/>
+            <a:off x="504000" y="3044520"/>
+            <a:ext cx="9072000" cy="1568520"/>
           </a:xfrm>
           <a:prstGeom prst="rect">
             <a:avLst/>
@@ -2258,13 +2147,10 @@
         </p:spPr>
         <p:txBody>
           <a:bodyPr lIns="0" rIns="0" tIns="0" bIns="0" anchor="t">
-            <a:noAutofit/>
-          </a:bodyPr>
-          <a:p>
-            <a:endParaRPr b="0" lang="en-US" sz="2400" spc="-1" strike="noStrike">
-              <a:solidFill>
-                <a:srgbClr val="009bdd"/>
-              </a:solidFill>
+            <a:normAutofit/>
+          </a:bodyPr>
+          <a:p>
+            <a:endParaRPr b="0" lang="en-US" sz="3200" spc="-1" strike="noStrike">
               <a:latin typeface="Arial"/>
             </a:endParaRPr>
           </a:p>
@@ -2277,7 +2163,7 @@
             <a:spLocks noGrp="1"/>
           </p:cNvSpPr>
           <p:nvPr>
-            <p:ph type="ftr" idx="2"/>
+            <p:ph type="ftr" idx="1"/>
           </p:nvPr>
         </p:nvSpPr>
         <p:spPr/>
@@ -2297,14 +2183,14 @@
             <a:spLocks noGrp="1"/>
           </p:cNvSpPr>
           <p:nvPr>
-            <p:ph type="sldNum" idx="3"/>
+            <p:ph type="sldNum" idx="2"/>
           </p:nvPr>
         </p:nvSpPr>
         <p:spPr/>
         <p:txBody>
           <a:bodyPr/>
           <a:p>
-            <a:fld id="{2F4701D6-85DA-4EB0-A3B3-A57817D41CA2}" type="slidenum">
+            <a:fld id="{F304D936-732B-40DD-B9FD-C00A0603E869}" type="slidenum">
               <a:t>&lt;#&gt;</a:t>
             </a:fld>
           </a:p>
@@ -2317,7 +2203,7 @@
             <a:spLocks noGrp="1"/>
           </p:cNvSpPr>
           <p:nvPr>
-            <p:ph type="dt" idx="1"/>
+            <p:ph type="dt" idx="3"/>
           </p:nvPr>
         </p:nvSpPr>
         <p:spPr/>
@@ -2365,8 +2251,8 @@
         </p:nvSpPr>
         <p:spPr>
           <a:xfrm>
-            <a:off x="360000" y="180000"/>
-            <a:ext cx="9360000" cy="478080"/>
+            <a:off x="504000" y="226080"/>
+            <a:ext cx="9072000" cy="946440"/>
           </a:xfrm>
           <a:prstGeom prst="rect">
             <a:avLst/>
@@ -2384,10 +2270,7 @@
             <a:pPr algn="ctr">
               <a:buNone/>
             </a:pPr>
-            <a:endParaRPr b="0" lang="en-US" sz="3300" spc="-1" strike="noStrike">
-              <a:solidFill>
-                <a:srgbClr val="ffffff"/>
-              </a:solidFill>
+            <a:endParaRPr b="0" lang="en-US" sz="4400" spc="-1" strike="noStrike">
               <a:latin typeface="Arial"/>
             </a:endParaRPr>
           </a:p>
@@ -2405,8 +2288,8 @@
         </p:nvSpPr>
         <p:spPr>
           <a:xfrm>
-            <a:off x="360000" y="1080000"/>
-            <a:ext cx="9360000" cy="1716840"/>
+            <a:off x="504000" y="1326600"/>
+            <a:ext cx="9072000" cy="1568520"/>
           </a:xfrm>
           <a:prstGeom prst="rect">
             <a:avLst/>
@@ -2418,13 +2301,10 @@
         </p:spPr>
         <p:txBody>
           <a:bodyPr lIns="0" rIns="0" tIns="0" bIns="0" anchor="t">
-            <a:noAutofit/>
-          </a:bodyPr>
-          <a:p>
-            <a:endParaRPr b="0" lang="en-US" sz="2400" spc="-1" strike="noStrike">
-              <a:solidFill>
-                <a:srgbClr val="009bdd"/>
-              </a:solidFill>
+            <a:normAutofit/>
+          </a:bodyPr>
+          <a:p>
+            <a:endParaRPr b="0" lang="en-US" sz="3200" spc="-1" strike="noStrike">
               <a:latin typeface="Arial"/>
             </a:endParaRPr>
           </a:p>
@@ -2442,8 +2322,8 @@
         </p:nvSpPr>
         <p:spPr>
           <a:xfrm>
-            <a:off x="360000" y="2960280"/>
-            <a:ext cx="9360000" cy="1716840"/>
+            <a:off x="504000" y="3044520"/>
+            <a:ext cx="9072000" cy="1568520"/>
           </a:xfrm>
           <a:prstGeom prst="rect">
             <a:avLst/>
@@ -2455,13 +2335,10 @@
         </p:spPr>
         <p:txBody>
           <a:bodyPr lIns="0" rIns="0" tIns="0" bIns="0" anchor="t">
-            <a:noAutofit/>
-          </a:bodyPr>
-          <a:p>
-            <a:endParaRPr b="0" lang="en-US" sz="2400" spc="-1" strike="noStrike">
-              <a:solidFill>
-                <a:srgbClr val="009bdd"/>
-              </a:solidFill>
+            <a:normAutofit/>
+          </a:bodyPr>
+          <a:p>
+            <a:endParaRPr b="0" lang="en-US" sz="3200" spc="-1" strike="noStrike">
               <a:latin typeface="Arial"/>
             </a:endParaRPr>
           </a:p>
@@ -2474,7 +2351,7 @@
             <a:spLocks noGrp="1"/>
           </p:cNvSpPr>
           <p:nvPr>
-            <p:ph type="ftr" idx="2"/>
+            <p:ph type="ftr" idx="1"/>
           </p:nvPr>
         </p:nvSpPr>
         <p:spPr/>
@@ -2494,14 +2371,14 @@
             <a:spLocks noGrp="1"/>
           </p:cNvSpPr>
           <p:nvPr>
-            <p:ph type="sldNum" idx="3"/>
+            <p:ph type="sldNum" idx="2"/>
           </p:nvPr>
         </p:nvSpPr>
         <p:spPr/>
         <p:txBody>
           <a:bodyPr/>
           <a:p>
-            <a:fld id="{0A4C6BE2-2453-4615-A7E8-6A38217BCDC6}" type="slidenum">
+            <a:fld id="{DB1D2451-4384-4CCA-8849-90F2EB068F46}" type="slidenum">
               <a:t>&lt;#&gt;</a:t>
             </a:fld>
           </a:p>
@@ -2514,7 +2391,7 @@
             <a:spLocks noGrp="1"/>
           </p:cNvSpPr>
           <p:nvPr>
-            <p:ph type="dt" idx="1"/>
+            <p:ph type="dt" idx="3"/>
           </p:nvPr>
         </p:nvSpPr>
         <p:spPr/>
@@ -2562,8 +2439,8 @@
         </p:nvSpPr>
         <p:spPr>
           <a:xfrm>
-            <a:off x="360000" y="180000"/>
-            <a:ext cx="9360000" cy="478080"/>
+            <a:off x="504000" y="226080"/>
+            <a:ext cx="9072000" cy="946440"/>
           </a:xfrm>
           <a:prstGeom prst="rect">
             <a:avLst/>
@@ -2581,10 +2458,7 @@
             <a:pPr algn="ctr">
               <a:buNone/>
             </a:pPr>
-            <a:endParaRPr b="0" lang="en-US" sz="3300" spc="-1" strike="noStrike">
-              <a:solidFill>
-                <a:srgbClr val="ffffff"/>
-              </a:solidFill>
+            <a:endParaRPr b="0" lang="en-US" sz="4400" spc="-1" strike="noStrike">
               <a:latin typeface="Arial"/>
             </a:endParaRPr>
           </a:p>
@@ -2602,8 +2476,8 @@
         </p:nvSpPr>
         <p:spPr>
           <a:xfrm>
-            <a:off x="360000" y="1080000"/>
-            <a:ext cx="4567320" cy="1716840"/>
+            <a:off x="504000" y="1326600"/>
+            <a:ext cx="4426920" cy="1568520"/>
           </a:xfrm>
           <a:prstGeom prst="rect">
             <a:avLst/>
@@ -2615,13 +2489,10 @@
         </p:spPr>
         <p:txBody>
           <a:bodyPr lIns="0" rIns="0" tIns="0" bIns="0" anchor="t">
-            <a:noAutofit/>
-          </a:bodyPr>
-          <a:p>
-            <a:endParaRPr b="0" lang="en-US" sz="2400" spc="-1" strike="noStrike">
-              <a:solidFill>
-                <a:srgbClr val="009bdd"/>
-              </a:solidFill>
+            <a:normAutofit/>
+          </a:bodyPr>
+          <a:p>
+            <a:endParaRPr b="0" lang="en-US" sz="3200" spc="-1" strike="noStrike">
               <a:latin typeface="Arial"/>
             </a:endParaRPr>
           </a:p>
@@ -2639,8 +2510,8 @@
         </p:nvSpPr>
         <p:spPr>
           <a:xfrm>
-            <a:off x="5155920" y="1080000"/>
-            <a:ext cx="4567320" cy="1716840"/>
+            <a:off x="5152680" y="1326600"/>
+            <a:ext cx="4426920" cy="1568520"/>
           </a:xfrm>
           <a:prstGeom prst="rect">
             <a:avLst/>
@@ -2652,13 +2523,10 @@
         </p:spPr>
         <p:txBody>
           <a:bodyPr lIns="0" rIns="0" tIns="0" bIns="0" anchor="t">
-            <a:noAutofit/>
-          </a:bodyPr>
-          <a:p>
-            <a:endParaRPr b="0" lang="en-US" sz="2400" spc="-1" strike="noStrike">
-              <a:solidFill>
-                <a:srgbClr val="009bdd"/>
-              </a:solidFill>
+            <a:normAutofit/>
+          </a:bodyPr>
+          <a:p>
+            <a:endParaRPr b="0" lang="en-US" sz="3200" spc="-1" strike="noStrike">
               <a:latin typeface="Arial"/>
             </a:endParaRPr>
           </a:p>
@@ -2676,8 +2544,8 @@
         </p:nvSpPr>
         <p:spPr>
           <a:xfrm>
-            <a:off x="360000" y="2960280"/>
-            <a:ext cx="4567320" cy="1716840"/>
+            <a:off x="504000" y="3044520"/>
+            <a:ext cx="4426920" cy="1568520"/>
           </a:xfrm>
           <a:prstGeom prst="rect">
             <a:avLst/>
@@ -2689,13 +2557,10 @@
         </p:spPr>
         <p:txBody>
           <a:bodyPr lIns="0" rIns="0" tIns="0" bIns="0" anchor="t">
-            <a:noAutofit/>
-          </a:bodyPr>
-          <a:p>
-            <a:endParaRPr b="0" lang="en-US" sz="2400" spc="-1" strike="noStrike">
-              <a:solidFill>
-                <a:srgbClr val="009bdd"/>
-              </a:solidFill>
+            <a:normAutofit/>
+          </a:bodyPr>
+          <a:p>
+            <a:endParaRPr b="0" lang="en-US" sz="3200" spc="-1" strike="noStrike">
               <a:latin typeface="Arial"/>
             </a:endParaRPr>
           </a:p>
@@ -2713,8 +2578,8 @@
         </p:nvSpPr>
         <p:spPr>
           <a:xfrm>
-            <a:off x="5155920" y="2960280"/>
-            <a:ext cx="4567320" cy="1716840"/>
+            <a:off x="5152680" y="3044520"/>
+            <a:ext cx="4426920" cy="1568520"/>
           </a:xfrm>
           <a:prstGeom prst="rect">
             <a:avLst/>
@@ -2726,13 +2591,10 @@
         </p:spPr>
         <p:txBody>
           <a:bodyPr lIns="0" rIns="0" tIns="0" bIns="0" anchor="t">
-            <a:noAutofit/>
-          </a:bodyPr>
-          <a:p>
-            <a:endParaRPr b="0" lang="en-US" sz="2400" spc="-1" strike="noStrike">
-              <a:solidFill>
-                <a:srgbClr val="009bdd"/>
-              </a:solidFill>
+            <a:normAutofit/>
+          </a:bodyPr>
+          <a:p>
+            <a:endParaRPr b="0" lang="en-US" sz="3200" spc="-1" strike="noStrike">
               <a:latin typeface="Arial"/>
             </a:endParaRPr>
           </a:p>
@@ -2745,7 +2607,7 @@
             <a:spLocks noGrp="1"/>
           </p:cNvSpPr>
           <p:nvPr>
-            <p:ph type="ftr" idx="2"/>
+            <p:ph type="ftr" idx="1"/>
           </p:nvPr>
         </p:nvSpPr>
         <p:spPr/>
@@ -2765,14 +2627,14 @@
             <a:spLocks noGrp="1"/>
           </p:cNvSpPr>
           <p:nvPr>
-            <p:ph type="sldNum" idx="3"/>
+            <p:ph type="sldNum" idx="2"/>
           </p:nvPr>
         </p:nvSpPr>
         <p:spPr/>
         <p:txBody>
           <a:bodyPr/>
           <a:p>
-            <a:fld id="{22923ADB-C0DA-4213-AB9F-13D117F30AEE}" type="slidenum">
+            <a:fld id="{094FF05C-2BB3-4FC8-A0B4-947E89870634}" type="slidenum">
               <a:t>&lt;#&gt;</a:t>
             </a:fld>
           </a:p>
@@ -2785,7 +2647,7 @@
             <a:spLocks noGrp="1"/>
           </p:cNvSpPr>
           <p:nvPr>
-            <p:ph type="dt" idx="1"/>
+            <p:ph type="dt" idx="3"/>
           </p:nvPr>
         </p:nvSpPr>
         <p:spPr/>
@@ -2833,8 +2695,8 @@
         </p:nvSpPr>
         <p:spPr>
           <a:xfrm>
-            <a:off x="360000" y="180000"/>
-            <a:ext cx="9360000" cy="478080"/>
+            <a:off x="504000" y="226080"/>
+            <a:ext cx="9072000" cy="946440"/>
           </a:xfrm>
           <a:prstGeom prst="rect">
             <a:avLst/>
@@ -2852,10 +2714,7 @@
             <a:pPr algn="ctr">
               <a:buNone/>
             </a:pPr>
-            <a:endParaRPr b="0" lang="en-US" sz="3300" spc="-1" strike="noStrike">
-              <a:solidFill>
-                <a:srgbClr val="ffffff"/>
-              </a:solidFill>
+            <a:endParaRPr b="0" lang="en-US" sz="4400" spc="-1" strike="noStrike">
               <a:latin typeface="Arial"/>
             </a:endParaRPr>
           </a:p>
@@ -2873,8 +2732,8 @@
         </p:nvSpPr>
         <p:spPr>
           <a:xfrm>
-            <a:off x="360000" y="1080000"/>
-            <a:ext cx="3013560" cy="1716840"/>
+            <a:off x="504000" y="1326600"/>
+            <a:ext cx="2921040" cy="1568520"/>
           </a:xfrm>
           <a:prstGeom prst="rect">
             <a:avLst/>
@@ -2886,13 +2745,10 @@
         </p:spPr>
         <p:txBody>
           <a:bodyPr lIns="0" rIns="0" tIns="0" bIns="0" anchor="t">
-            <a:noAutofit/>
-          </a:bodyPr>
-          <a:p>
-            <a:endParaRPr b="0" lang="en-US" sz="2400" spc="-1" strike="noStrike">
-              <a:solidFill>
-                <a:srgbClr val="009bdd"/>
-              </a:solidFill>
+            <a:normAutofit/>
+          </a:bodyPr>
+          <a:p>
+            <a:endParaRPr b="0" lang="en-US" sz="3200" spc="-1" strike="noStrike">
               <a:latin typeface="Arial"/>
             </a:endParaRPr>
           </a:p>
@@ -2910,8 +2766,8 @@
         </p:nvSpPr>
         <p:spPr>
           <a:xfrm>
-            <a:off x="3524760" y="1080000"/>
-            <a:ext cx="3013560" cy="1716840"/>
+            <a:off x="3571560" y="1326600"/>
+            <a:ext cx="2921040" cy="1568520"/>
           </a:xfrm>
           <a:prstGeom prst="rect">
             <a:avLst/>
@@ -2923,13 +2779,10 @@
         </p:spPr>
         <p:txBody>
           <a:bodyPr lIns="0" rIns="0" tIns="0" bIns="0" anchor="t">
-            <a:noAutofit/>
-          </a:bodyPr>
-          <a:p>
-            <a:endParaRPr b="0" lang="en-US" sz="2400" spc="-1" strike="noStrike">
-              <a:solidFill>
-                <a:srgbClr val="009bdd"/>
-              </a:solidFill>
+            <a:normAutofit/>
+          </a:bodyPr>
+          <a:p>
+            <a:endParaRPr b="0" lang="en-US" sz="3200" spc="-1" strike="noStrike">
               <a:latin typeface="Arial"/>
             </a:endParaRPr>
           </a:p>
@@ -2947,8 +2800,8 @@
         </p:nvSpPr>
         <p:spPr>
           <a:xfrm>
-            <a:off x="6689160" y="1080000"/>
-            <a:ext cx="3013560" cy="1716840"/>
+            <a:off x="6639120" y="1326600"/>
+            <a:ext cx="2921040" cy="1568520"/>
           </a:xfrm>
           <a:prstGeom prst="rect">
             <a:avLst/>
@@ -2960,13 +2813,10 @@
         </p:spPr>
         <p:txBody>
           <a:bodyPr lIns="0" rIns="0" tIns="0" bIns="0" anchor="t">
-            <a:noAutofit/>
-          </a:bodyPr>
-          <a:p>
-            <a:endParaRPr b="0" lang="en-US" sz="2400" spc="-1" strike="noStrike">
-              <a:solidFill>
-                <a:srgbClr val="009bdd"/>
-              </a:solidFill>
+            <a:normAutofit/>
+          </a:bodyPr>
+          <a:p>
+            <a:endParaRPr b="0" lang="en-US" sz="3200" spc="-1" strike="noStrike">
               <a:latin typeface="Arial"/>
             </a:endParaRPr>
           </a:p>
@@ -2984,8 +2834,8 @@
         </p:nvSpPr>
         <p:spPr>
           <a:xfrm>
-            <a:off x="360000" y="2960280"/>
-            <a:ext cx="3013560" cy="1716840"/>
+            <a:off x="504000" y="3044520"/>
+            <a:ext cx="2921040" cy="1568520"/>
           </a:xfrm>
           <a:prstGeom prst="rect">
             <a:avLst/>
@@ -2997,13 +2847,10 @@
         </p:spPr>
         <p:txBody>
           <a:bodyPr lIns="0" rIns="0" tIns="0" bIns="0" anchor="t">
-            <a:noAutofit/>
-          </a:bodyPr>
-          <a:p>
-            <a:endParaRPr b="0" lang="en-US" sz="2400" spc="-1" strike="noStrike">
-              <a:solidFill>
-                <a:srgbClr val="009bdd"/>
-              </a:solidFill>
+            <a:normAutofit/>
+          </a:bodyPr>
+          <a:p>
+            <a:endParaRPr b="0" lang="en-US" sz="3200" spc="-1" strike="noStrike">
               <a:latin typeface="Arial"/>
             </a:endParaRPr>
           </a:p>
@@ -3021,8 +2868,8 @@
         </p:nvSpPr>
         <p:spPr>
           <a:xfrm>
-            <a:off x="3524760" y="2960280"/>
-            <a:ext cx="3013560" cy="1716840"/>
+            <a:off x="3571560" y="3044520"/>
+            <a:ext cx="2921040" cy="1568520"/>
           </a:xfrm>
           <a:prstGeom prst="rect">
             <a:avLst/>
@@ -3034,13 +2881,10 @@
         </p:spPr>
         <p:txBody>
           <a:bodyPr lIns="0" rIns="0" tIns="0" bIns="0" anchor="t">
-            <a:noAutofit/>
-          </a:bodyPr>
-          <a:p>
-            <a:endParaRPr b="0" lang="en-US" sz="2400" spc="-1" strike="noStrike">
-              <a:solidFill>
-                <a:srgbClr val="009bdd"/>
-              </a:solidFill>
+            <a:normAutofit/>
+          </a:bodyPr>
+          <a:p>
+            <a:endParaRPr b="0" lang="en-US" sz="3200" spc="-1" strike="noStrike">
               <a:latin typeface="Arial"/>
             </a:endParaRPr>
           </a:p>
@@ -3058,8 +2902,8 @@
         </p:nvSpPr>
         <p:spPr>
           <a:xfrm>
-            <a:off x="6689160" y="2960280"/>
-            <a:ext cx="3013560" cy="1716840"/>
+            <a:off x="6639120" y="3044520"/>
+            <a:ext cx="2921040" cy="1568520"/>
           </a:xfrm>
           <a:prstGeom prst="rect">
             <a:avLst/>
@@ -3071,13 +2915,10 @@
         </p:spPr>
         <p:txBody>
           <a:bodyPr lIns="0" rIns="0" tIns="0" bIns="0" anchor="t">
-            <a:noAutofit/>
-          </a:bodyPr>
-          <a:p>
-            <a:endParaRPr b="0" lang="en-US" sz="2400" spc="-1" strike="noStrike">
-              <a:solidFill>
-                <a:srgbClr val="009bdd"/>
-              </a:solidFill>
+            <a:normAutofit/>
+          </a:bodyPr>
+          <a:p>
+            <a:endParaRPr b="0" lang="en-US" sz="3200" spc="-1" strike="noStrike">
               <a:latin typeface="Arial"/>
             </a:endParaRPr>
           </a:p>
@@ -3090,7 +2931,7 @@
             <a:spLocks noGrp="1"/>
           </p:cNvSpPr>
           <p:nvPr>
-            <p:ph type="ftr" idx="2"/>
+            <p:ph type="ftr" idx="1"/>
           </p:nvPr>
         </p:nvSpPr>
         <p:spPr/>
@@ -3110,14 +2951,14 @@
             <a:spLocks noGrp="1"/>
           </p:cNvSpPr>
           <p:nvPr>
-            <p:ph type="sldNum" idx="3"/>
+            <p:ph type="sldNum" idx="2"/>
           </p:nvPr>
         </p:nvSpPr>
         <p:spPr/>
         <p:txBody>
           <a:bodyPr/>
           <a:p>
-            <a:fld id="{2A2A192D-6A3C-4210-802C-08ABF16E073B}" type="slidenum">
+            <a:fld id="{13B72340-1A80-4E20-A11E-117FAB532737}" type="slidenum">
               <a:t>&lt;#&gt;</a:t>
             </a:fld>
           </a:p>
@@ -3130,7 +2971,7 @@
             <a:spLocks noGrp="1"/>
           </p:cNvSpPr>
           <p:nvPr>
-            <p:ph type="dt" idx="1"/>
+            <p:ph type="dt" idx="3"/>
           </p:nvPr>
         </p:nvSpPr>
         <p:spPr/>
@@ -3178,8 +3019,8 @@
         </p:nvSpPr>
         <p:spPr>
           <a:xfrm>
-            <a:off x="360000" y="180000"/>
-            <a:ext cx="9360000" cy="478080"/>
+            <a:off x="504000" y="226080"/>
+            <a:ext cx="9072000" cy="946440"/>
           </a:xfrm>
           <a:prstGeom prst="rect">
             <a:avLst/>
@@ -3197,10 +3038,7 @@
             <a:pPr algn="ctr">
               <a:buNone/>
             </a:pPr>
-            <a:endParaRPr b="0" lang="en-US" sz="3300" spc="-1" strike="noStrike">
-              <a:solidFill>
-                <a:srgbClr val="ffffff"/>
-              </a:solidFill>
+            <a:endParaRPr b="0" lang="en-US" sz="4400" spc="-1" strike="noStrike">
               <a:latin typeface="Arial"/>
             </a:endParaRPr>
           </a:p>
@@ -3218,8 +3056,8 @@
         </p:nvSpPr>
         <p:spPr>
           <a:xfrm>
-            <a:off x="360000" y="1080000"/>
-            <a:ext cx="9360000" cy="3600000"/>
+            <a:off x="504000" y="1326600"/>
+            <a:ext cx="9072000" cy="3288600"/>
           </a:xfrm>
           <a:prstGeom prst="rect">
             <a:avLst/>
@@ -3231,13 +3069,10 @@
         </p:spPr>
         <p:txBody>
           <a:bodyPr lIns="0" rIns="0" tIns="0" bIns="0" anchor="t">
-            <a:noAutofit/>
-          </a:bodyPr>
-          <a:p>
-            <a:endParaRPr b="0" lang="en-US" sz="2400" spc="-1" strike="noStrike">
-              <a:solidFill>
-                <a:srgbClr val="009bdd"/>
-              </a:solidFill>
+            <a:normAutofit/>
+          </a:bodyPr>
+          <a:p>
+            <a:endParaRPr b="0" lang="en-US" sz="3200" spc="-1" strike="noStrike">
               <a:latin typeface="Arial"/>
             </a:endParaRPr>
           </a:p>
@@ -3277,8 +3112,8 @@
         </p:nvSpPr>
         <p:spPr>
           <a:xfrm>
-            <a:off x="360000" y="180000"/>
-            <a:ext cx="9360000" cy="478080"/>
+            <a:off x="504000" y="226080"/>
+            <a:ext cx="9072000" cy="946440"/>
           </a:xfrm>
           <a:prstGeom prst="rect">
             <a:avLst/>
@@ -3296,10 +3131,7 @@
             <a:pPr algn="ctr">
               <a:buNone/>
             </a:pPr>
-            <a:endParaRPr b="0" lang="en-US" sz="3300" spc="-1" strike="noStrike">
-              <a:solidFill>
-                <a:srgbClr val="ffffff"/>
-              </a:solidFill>
+            <a:endParaRPr b="0" lang="en-US" sz="4400" spc="-1" strike="noStrike">
               <a:latin typeface="Arial"/>
             </a:endParaRPr>
           </a:p>
@@ -3317,8 +3149,8 @@
         </p:nvSpPr>
         <p:spPr>
           <a:xfrm>
-            <a:off x="360000" y="1080000"/>
-            <a:ext cx="4567320" cy="3600000"/>
+            <a:off x="504000" y="1326600"/>
+            <a:ext cx="4426920" cy="3288600"/>
           </a:xfrm>
           <a:prstGeom prst="rect">
             <a:avLst/>
@@ -3330,13 +3162,10 @@
         </p:spPr>
         <p:txBody>
           <a:bodyPr lIns="0" rIns="0" tIns="0" bIns="0" anchor="t">
-            <a:noAutofit/>
-          </a:bodyPr>
-          <a:p>
-            <a:endParaRPr b="0" lang="en-US" sz="2400" spc="-1" strike="noStrike">
-              <a:solidFill>
-                <a:srgbClr val="009bdd"/>
-              </a:solidFill>
+            <a:normAutofit/>
+          </a:bodyPr>
+          <a:p>
+            <a:endParaRPr b="0" lang="en-US" sz="3200" spc="-1" strike="noStrike">
               <a:latin typeface="Arial"/>
             </a:endParaRPr>
           </a:p>
@@ -3354,8 +3183,8 @@
         </p:nvSpPr>
         <p:spPr>
           <a:xfrm>
-            <a:off x="5155920" y="1080000"/>
-            <a:ext cx="4567320" cy="3600000"/>
+            <a:off x="5152680" y="1326600"/>
+            <a:ext cx="4426920" cy="3288600"/>
           </a:xfrm>
           <a:prstGeom prst="rect">
             <a:avLst/>
@@ -3367,13 +3196,10 @@
         </p:spPr>
         <p:txBody>
           <a:bodyPr lIns="0" rIns="0" tIns="0" bIns="0" anchor="t">
-            <a:noAutofit/>
-          </a:bodyPr>
-          <a:p>
-            <a:endParaRPr b="0" lang="en-US" sz="2400" spc="-1" strike="noStrike">
-              <a:solidFill>
-                <a:srgbClr val="009bdd"/>
-              </a:solidFill>
+            <a:normAutofit/>
+          </a:bodyPr>
+          <a:p>
+            <a:endParaRPr b="0" lang="en-US" sz="3200" spc="-1" strike="noStrike">
               <a:latin typeface="Arial"/>
             </a:endParaRPr>
           </a:p>
@@ -3413,8 +3239,8 @@
         </p:nvSpPr>
         <p:spPr>
           <a:xfrm>
-            <a:off x="360000" y="180000"/>
-            <a:ext cx="9360000" cy="478080"/>
+            <a:off x="504000" y="226080"/>
+            <a:ext cx="9072000" cy="946440"/>
           </a:xfrm>
           <a:prstGeom prst="rect">
             <a:avLst/>
@@ -3432,10 +3258,7 @@
             <a:pPr algn="ctr">
               <a:buNone/>
             </a:pPr>
-            <a:endParaRPr b="0" lang="en-US" sz="3300" spc="-1" strike="noStrike">
-              <a:solidFill>
-                <a:srgbClr val="ffffff"/>
-              </a:solidFill>
+            <a:endParaRPr b="0" lang="en-US" sz="4400" spc="-1" strike="noStrike">
               <a:latin typeface="Arial"/>
             </a:endParaRPr>
           </a:p>
@@ -3475,8 +3298,8 @@
         </p:nvSpPr>
         <p:spPr>
           <a:xfrm>
-            <a:off x="360000" y="180000"/>
-            <a:ext cx="9360000" cy="2217240"/>
+            <a:off x="504000" y="226080"/>
+            <a:ext cx="9072000" cy="4388400"/>
           </a:xfrm>
           <a:prstGeom prst="rect">
             <a:avLst/>
@@ -3495,9 +3318,6 @@
               <a:buNone/>
             </a:pPr>
             <a:endParaRPr b="0" lang="en-US" sz="3200" spc="-1" strike="noStrike">
-              <a:highlight>
-                <a:srgbClr val="ffffff"/>
-              </a:highlight>
               <a:latin typeface="Arial"/>
             </a:endParaRPr>
           </a:p>
@@ -3537,8 +3357,8 @@
         </p:nvSpPr>
         <p:spPr>
           <a:xfrm>
-            <a:off x="360000" y="180000"/>
-            <a:ext cx="9360000" cy="478080"/>
+            <a:off x="504000" y="226080"/>
+            <a:ext cx="9072000" cy="946440"/>
           </a:xfrm>
           <a:prstGeom prst="rect">
             <a:avLst/>
@@ -3556,10 +3376,7 @@
             <a:pPr algn="ctr">
               <a:buNone/>
             </a:pPr>
-            <a:endParaRPr b="0" lang="en-US" sz="3300" spc="-1" strike="noStrike">
-              <a:solidFill>
-                <a:srgbClr val="ffffff"/>
-              </a:solidFill>
+            <a:endParaRPr b="0" lang="en-US" sz="4400" spc="-1" strike="noStrike">
               <a:latin typeface="Arial"/>
             </a:endParaRPr>
           </a:p>
@@ -3577,8 +3394,8 @@
         </p:nvSpPr>
         <p:spPr>
           <a:xfrm>
-            <a:off x="360000" y="1080000"/>
-            <a:ext cx="4567320" cy="1716840"/>
+            <a:off x="504000" y="1326600"/>
+            <a:ext cx="4426920" cy="1568520"/>
           </a:xfrm>
           <a:prstGeom prst="rect">
             <a:avLst/>
@@ -3590,13 +3407,10 @@
         </p:spPr>
         <p:txBody>
           <a:bodyPr lIns="0" rIns="0" tIns="0" bIns="0" anchor="t">
-            <a:noAutofit/>
-          </a:bodyPr>
-          <a:p>
-            <a:endParaRPr b="0" lang="en-US" sz="2400" spc="-1" strike="noStrike">
-              <a:solidFill>
-                <a:srgbClr val="009bdd"/>
-              </a:solidFill>
+            <a:normAutofit/>
+          </a:bodyPr>
+          <a:p>
+            <a:endParaRPr b="0" lang="en-US" sz="3200" spc="-1" strike="noStrike">
               <a:latin typeface="Arial"/>
             </a:endParaRPr>
           </a:p>
@@ -3614,8 +3428,8 @@
         </p:nvSpPr>
         <p:spPr>
           <a:xfrm>
-            <a:off x="5155920" y="1080000"/>
-            <a:ext cx="4567320" cy="3600000"/>
+            <a:off x="5152680" y="1326600"/>
+            <a:ext cx="4426920" cy="3288600"/>
           </a:xfrm>
           <a:prstGeom prst="rect">
             <a:avLst/>
@@ -3627,13 +3441,10 @@
         </p:spPr>
         <p:txBody>
           <a:bodyPr lIns="0" rIns="0" tIns="0" bIns="0" anchor="t">
-            <a:noAutofit/>
-          </a:bodyPr>
-          <a:p>
-            <a:endParaRPr b="0" lang="en-US" sz="2400" spc="-1" strike="noStrike">
-              <a:solidFill>
-                <a:srgbClr val="009bdd"/>
-              </a:solidFill>
+            <a:normAutofit/>
+          </a:bodyPr>
+          <a:p>
+            <a:endParaRPr b="0" lang="en-US" sz="3200" spc="-1" strike="noStrike">
               <a:latin typeface="Arial"/>
             </a:endParaRPr>
           </a:p>
@@ -3651,8 +3462,8 @@
         </p:nvSpPr>
         <p:spPr>
           <a:xfrm>
-            <a:off x="360000" y="2960280"/>
-            <a:ext cx="4567320" cy="1716840"/>
+            <a:off x="504000" y="3044520"/>
+            <a:ext cx="4426920" cy="1568520"/>
           </a:xfrm>
           <a:prstGeom prst="rect">
             <a:avLst/>
@@ -3664,13 +3475,10 @@
         </p:spPr>
         <p:txBody>
           <a:bodyPr lIns="0" rIns="0" tIns="0" bIns="0" anchor="t">
-            <a:noAutofit/>
-          </a:bodyPr>
-          <a:p>
-            <a:endParaRPr b="0" lang="en-US" sz="2400" spc="-1" strike="noStrike">
-              <a:solidFill>
-                <a:srgbClr val="009bdd"/>
-              </a:solidFill>
+            <a:normAutofit/>
+          </a:bodyPr>
+          <a:p>
+            <a:endParaRPr b="0" lang="en-US" sz="3200" spc="-1" strike="noStrike">
               <a:latin typeface="Arial"/>
             </a:endParaRPr>
           </a:p>
@@ -3710,8 +3518,8 @@
         </p:nvSpPr>
         <p:spPr>
           <a:xfrm>
-            <a:off x="360000" y="180000"/>
-            <a:ext cx="9360000" cy="478080"/>
+            <a:off x="504000" y="226080"/>
+            <a:ext cx="9072000" cy="946440"/>
           </a:xfrm>
           <a:prstGeom prst="rect">
             <a:avLst/>
@@ -3729,10 +3537,7 @@
             <a:pPr algn="ctr">
               <a:buNone/>
             </a:pPr>
-            <a:endParaRPr b="0" lang="en-US" sz="3300" spc="-1" strike="noStrike">
-              <a:solidFill>
-                <a:srgbClr val="ffffff"/>
-              </a:solidFill>
+            <a:endParaRPr b="0" lang="en-US" sz="4400" spc="-1" strike="noStrike">
               <a:latin typeface="Arial"/>
             </a:endParaRPr>
           </a:p>
@@ -3750,8 +3555,8 @@
         </p:nvSpPr>
         <p:spPr>
           <a:xfrm>
-            <a:off x="360000" y="1080000"/>
-            <a:ext cx="4567320" cy="3600000"/>
+            <a:off x="504000" y="1326600"/>
+            <a:ext cx="4426920" cy="3288600"/>
           </a:xfrm>
           <a:prstGeom prst="rect">
             <a:avLst/>
@@ -3763,13 +3568,10 @@
         </p:spPr>
         <p:txBody>
           <a:bodyPr lIns="0" rIns="0" tIns="0" bIns="0" anchor="t">
-            <a:noAutofit/>
-          </a:bodyPr>
-          <a:p>
-            <a:endParaRPr b="0" lang="en-US" sz="2400" spc="-1" strike="noStrike">
-              <a:solidFill>
-                <a:srgbClr val="009bdd"/>
-              </a:solidFill>
+            <a:normAutofit/>
+          </a:bodyPr>
+          <a:p>
+            <a:endParaRPr b="0" lang="en-US" sz="3200" spc="-1" strike="noStrike">
               <a:latin typeface="Arial"/>
             </a:endParaRPr>
           </a:p>
@@ -3787,8 +3589,8 @@
         </p:nvSpPr>
         <p:spPr>
           <a:xfrm>
-            <a:off x="5155920" y="1080000"/>
-            <a:ext cx="4567320" cy="1716840"/>
+            <a:off x="5152680" y="1326600"/>
+            <a:ext cx="4426920" cy="1568520"/>
           </a:xfrm>
           <a:prstGeom prst="rect">
             <a:avLst/>
@@ -3800,13 +3602,10 @@
         </p:spPr>
         <p:txBody>
           <a:bodyPr lIns="0" rIns="0" tIns="0" bIns="0" anchor="t">
-            <a:noAutofit/>
-          </a:bodyPr>
-          <a:p>
-            <a:endParaRPr b="0" lang="en-US" sz="2400" spc="-1" strike="noStrike">
-              <a:solidFill>
-                <a:srgbClr val="009bdd"/>
-              </a:solidFill>
+            <a:normAutofit/>
+          </a:bodyPr>
+          <a:p>
+            <a:endParaRPr b="0" lang="en-US" sz="3200" spc="-1" strike="noStrike">
               <a:latin typeface="Arial"/>
             </a:endParaRPr>
           </a:p>
@@ -3824,8 +3623,8 @@
         </p:nvSpPr>
         <p:spPr>
           <a:xfrm>
-            <a:off x="5155920" y="2960280"/>
-            <a:ext cx="4567320" cy="1716840"/>
+            <a:off x="5152680" y="3044520"/>
+            <a:ext cx="4426920" cy="1568520"/>
           </a:xfrm>
           <a:prstGeom prst="rect">
             <a:avLst/>
@@ -3837,13 +3636,10 @@
         </p:spPr>
         <p:txBody>
           <a:bodyPr lIns="0" rIns="0" tIns="0" bIns="0" anchor="t">
-            <a:noAutofit/>
-          </a:bodyPr>
-          <a:p>
-            <a:endParaRPr b="0" lang="en-US" sz="2400" spc="-1" strike="noStrike">
-              <a:solidFill>
-                <a:srgbClr val="009bdd"/>
-              </a:solidFill>
+            <a:normAutofit/>
+          </a:bodyPr>
+          <a:p>
+            <a:endParaRPr b="0" lang="en-US" sz="3200" spc="-1" strike="noStrike">
               <a:latin typeface="Arial"/>
             </a:endParaRPr>
           </a:p>
@@ -3883,8 +3679,8 @@
         </p:nvSpPr>
         <p:spPr>
           <a:xfrm>
-            <a:off x="360000" y="180000"/>
-            <a:ext cx="9360000" cy="478080"/>
+            <a:off x="504000" y="226080"/>
+            <a:ext cx="9072000" cy="946440"/>
           </a:xfrm>
           <a:prstGeom prst="rect">
             <a:avLst/>
@@ -3902,10 +3698,7 @@
             <a:pPr algn="ctr">
               <a:buNone/>
             </a:pPr>
-            <a:endParaRPr b="0" lang="en-US" sz="3300" spc="-1" strike="noStrike">
-              <a:solidFill>
-                <a:srgbClr val="ffffff"/>
-              </a:solidFill>
+            <a:endParaRPr b="0" lang="en-US" sz="4400" spc="-1" strike="noStrike">
               <a:latin typeface="Arial"/>
             </a:endParaRPr>
           </a:p>
@@ -3923,8 +3716,8 @@
         </p:nvSpPr>
         <p:spPr>
           <a:xfrm>
-            <a:off x="360000" y="1080000"/>
-            <a:ext cx="4567320" cy="1716840"/>
+            <a:off x="504000" y="1326600"/>
+            <a:ext cx="4426920" cy="1568520"/>
           </a:xfrm>
           <a:prstGeom prst="rect">
             <a:avLst/>
@@ -3936,13 +3729,10 @@
         </p:spPr>
         <p:txBody>
           <a:bodyPr lIns="0" rIns="0" tIns="0" bIns="0" anchor="t">
-            <a:noAutofit/>
-          </a:bodyPr>
-          <a:p>
-            <a:endParaRPr b="0" lang="en-US" sz="2400" spc="-1" strike="noStrike">
-              <a:solidFill>
-                <a:srgbClr val="009bdd"/>
-              </a:solidFill>
+            <a:normAutofit/>
+          </a:bodyPr>
+          <a:p>
+            <a:endParaRPr b="0" lang="en-US" sz="3200" spc="-1" strike="noStrike">
               <a:latin typeface="Arial"/>
             </a:endParaRPr>
           </a:p>
@@ -3960,8 +3750,8 @@
         </p:nvSpPr>
         <p:spPr>
           <a:xfrm>
-            <a:off x="5155920" y="1080000"/>
-            <a:ext cx="4567320" cy="1716840"/>
+            <a:off x="5152680" y="1326600"/>
+            <a:ext cx="4426920" cy="1568520"/>
           </a:xfrm>
           <a:prstGeom prst="rect">
             <a:avLst/>
@@ -3973,13 +3763,10 @@
         </p:spPr>
         <p:txBody>
           <a:bodyPr lIns="0" rIns="0" tIns="0" bIns="0" anchor="t">
-            <a:noAutofit/>
-          </a:bodyPr>
-          <a:p>
-            <a:endParaRPr b="0" lang="en-US" sz="2400" spc="-1" strike="noStrike">
-              <a:solidFill>
-                <a:srgbClr val="009bdd"/>
-              </a:solidFill>
+            <a:normAutofit/>
+          </a:bodyPr>
+          <a:p>
+            <a:endParaRPr b="0" lang="en-US" sz="3200" spc="-1" strike="noStrike">
               <a:latin typeface="Arial"/>
             </a:endParaRPr>
           </a:p>
@@ -3997,8 +3784,8 @@
         </p:nvSpPr>
         <p:spPr>
           <a:xfrm>
-            <a:off x="360000" y="2960280"/>
-            <a:ext cx="9360000" cy="1716840"/>
+            <a:off x="504000" y="3044520"/>
+            <a:ext cx="9072000" cy="1568520"/>
           </a:xfrm>
           <a:prstGeom prst="rect">
             <a:avLst/>
@@ -4010,13 +3797,10 @@
         </p:spPr>
         <p:txBody>
           <a:bodyPr lIns="0" rIns="0" tIns="0" bIns="0" anchor="t">
-            <a:noAutofit/>
-          </a:bodyPr>
-          <a:p>
-            <a:endParaRPr b="0" lang="en-US" sz="2400" spc="-1" strike="noStrike">
-              <a:solidFill>
-                <a:srgbClr val="009bdd"/>
-              </a:solidFill>
+            <a:normAutofit/>
+          </a:bodyPr>
+          <a:p>
+            <a:endParaRPr b="0" lang="en-US" sz="3200" spc="-1" strike="noStrike">
               <a:latin typeface="Arial"/>
             </a:endParaRPr>
           </a:p>
@@ -4052,8 +3836,8 @@
         </p:nvSpPr>
         <p:spPr>
           <a:xfrm flipH="1" flipV="1">
-            <a:off x="0" y="4500000"/>
-            <a:ext cx="10080000" cy="1170000"/>
+            <a:off x="-720" y="4499280"/>
+            <a:ext cx="10079280" cy="1169280"/>
           </a:xfrm>
           <a:prstGeom prst="flowChartDocument">
             <a:avLst/>
@@ -4073,7 +3857,7 @@
             <a:noFill/>
           </a:ln>
           <a:effectLst>
-            <a:outerShdw dist="10800" dir="5400000" blurRad="0" rotWithShape="0">
+            <a:outerShdw blurRad="0" dir="5400000" dist="10800" rotWithShape="0">
               <a:srgbClr val="009bdd"/>
             </a:outerShdw>
           </a:effectLst>
@@ -4087,7 +3871,163 @@
       </p:sp>
       <p:sp>
         <p:nvSpPr>
-          <p:cNvPr id="1" name="PlaceHolder 1"/>
+          <p:cNvPr id="1" name=""/>
+          <p:cNvSpPr/>
+          <p:nvPr/>
+        </p:nvSpPr>
+        <p:spPr>
+          <a:xfrm>
+            <a:off x="360000" y="5220000"/>
+            <a:ext cx="2339280" cy="359280"/>
+          </a:xfrm>
+          <a:prstGeom prst="rect">
+            <a:avLst/>
+          </a:prstGeom>
+          <a:noFill/>
+          <a:ln w="0">
+            <a:noFill/>
+          </a:ln>
+        </p:spPr>
+        <p:style>
+          <a:lnRef idx="0"/>
+          <a:fillRef idx="0"/>
+          <a:effectRef idx="0"/>
+          <a:fontRef idx="minor"/>
+        </p:style>
+        <p:txBody>
+          <a:bodyPr lIns="0" rIns="0" tIns="0" bIns="0" anchor="t">
+            <a:noAutofit/>
+          </a:bodyPr>
+          <a:p>
+            <a:pPr>
+              <a:lnSpc>
+                <a:spcPct val="100000"/>
+              </a:lnSpc>
+              <a:buNone/>
+            </a:pPr>
+            <a:r>
+              <a:rPr b="0" lang="en-US" sz="1400" spc="-1" strike="noStrike">
+                <a:solidFill>
+                  <a:srgbClr val="ffffff"/>
+                </a:solidFill>
+                <a:latin typeface="Arial"/>
+                <a:ea typeface="DejaVu Sans"/>
+              </a:rPr>
+              <a:t>&lt;date/time&gt;</a:t>
+            </a:r>
+            <a:endParaRPr b="0" lang="en-US" sz="1400" spc="-1" strike="noStrike">
+              <a:latin typeface="Arial"/>
+            </a:endParaRPr>
+          </a:p>
+        </p:txBody>
+      </p:sp>
+      <p:sp>
+        <p:nvSpPr>
+          <p:cNvPr id="2" name=""/>
+          <p:cNvSpPr/>
+          <p:nvPr/>
+        </p:nvSpPr>
+        <p:spPr>
+          <a:xfrm>
+            <a:off x="3420000" y="5220000"/>
+            <a:ext cx="3239280" cy="359280"/>
+          </a:xfrm>
+          <a:prstGeom prst="rect">
+            <a:avLst/>
+          </a:prstGeom>
+          <a:noFill/>
+          <a:ln w="0">
+            <a:noFill/>
+          </a:ln>
+        </p:spPr>
+        <p:style>
+          <a:lnRef idx="0"/>
+          <a:fillRef idx="0"/>
+          <a:effectRef idx="0"/>
+          <a:fontRef idx="minor"/>
+        </p:style>
+        <p:txBody>
+          <a:bodyPr lIns="0" rIns="0" tIns="0" bIns="0" anchor="t">
+            <a:noAutofit/>
+          </a:bodyPr>
+          <a:p>
+            <a:pPr algn="ctr">
+              <a:lnSpc>
+                <a:spcPct val="100000"/>
+              </a:lnSpc>
+              <a:buNone/>
+            </a:pPr>
+            <a:r>
+              <a:rPr b="0" lang="en-US" sz="1400" spc="-1" strike="noStrike">
+                <a:solidFill>
+                  <a:srgbClr val="ffffff"/>
+                </a:solidFill>
+                <a:latin typeface="Arial"/>
+                <a:ea typeface="DejaVu Sans"/>
+              </a:rPr>
+              <a:t>&lt;footer&gt;</a:t>
+            </a:r>
+            <a:endParaRPr b="0" lang="en-US" sz="1400" spc="-1" strike="noStrike">
+              <a:latin typeface="Arial"/>
+            </a:endParaRPr>
+          </a:p>
+        </p:txBody>
+      </p:sp>
+      <p:sp>
+        <p:nvSpPr>
+          <p:cNvPr id="3" name=""/>
+          <p:cNvSpPr/>
+          <p:nvPr/>
+        </p:nvSpPr>
+        <p:spPr>
+          <a:xfrm>
+            <a:off x="7380000" y="5220000"/>
+            <a:ext cx="2339280" cy="359280"/>
+          </a:xfrm>
+          <a:prstGeom prst="rect">
+            <a:avLst/>
+          </a:prstGeom>
+          <a:noFill/>
+          <a:ln w="0">
+            <a:noFill/>
+          </a:ln>
+        </p:spPr>
+        <p:style>
+          <a:lnRef idx="0"/>
+          <a:fillRef idx="0"/>
+          <a:effectRef idx="0"/>
+          <a:fontRef idx="minor"/>
+        </p:style>
+        <p:txBody>
+          <a:bodyPr lIns="0" rIns="0" tIns="0" bIns="0" anchor="t">
+            <a:noAutofit/>
+          </a:bodyPr>
+          <a:p>
+            <a:pPr algn="r">
+              <a:lnSpc>
+                <a:spcPct val="100000"/>
+              </a:lnSpc>
+              <a:buNone/>
+            </a:pPr>
+            <a:fld id="{C4D0ACF4-F55C-42A3-8CFE-04C074515B5E}" type="slidenum">
+              <a:rPr b="0" lang="en-US" sz="1400" spc="-1" strike="noStrike">
+                <a:solidFill>
+                  <a:srgbClr val="ffffff"/>
+                </a:solidFill>
+                <a:latin typeface="Arial"/>
+                <a:ea typeface="DejaVu Sans"/>
+              </a:rPr>
+              <a:t>4</a:t>
+            </a:fld>
+            <a:endParaRPr b="0" lang="en-US" sz="1400" spc="-1" strike="noStrike">
+              <a:latin typeface="Arial"/>
+            </a:endParaRPr>
+          </a:p>
+        </p:txBody>
+      </p:sp>
+      <p:sp>
+        <p:nvSpPr>
+          <p:cNvPr id="4" name="PlaceHolder 1"/>
           <p:cNvSpPr>
             <a:spLocks noGrp="1"/>
           </p:cNvSpPr>
@@ -4097,8 +4037,8 @@
         </p:nvSpPr>
         <p:spPr>
           <a:xfrm>
-            <a:off x="0" y="1620000"/>
-            <a:ext cx="9000000" cy="1080000"/>
+            <a:off x="360000" y="106200"/>
+            <a:ext cx="9359280" cy="624960"/>
           </a:xfrm>
           <a:prstGeom prst="rect">
             <a:avLst/>
@@ -4113,30 +4053,21 @@
             <a:noAutofit/>
           </a:bodyPr>
           <a:p>
-            <a:pPr algn="ctr">
-              <a:buNone/>
-            </a:pPr>
-            <a:r>
-              <a:rPr b="0" lang="en-US" sz="3300" spc="-1" strike="noStrike">
-                <a:solidFill>
-                  <a:srgbClr val="dd4100"/>
-                </a:solidFill>
+            <a:r>
+              <a:rPr b="0" lang="en-US" sz="1800" spc="-1" strike="noStrike">
                 <a:latin typeface="Arial"/>
               </a:rPr>
               <a:t>Click to edit the title text format</a:t>
             </a:r>
-            <a:endParaRPr b="0" lang="en-US" sz="3300" spc="-1" strike="noStrike">
-              <a:solidFill>
-                <a:srgbClr val="dd4100"/>
-              </a:solidFill>
-              <a:latin typeface="Arial"/>
-            </a:endParaRPr>
-          </a:p>
-        </p:txBody>
-      </p:sp>
-      <p:sp>
-        <p:nvSpPr>
-          <p:cNvPr id="2" name="PlaceHolder 2"/>
+            <a:endParaRPr b="0" lang="en-US" sz="1800" spc="-1" strike="noStrike">
+              <a:latin typeface="Arial"/>
+            </a:endParaRPr>
+          </a:p>
+        </p:txBody>
+      </p:sp>
+      <p:sp>
+        <p:nvSpPr>
+          <p:cNvPr id="5" name="PlaceHolder 2"/>
           <p:cNvSpPr>
             <a:spLocks noGrp="1"/>
           </p:cNvSpPr>
@@ -4146,8 +4077,8 @@
         </p:nvSpPr>
         <p:spPr>
           <a:xfrm>
-            <a:off x="360000" y="2880000"/>
-            <a:ext cx="9360000" cy="1620000"/>
+            <a:off x="504000" y="1326600"/>
+            <a:ext cx="9072000" cy="3288600"/>
           </a:xfrm>
           <a:prstGeom prst="rect">
             <a:avLst/>
@@ -4159,333 +4090,159 @@
         </p:spPr>
         <p:txBody>
           <a:bodyPr lIns="0" rIns="0" tIns="0" bIns="0" anchor="t">
-            <a:normAutofit fontScale="78000"/>
+            <a:normAutofit/>
           </a:bodyPr>
           <a:p>
             <a:pPr marL="432000" indent="-324000">
               <a:spcBef>
-                <a:spcPts val="1060"/>
+                <a:spcPts val="1417"/>
               </a:spcBef>
               <a:buClr>
-                <a:srgbClr val="77caee"/>
+                <a:srgbClr val="000000"/>
               </a:buClr>
               <a:buSzPct val="45000"/>
               <a:buFont typeface="Wingdings" charset="2"/>
               <a:buChar char=""/>
             </a:pPr>
             <a:r>
-              <a:rPr b="0" lang="en-US" sz="2400" spc="-1" strike="noStrike">
-                <a:solidFill>
-                  <a:srgbClr val="009bdd"/>
-                </a:solidFill>
+              <a:rPr b="0" lang="en-US" sz="3200" spc="-1" strike="noStrike">
                 <a:latin typeface="Arial"/>
               </a:rPr>
               <a:t>Click to edit the outline text format</a:t>
             </a:r>
-            <a:endParaRPr b="0" lang="en-US" sz="2400" spc="-1" strike="noStrike">
-              <a:solidFill>
-                <a:srgbClr val="009bdd"/>
-              </a:solidFill>
+            <a:endParaRPr b="0" lang="en-US" sz="3200" spc="-1" strike="noStrike">
               <a:latin typeface="Arial"/>
             </a:endParaRPr>
           </a:p>
           <a:p>
             <a:pPr lvl="1" marL="864000" indent="-324000">
+              <a:spcBef>
+                <a:spcPts val="1134"/>
+              </a:spcBef>
+              <a:buClr>
+                <a:srgbClr val="000000"/>
+              </a:buClr>
+              <a:buSzPct val="75000"/>
+              <a:buFont typeface="Symbol" charset="2"/>
+              <a:buChar char=""/>
+            </a:pPr>
+            <a:r>
+              <a:rPr b="0" lang="en-US" sz="2800" spc="-1" strike="noStrike">
+                <a:latin typeface="Arial"/>
+              </a:rPr>
+              <a:t>Second Outline Level</a:t>
+            </a:r>
+            <a:endParaRPr b="0" lang="en-US" sz="2800" spc="-1" strike="noStrike">
+              <a:latin typeface="Arial"/>
+            </a:endParaRPr>
+          </a:p>
+          <a:p>
+            <a:pPr lvl="2" marL="1296000" indent="-288000">
               <a:spcBef>
                 <a:spcPts val="850"/>
               </a:spcBef>
               <a:buClr>
-                <a:srgbClr val="77caee"/>
+                <a:srgbClr val="000000"/>
               </a:buClr>
               <a:buSzPct val="45000"/>
               <a:buFont typeface="Wingdings" charset="2"/>
               <a:buChar char=""/>
             </a:pPr>
             <a:r>
-              <a:rPr b="0" lang="en-US" sz="2100" spc="-1" strike="noStrike">
-                <a:solidFill>
-                  <a:srgbClr val="009bdd"/>
-                </a:solidFill>
-                <a:latin typeface="Arial"/>
-              </a:rPr>
-              <a:t>Second Outline Level</a:t>
-            </a:r>
-            <a:endParaRPr b="0" lang="en-US" sz="2100" spc="-1" strike="noStrike">
-              <a:solidFill>
-                <a:srgbClr val="009bdd"/>
-              </a:solidFill>
-              <a:latin typeface="Arial"/>
-            </a:endParaRPr>
-          </a:p>
-          <a:p>
-            <a:pPr lvl="2" marL="1296000" indent="-288000">
+              <a:rPr b="0" lang="en-US" sz="2400" spc="-1" strike="noStrike">
+                <a:latin typeface="Arial"/>
+              </a:rPr>
+              <a:t>Third Outline Level</a:t>
+            </a:r>
+            <a:endParaRPr b="0" lang="en-US" sz="2400" spc="-1" strike="noStrike">
+              <a:latin typeface="Arial"/>
+            </a:endParaRPr>
+          </a:p>
+          <a:p>
+            <a:pPr lvl="3" marL="1728000" indent="-216000">
               <a:spcBef>
-                <a:spcPts val="635"/>
+                <a:spcPts val="567"/>
               </a:spcBef>
               <a:buClr>
-                <a:srgbClr val="77caee"/>
+                <a:srgbClr val="000000"/>
+              </a:buClr>
+              <a:buSzPct val="75000"/>
+              <a:buFont typeface="Symbol" charset="2"/>
+              <a:buChar char=""/>
+            </a:pPr>
+            <a:r>
+              <a:rPr b="0" lang="en-US" sz="2000" spc="-1" strike="noStrike">
+                <a:latin typeface="Arial"/>
+              </a:rPr>
+              <a:t>Fourth Outline Level</a:t>
+            </a:r>
+            <a:endParaRPr b="0" lang="en-US" sz="2000" spc="-1" strike="noStrike">
+              <a:latin typeface="Arial"/>
+            </a:endParaRPr>
+          </a:p>
+          <a:p>
+            <a:pPr lvl="4" marL="2160000" indent="-216000">
+              <a:spcBef>
+                <a:spcPts val="283"/>
+              </a:spcBef>
+              <a:buClr>
+                <a:srgbClr val="000000"/>
               </a:buClr>
               <a:buSzPct val="45000"/>
               <a:buFont typeface="Wingdings" charset="2"/>
               <a:buChar char=""/>
             </a:pPr>
             <a:r>
-              <a:rPr b="0" lang="en-US" sz="1800" spc="-1" strike="noStrike">
-                <a:solidFill>
-                  <a:srgbClr val="009bdd"/>
-                </a:solidFill>
-                <a:latin typeface="Arial"/>
-              </a:rPr>
-              <a:t>Third Outline Level</a:t>
-            </a:r>
-            <a:endParaRPr b="0" lang="en-US" sz="1800" spc="-1" strike="noStrike">
-              <a:solidFill>
-                <a:srgbClr val="009bdd"/>
-              </a:solidFill>
-              <a:latin typeface="Arial"/>
-            </a:endParaRPr>
-          </a:p>
-          <a:p>
-            <a:pPr lvl="3" marL="1728000" indent="-216000">
+              <a:rPr b="0" lang="en-US" sz="2000" spc="-1" strike="noStrike">
+                <a:latin typeface="Arial"/>
+              </a:rPr>
+              <a:t>Fifth Outline Level</a:t>
+            </a:r>
+            <a:endParaRPr b="0" lang="en-US" sz="2000" spc="-1" strike="noStrike">
+              <a:latin typeface="Arial"/>
+            </a:endParaRPr>
+          </a:p>
+          <a:p>
+            <a:pPr lvl="5" marL="2592000" indent="-216000">
               <a:spcBef>
-                <a:spcPts val="422"/>
+                <a:spcPts val="283"/>
               </a:spcBef>
               <a:buClr>
-                <a:srgbClr val="77caee"/>
+                <a:srgbClr val="000000"/>
               </a:buClr>
               <a:buSzPct val="45000"/>
               <a:buFont typeface="Wingdings" charset="2"/>
               <a:buChar char=""/>
             </a:pPr>
             <a:r>
-              <a:rPr b="0" lang="en-US" sz="1500" spc="-1" strike="noStrike">
-                <a:solidFill>
-                  <a:srgbClr val="009bdd"/>
-                </a:solidFill>
-                <a:latin typeface="Arial"/>
-              </a:rPr>
-              <a:t>Fourth Outline Level</a:t>
-            </a:r>
-            <a:endParaRPr b="0" lang="en-US" sz="1500" spc="-1" strike="noStrike">
-              <a:solidFill>
-                <a:srgbClr val="009bdd"/>
-              </a:solidFill>
-              <a:latin typeface="Arial"/>
-            </a:endParaRPr>
-          </a:p>
-          <a:p>
-            <a:pPr lvl="4" marL="2160000" indent="-216000">
+              <a:rPr b="0" lang="en-US" sz="2000" spc="-1" strike="noStrike">
+                <a:latin typeface="Arial"/>
+              </a:rPr>
+              <a:t>Sixth Outline Level</a:t>
+            </a:r>
+            <a:endParaRPr b="0" lang="en-US" sz="2000" spc="-1" strike="noStrike">
+              <a:latin typeface="Arial"/>
+            </a:endParaRPr>
+          </a:p>
+          <a:p>
+            <a:pPr lvl="6" marL="3024000" indent="-216000">
               <a:spcBef>
-                <a:spcPts val="210"/>
+                <a:spcPts val="283"/>
               </a:spcBef>
               <a:buClr>
-                <a:srgbClr val="77caee"/>
+                <a:srgbClr val="000000"/>
               </a:buClr>
               <a:buSzPct val="45000"/>
               <a:buFont typeface="Wingdings" charset="2"/>
               <a:buChar char=""/>
             </a:pPr>
             <a:r>
-              <a:rPr b="0" lang="en-US" sz="1500" spc="-1" strike="noStrike">
-                <a:solidFill>
-                  <a:srgbClr val="009bdd"/>
-                </a:solidFill>
-                <a:latin typeface="Arial"/>
-              </a:rPr>
-              <a:t>Fifth Outline Level</a:t>
-            </a:r>
-            <a:endParaRPr b="0" lang="en-US" sz="1500" spc="-1" strike="noStrike">
-              <a:solidFill>
-                <a:srgbClr val="009bdd"/>
-              </a:solidFill>
-              <a:latin typeface="Arial"/>
-            </a:endParaRPr>
-          </a:p>
-          <a:p>
-            <a:pPr lvl="5" marL="2592000" indent="-216000">
-              <a:spcBef>
-                <a:spcPts val="210"/>
-              </a:spcBef>
-              <a:buClr>
-                <a:srgbClr val="77caee"/>
-              </a:buClr>
-              <a:buSzPct val="45000"/>
-              <a:buFont typeface="Wingdings" charset="2"/>
-              <a:buChar char=""/>
-            </a:pPr>
-            <a:r>
-              <a:rPr b="0" lang="en-US" sz="1500" spc="-1" strike="noStrike">
-                <a:solidFill>
-                  <a:srgbClr val="009bdd"/>
-                </a:solidFill>
-                <a:latin typeface="Arial"/>
-              </a:rPr>
-              <a:t>Sixth Outline Level</a:t>
-            </a:r>
-            <a:endParaRPr b="0" lang="en-US" sz="1500" spc="-1" strike="noStrike">
-              <a:solidFill>
-                <a:srgbClr val="009bdd"/>
-              </a:solidFill>
-              <a:latin typeface="Arial"/>
-            </a:endParaRPr>
-          </a:p>
-          <a:p>
-            <a:pPr lvl="6" marL="3024000" indent="-216000">
-              <a:spcBef>
-                <a:spcPts val="210"/>
-              </a:spcBef>
-              <a:buClr>
-                <a:srgbClr val="77caee"/>
-              </a:buClr>
-              <a:buSzPct val="45000"/>
-              <a:buFont typeface="Wingdings" charset="2"/>
-              <a:buChar char=""/>
-            </a:pPr>
-            <a:r>
-              <a:rPr b="0" lang="en-US" sz="1500" spc="-1" strike="noStrike">
-                <a:solidFill>
-                  <a:srgbClr val="009bdd"/>
-                </a:solidFill>
+              <a:rPr b="0" lang="en-US" sz="2000" spc="-1" strike="noStrike">
                 <a:latin typeface="Arial"/>
               </a:rPr>
               <a:t>Seventh Outline Level</a:t>
             </a:r>
-            <a:endParaRPr b="0" lang="en-US" sz="1500" spc="-1" strike="noStrike">
-              <a:solidFill>
-                <a:srgbClr val="009bdd"/>
-              </a:solidFill>
-              <a:latin typeface="Arial"/>
-            </a:endParaRPr>
-          </a:p>
-        </p:txBody>
-      </p:sp>
-      <p:sp>
-        <p:nvSpPr>
-          <p:cNvPr id="3" name=""/>
-          <p:cNvSpPr txBox="1"/>
-          <p:nvPr/>
-        </p:nvSpPr>
-        <p:spPr>
-          <a:xfrm>
-            <a:off x="360000" y="5220000"/>
-            <a:ext cx="2340000" cy="360000"/>
-          </a:xfrm>
-          <a:prstGeom prst="rect">
-            <a:avLst/>
-          </a:prstGeom>
-          <a:noFill/>
-          <a:ln w="0">
-            <a:noFill/>
-          </a:ln>
-        </p:spPr>
-        <p:txBody>
-          <a:bodyPr lIns="0" rIns="0" tIns="0" bIns="0" anchor="t">
-            <a:noAutofit/>
-          </a:bodyPr>
-          <a:p>
-            <a:r>
-              <a:rPr b="0" lang="en-US" sz="1400" spc="-1" strike="noStrike">
-                <a:solidFill>
-                  <a:srgbClr val="ffffff"/>
-                </a:solidFill>
-                <a:latin typeface="Arial"/>
-              </a:rPr>
-              <a:t>&lt;date/time&gt;</a:t>
-            </a:r>
-            <a:endParaRPr b="0" lang="en-US" sz="1400" spc="-1" strike="noStrike">
-              <a:solidFill>
-                <a:srgbClr val="ffffff"/>
-              </a:solidFill>
-              <a:latin typeface="Arial"/>
-            </a:endParaRPr>
-          </a:p>
-        </p:txBody>
-      </p:sp>
-      <p:sp>
-        <p:nvSpPr>
-          <p:cNvPr id="4" name=""/>
-          <p:cNvSpPr txBox="1"/>
-          <p:nvPr/>
-        </p:nvSpPr>
-        <p:spPr>
-          <a:xfrm>
-            <a:off x="3420000" y="5220000"/>
-            <a:ext cx="3240000" cy="360000"/>
-          </a:xfrm>
-          <a:prstGeom prst="rect">
-            <a:avLst/>
-          </a:prstGeom>
-          <a:noFill/>
-          <a:ln w="0">
-            <a:noFill/>
-          </a:ln>
-        </p:spPr>
-        <p:txBody>
-          <a:bodyPr lIns="0" rIns="0" tIns="0" bIns="0" anchor="t">
-            <a:noAutofit/>
-          </a:bodyPr>
-          <a:p>
-            <a:pPr algn="ctr">
-              <a:buNone/>
-            </a:pPr>
-            <a:r>
-              <a:rPr b="0" lang="en-US" sz="1400" spc="-1" strike="noStrike">
-                <a:solidFill>
-                  <a:srgbClr val="ffffff"/>
-                </a:solidFill>
-                <a:latin typeface="Arial"/>
-              </a:rPr>
-              <a:t>&lt;footer&gt;</a:t>
-            </a:r>
-            <a:endParaRPr b="0" lang="en-US" sz="1400" spc="-1" strike="noStrike">
-              <a:solidFill>
-                <a:srgbClr val="ffffff"/>
-              </a:solidFill>
-              <a:latin typeface="Arial"/>
-            </a:endParaRPr>
-          </a:p>
-        </p:txBody>
-      </p:sp>
-      <p:sp>
-        <p:nvSpPr>
-          <p:cNvPr id="5" name=""/>
-          <p:cNvSpPr txBox="1"/>
-          <p:nvPr/>
-        </p:nvSpPr>
-        <p:spPr>
-          <a:xfrm>
-            <a:off x="7380000" y="5220000"/>
-            <a:ext cx="2340000" cy="360000"/>
-          </a:xfrm>
-          <a:prstGeom prst="rect">
-            <a:avLst/>
-          </a:prstGeom>
-          <a:noFill/>
-          <a:ln w="0">
-            <a:noFill/>
-          </a:ln>
-        </p:spPr>
-        <p:txBody>
-          <a:bodyPr lIns="0" rIns="0" tIns="0" bIns="0" anchor="t">
-            <a:noAutofit/>
-          </a:bodyPr>
-          <a:p>
-            <a:pPr algn="r">
-              <a:buNone/>
-            </a:pPr>
-            <a:fld id="{4EA3B634-EF6D-4D62-BBEC-25DF7723AD92}" type="slidenum">
-              <a:rPr b="0" lang="en-US" sz="1400" spc="-1" strike="noStrike">
-                <a:solidFill>
-                  <a:srgbClr val="ffffff"/>
-                </a:solidFill>
-                <a:latin typeface="Arial"/>
-              </a:rPr>
-              <a:t>&lt;number&gt;</a:t>
-            </a:fld>
-            <a:endParaRPr b="0" lang="en-US" sz="1400" spc="-1" strike="noStrike">
-              <a:solidFill>
-                <a:srgbClr val="ffffff"/>
-              </a:solidFill>
+            <a:endParaRPr b="0" lang="en-US" sz="2000" spc="-1" strike="noStrike">
               <a:latin typeface="Arial"/>
             </a:endParaRPr>
           </a:p>
@@ -4537,7 +4294,7 @@
         <p:spPr>
           <a:xfrm>
             <a:off x="0" y="0"/>
-            <a:ext cx="10076760" cy="720000"/>
+            <a:ext cx="10076040" cy="719280"/>
           </a:xfrm>
           <a:prstGeom prst="rect">
             <a:avLst/>
@@ -4557,7 +4314,7 @@
             <a:noFill/>
           </a:ln>
           <a:effectLst>
-            <a:outerShdw dist="10800" dir="5400000" blurRad="0" rotWithShape="0">
+            <a:outerShdw blurRad="0" dir="5400000" dist="10800" rotWithShape="0">
               <a:srgbClr val="009bdd"/>
             </a:outerShdw>
           </a:effectLst>
@@ -4578,7 +4335,7 @@
         <p:spPr>
           <a:xfrm>
             <a:off x="3240" y="5040000"/>
-            <a:ext cx="10076760" cy="631440"/>
+            <a:ext cx="10076040" cy="630720"/>
           </a:xfrm>
           <a:prstGeom prst="rect">
             <a:avLst/>
@@ -4598,7 +4355,7 @@
             <a:noFill/>
           </a:ln>
           <a:effectLst>
-            <a:outerShdw dist="10800" dir="5400000" blurRad="0" rotWithShape="0">
+            <a:outerShdw blurRad="0" dir="5400000" dist="10800" rotWithShape="0">
               <a:srgbClr val="009bdd"/>
             </a:outerShdw>
           </a:effectLst>
@@ -4617,62 +4374,13 @@
             <a:spLocks noGrp="1"/>
           </p:cNvSpPr>
           <p:nvPr>
-            <p:ph type="title"/>
-          </p:nvPr>
-        </p:nvSpPr>
-        <p:spPr>
-          <a:xfrm>
-            <a:off x="360000" y="180000"/>
-            <a:ext cx="9360000" cy="478080"/>
-          </a:xfrm>
-          <a:prstGeom prst="rect">
-            <a:avLst/>
-          </a:prstGeom>
-          <a:noFill/>
-          <a:ln w="0">
-            <a:noFill/>
-          </a:ln>
-        </p:spPr>
-        <p:txBody>
-          <a:bodyPr lIns="0" rIns="0" tIns="0" bIns="0" anchor="ctr">
-            <a:noAutofit/>
-          </a:bodyPr>
-          <a:p>
-            <a:pPr algn="ctr">
-              <a:buNone/>
-            </a:pPr>
-            <a:r>
-              <a:rPr b="0" lang="en-US" sz="3300" spc="-1" strike="noStrike">
-                <a:solidFill>
-                  <a:srgbClr val="ffffff"/>
-                </a:solidFill>
-                <a:latin typeface="Arial"/>
-              </a:rPr>
-              <a:t>Click to edit the title text format</a:t>
-            </a:r>
-            <a:endParaRPr b="0" lang="en-US" sz="3300" spc="-1" strike="noStrike">
-              <a:solidFill>
-                <a:srgbClr val="ffffff"/>
-              </a:solidFill>
-              <a:latin typeface="Arial"/>
-            </a:endParaRPr>
-          </a:p>
-        </p:txBody>
-      </p:sp>
-      <p:sp>
-        <p:nvSpPr>
-          <p:cNvPr id="45" name="PlaceHolder 2"/>
-          <p:cNvSpPr>
-            <a:spLocks noGrp="1"/>
-          </p:cNvSpPr>
-          <p:nvPr>
-            <p:ph type="body"/>
-          </p:nvPr>
-        </p:nvSpPr>
-        <p:spPr>
-          <a:xfrm>
-            <a:off x="360000" y="1080000"/>
-            <a:ext cx="9360000" cy="3600000"/>
+            <p:ph type="ftr" idx="1"/>
+          </p:nvPr>
+        </p:nvSpPr>
+        <p:spPr>
+          <a:xfrm>
+            <a:off x="3420000" y="5220000"/>
+            <a:ext cx="3239280" cy="359280"/>
           </a:xfrm>
           <a:prstGeom prst="rect">
             <a:avLst/>
@@ -4686,289 +4394,11 @@
           <a:bodyPr lIns="0" rIns="0" tIns="0" bIns="0" anchor="t">
             <a:noAutofit/>
           </a:bodyPr>
-          <a:p>
-            <a:pPr marL="432000" indent="-324000">
-              <a:spcBef>
-                <a:spcPts val="1060"/>
-              </a:spcBef>
-              <a:buClr>
-                <a:srgbClr val="77caee"/>
-              </a:buClr>
-              <a:buSzPct val="45000"/>
-              <a:buFont typeface="Wingdings" charset="2"/>
-              <a:buChar char=""/>
-            </a:pPr>
-            <a:r>
-              <a:rPr b="0" lang="en-US" sz="2400" spc="-1" strike="noStrike">
-                <a:solidFill>
-                  <a:srgbClr val="009bdd"/>
-                </a:solidFill>
-                <a:latin typeface="Arial"/>
-              </a:rPr>
-              <a:t>Click to edit the outline text format</a:t>
-            </a:r>
-            <a:endParaRPr b="0" lang="en-US" sz="2400" spc="-1" strike="noStrike">
-              <a:solidFill>
-                <a:srgbClr val="009bdd"/>
-              </a:solidFill>
-              <a:latin typeface="Arial"/>
-            </a:endParaRPr>
-          </a:p>
-          <a:p>
-            <a:pPr lvl="1" marL="864000" indent="-324000">
-              <a:spcBef>
-                <a:spcPts val="850"/>
-              </a:spcBef>
-              <a:buClr>
-                <a:srgbClr val="77caee"/>
-              </a:buClr>
-              <a:buSzPct val="45000"/>
-              <a:buFont typeface="Wingdings" charset="2"/>
-              <a:buChar char=""/>
-            </a:pPr>
-            <a:r>
-              <a:rPr b="0" lang="en-US" sz="2100" spc="-1" strike="noStrike">
-                <a:solidFill>
-                  <a:srgbClr val="009bdd"/>
-                </a:solidFill>
-                <a:latin typeface="Arial"/>
-              </a:rPr>
-              <a:t>Second Outline Level</a:t>
-            </a:r>
-            <a:endParaRPr b="0" lang="en-US" sz="2100" spc="-1" strike="noStrike">
-              <a:solidFill>
-                <a:srgbClr val="009bdd"/>
-              </a:solidFill>
-              <a:latin typeface="Arial"/>
-            </a:endParaRPr>
-          </a:p>
-          <a:p>
-            <a:pPr lvl="2" marL="1296000" indent="-288000">
-              <a:spcBef>
-                <a:spcPts val="635"/>
-              </a:spcBef>
-              <a:buClr>
-                <a:srgbClr val="77caee"/>
-              </a:buClr>
-              <a:buSzPct val="45000"/>
-              <a:buFont typeface="Wingdings" charset="2"/>
-              <a:buChar char=""/>
-            </a:pPr>
-            <a:r>
-              <a:rPr b="0" lang="en-US" sz="1800" spc="-1" strike="noStrike">
-                <a:solidFill>
-                  <a:srgbClr val="009bdd"/>
-                </a:solidFill>
-                <a:latin typeface="Arial"/>
-              </a:rPr>
-              <a:t>Third Outline Level</a:t>
-            </a:r>
-            <a:endParaRPr b="0" lang="en-US" sz="1800" spc="-1" strike="noStrike">
-              <a:solidFill>
-                <a:srgbClr val="009bdd"/>
-              </a:solidFill>
-              <a:latin typeface="Arial"/>
-            </a:endParaRPr>
-          </a:p>
-          <a:p>
-            <a:pPr lvl="3" marL="1728000" indent="-216000">
-              <a:spcBef>
-                <a:spcPts val="422"/>
-              </a:spcBef>
-              <a:buClr>
-                <a:srgbClr val="77caee"/>
-              </a:buClr>
-              <a:buSzPct val="45000"/>
-              <a:buFont typeface="Wingdings" charset="2"/>
-              <a:buChar char=""/>
-            </a:pPr>
-            <a:r>
-              <a:rPr b="0" lang="en-US" sz="1500" spc="-1" strike="noStrike">
-                <a:solidFill>
-                  <a:srgbClr val="009bdd"/>
-                </a:solidFill>
-                <a:latin typeface="Arial"/>
-              </a:rPr>
-              <a:t>Fourth Outline Level</a:t>
-            </a:r>
-            <a:endParaRPr b="0" lang="en-US" sz="1500" spc="-1" strike="noStrike">
-              <a:solidFill>
-                <a:srgbClr val="009bdd"/>
-              </a:solidFill>
-              <a:latin typeface="Arial"/>
-            </a:endParaRPr>
-          </a:p>
-          <a:p>
-            <a:pPr lvl="4" marL="2160000" indent="-216000">
-              <a:spcBef>
-                <a:spcPts val="210"/>
-              </a:spcBef>
-              <a:buClr>
-                <a:srgbClr val="77caee"/>
-              </a:buClr>
-              <a:buSzPct val="45000"/>
-              <a:buFont typeface="Wingdings" charset="2"/>
-              <a:buChar char=""/>
-            </a:pPr>
-            <a:r>
-              <a:rPr b="0" lang="en-US" sz="1500" spc="-1" strike="noStrike">
-                <a:solidFill>
-                  <a:srgbClr val="009bdd"/>
-                </a:solidFill>
-                <a:latin typeface="Arial"/>
-              </a:rPr>
-              <a:t>Fifth Outline Level</a:t>
-            </a:r>
-            <a:endParaRPr b="0" lang="en-US" sz="1500" spc="-1" strike="noStrike">
-              <a:solidFill>
-                <a:srgbClr val="009bdd"/>
-              </a:solidFill>
-              <a:latin typeface="Arial"/>
-            </a:endParaRPr>
-          </a:p>
-          <a:p>
-            <a:pPr lvl="5" marL="2592000" indent="-216000">
-              <a:spcBef>
-                <a:spcPts val="210"/>
-              </a:spcBef>
-              <a:buClr>
-                <a:srgbClr val="77caee"/>
-              </a:buClr>
-              <a:buSzPct val="45000"/>
-              <a:buFont typeface="Wingdings" charset="2"/>
-              <a:buChar char=""/>
-            </a:pPr>
-            <a:r>
-              <a:rPr b="0" lang="en-US" sz="1500" spc="-1" strike="noStrike">
-                <a:solidFill>
-                  <a:srgbClr val="009bdd"/>
-                </a:solidFill>
-                <a:latin typeface="Arial"/>
-              </a:rPr>
-              <a:t>Sixth Outline Level</a:t>
-            </a:r>
-            <a:endParaRPr b="0" lang="en-US" sz="1500" spc="-1" strike="noStrike">
-              <a:solidFill>
-                <a:srgbClr val="009bdd"/>
-              </a:solidFill>
-              <a:latin typeface="Arial"/>
-            </a:endParaRPr>
-          </a:p>
-          <a:p>
-            <a:pPr lvl="6" marL="3024000" indent="-216000">
-              <a:spcBef>
-                <a:spcPts val="210"/>
-              </a:spcBef>
-              <a:buClr>
-                <a:srgbClr val="77caee"/>
-              </a:buClr>
-              <a:buSzPct val="45000"/>
-              <a:buFont typeface="Wingdings" charset="2"/>
-              <a:buChar char=""/>
-            </a:pPr>
-            <a:r>
-              <a:rPr b="0" lang="en-US" sz="1500" spc="-1" strike="noStrike">
-                <a:solidFill>
-                  <a:srgbClr val="009bdd"/>
-                </a:solidFill>
-                <a:latin typeface="Arial"/>
-              </a:rPr>
-              <a:t>Seventh Outline Level</a:t>
-            </a:r>
-            <a:endParaRPr b="0" lang="en-US" sz="1500" spc="-1" strike="noStrike">
-              <a:solidFill>
-                <a:srgbClr val="009bdd"/>
-              </a:solidFill>
-              <a:latin typeface="Arial"/>
-            </a:endParaRPr>
-          </a:p>
-        </p:txBody>
-      </p:sp>
-      <p:sp>
-        <p:nvSpPr>
-          <p:cNvPr id="46" name="PlaceHolder 3"/>
-          <p:cNvSpPr>
-            <a:spLocks noGrp="1"/>
-          </p:cNvSpPr>
-          <p:nvPr>
-            <p:ph type="dt" idx="1"/>
-          </p:nvPr>
-        </p:nvSpPr>
-        <p:spPr>
-          <a:xfrm>
-            <a:off x="360000" y="5220000"/>
-            <a:ext cx="2340000" cy="360000"/>
-          </a:xfrm>
-          <a:prstGeom prst="rect">
-            <a:avLst/>
-          </a:prstGeom>
-          <a:noFill/>
-          <a:ln w="0">
-            <a:noFill/>
-          </a:ln>
-        </p:spPr>
-        <p:txBody>
-          <a:bodyPr lIns="0" rIns="0" tIns="0" bIns="0" anchor="t">
-            <a:noAutofit/>
-          </a:bodyPr>
-          <a:lstStyle>
-            <a:lvl1pPr>
-              <a:defRPr b="0" lang="en-US" sz="1400" spc="-1" strike="noStrike">
-                <a:solidFill>
-                  <a:srgbClr val="ffffff"/>
-                </a:solidFill>
-                <a:latin typeface="Arial"/>
-              </a:defRPr>
-            </a:lvl1pPr>
-          </a:lstStyle>
-          <a:p>
-            <a:r>
-              <a:rPr b="0" lang="en-US" sz="1400" spc="-1" strike="noStrike">
-                <a:solidFill>
-                  <a:srgbClr val="ffffff"/>
-                </a:solidFill>
-                <a:latin typeface="Arial"/>
-              </a:rPr>
-              <a:t>&lt;date/time&gt;</a:t>
-            </a:r>
-            <a:endParaRPr b="0" lang="en-US" sz="1400" spc="-1" strike="noStrike">
-              <a:solidFill>
-                <a:srgbClr val="ffffff"/>
-              </a:solidFill>
-              <a:latin typeface="Arial"/>
-            </a:endParaRPr>
-          </a:p>
-        </p:txBody>
-      </p:sp>
-      <p:sp>
-        <p:nvSpPr>
-          <p:cNvPr id="47" name="PlaceHolder 4"/>
-          <p:cNvSpPr>
-            <a:spLocks noGrp="1"/>
-          </p:cNvSpPr>
-          <p:nvPr>
-            <p:ph type="ftr" idx="2"/>
-          </p:nvPr>
-        </p:nvSpPr>
-        <p:spPr>
-          <a:xfrm>
-            <a:off x="3420000" y="5220000"/>
-            <a:ext cx="3240000" cy="360000"/>
-          </a:xfrm>
-          <a:prstGeom prst="rect">
-            <a:avLst/>
-          </a:prstGeom>
-          <a:noFill/>
-          <a:ln w="0">
-            <a:noFill/>
-          </a:ln>
-        </p:spPr>
-        <p:txBody>
-          <a:bodyPr lIns="0" rIns="0" tIns="0" bIns="0" anchor="t">
-            <a:noAutofit/>
-          </a:bodyPr>
           <a:lstStyle>
             <a:lvl1pPr algn="ctr">
+              <a:lnSpc>
+                <a:spcPct val="100000"/>
+              </a:lnSpc>
               <a:buNone/>
               <a:defRPr b="0" lang="en-US" sz="1400" spc="-1" strike="noStrike">
                 <a:solidFill>
@@ -4980,6 +4410,9 @@
           </a:lstStyle>
           <a:p>
             <a:pPr algn="ctr">
+              <a:lnSpc>
+                <a:spcPct val="100000"/>
+              </a:lnSpc>
               <a:buNone/>
             </a:pPr>
             <a:r>
@@ -4992,28 +4425,25 @@
               <a:t>&lt;footer&gt;</a:t>
             </a:r>
             <a:endParaRPr b="0" lang="en-US" sz="1400" spc="-1" strike="noStrike">
-              <a:solidFill>
-                <a:srgbClr val="ffffff"/>
-              </a:solidFill>
-              <a:latin typeface="Arial"/>
-            </a:endParaRPr>
-          </a:p>
-        </p:txBody>
-      </p:sp>
-      <p:sp>
-        <p:nvSpPr>
-          <p:cNvPr id="48" name="PlaceHolder 5"/>
-          <p:cNvSpPr>
-            <a:spLocks noGrp="1"/>
-          </p:cNvSpPr>
-          <p:nvPr>
-            <p:ph type="sldNum" idx="3"/>
+              <a:latin typeface="Times New Roman"/>
+            </a:endParaRPr>
+          </a:p>
+        </p:txBody>
+      </p:sp>
+      <p:sp>
+        <p:nvSpPr>
+          <p:cNvPr id="45" name="PlaceHolder 2"/>
+          <p:cNvSpPr>
+            <a:spLocks noGrp="1"/>
+          </p:cNvSpPr>
+          <p:nvPr>
+            <p:ph type="sldNum" idx="2"/>
           </p:nvPr>
         </p:nvSpPr>
         <p:spPr>
           <a:xfrm>
             <a:off x="7380000" y="5220000"/>
-            <a:ext cx="2340000" cy="360000"/>
+            <a:ext cx="2339280" cy="359280"/>
           </a:xfrm>
           <a:prstGeom prst="rect">
             <a:avLst/>
@@ -5029,6 +4459,9 @@
           </a:bodyPr>
           <a:lstStyle>
             <a:lvl1pPr algn="r">
+              <a:lnSpc>
+                <a:spcPct val="100000"/>
+              </a:lnSpc>
               <a:buNone/>
               <a:defRPr b="0" lang="en-US" sz="1400" spc="-1" strike="noStrike">
                 <a:solidFill>
@@ -5040,9 +4473,12 @@
           </a:lstStyle>
           <a:p>
             <a:pPr algn="r">
+              <a:lnSpc>
+                <a:spcPct val="100000"/>
+              </a:lnSpc>
               <a:buNone/>
             </a:pPr>
-            <a:fld id="{18A3F0CC-49AE-41D7-A32F-7BEAC8214B5C}" type="slidenum">
+            <a:fld id="{E2448B61-A6C3-4377-AFCF-D3B238EC4CD4}" type="slidenum">
               <a:rPr b="0" lang="en-US" sz="1400" spc="-1" strike="noStrike">
                 <a:solidFill>
                   <a:srgbClr val="ffffff"/>
@@ -5052,9 +4488,279 @@
               <a:t>&lt;number&gt;</a:t>
             </a:fld>
             <a:endParaRPr b="0" lang="en-US" sz="1400" spc="-1" strike="noStrike">
-              <a:solidFill>
-                <a:srgbClr val="ffffff"/>
-              </a:solidFill>
+              <a:latin typeface="Times New Roman"/>
+            </a:endParaRPr>
+          </a:p>
+        </p:txBody>
+      </p:sp>
+      <p:sp>
+        <p:nvSpPr>
+          <p:cNvPr id="46" name="PlaceHolder 3"/>
+          <p:cNvSpPr>
+            <a:spLocks noGrp="1"/>
+          </p:cNvSpPr>
+          <p:nvPr>
+            <p:ph type="dt" idx="3"/>
+          </p:nvPr>
+        </p:nvSpPr>
+        <p:spPr>
+          <a:xfrm>
+            <a:off x="360000" y="5220000"/>
+            <a:ext cx="2339280" cy="359280"/>
+          </a:xfrm>
+          <a:prstGeom prst="rect">
+            <a:avLst/>
+          </a:prstGeom>
+          <a:noFill/>
+          <a:ln w="0">
+            <a:noFill/>
+          </a:ln>
+        </p:spPr>
+        <p:txBody>
+          <a:bodyPr lIns="0" rIns="0" tIns="0" bIns="0" anchor="t">
+            <a:noAutofit/>
+          </a:bodyPr>
+          <a:lstStyle>
+            <a:lvl1pPr>
+              <a:defRPr b="0" lang="en-US" sz="1400" spc="-1" strike="noStrike">
+                <a:latin typeface="Times New Roman"/>
+              </a:defRPr>
+            </a:lvl1pPr>
+          </a:lstStyle>
+          <a:p>
+            <a:r>
+              <a:rPr b="0" lang="en-US" sz="1400" spc="-1" strike="noStrike">
+                <a:latin typeface="Times New Roman"/>
+              </a:rPr>
+              <a:t>&lt;date/time&gt;</a:t>
+            </a:r>
+            <a:endParaRPr b="0" lang="en-US" sz="1400" spc="-1" strike="noStrike">
+              <a:latin typeface="Times New Roman"/>
+            </a:endParaRPr>
+          </a:p>
+        </p:txBody>
+      </p:sp>
+      <p:sp>
+        <p:nvSpPr>
+          <p:cNvPr id="47" name="PlaceHolder 4"/>
+          <p:cNvSpPr>
+            <a:spLocks noGrp="1"/>
+          </p:cNvSpPr>
+          <p:nvPr>
+            <p:ph type="title"/>
+          </p:nvPr>
+        </p:nvSpPr>
+        <p:spPr>
+          <a:xfrm>
+            <a:off x="504000" y="226080"/>
+            <a:ext cx="9072000" cy="946440"/>
+          </a:xfrm>
+          <a:prstGeom prst="rect">
+            <a:avLst/>
+          </a:prstGeom>
+          <a:noFill/>
+          <a:ln w="0">
+            <a:noFill/>
+          </a:ln>
+        </p:spPr>
+        <p:txBody>
+          <a:bodyPr lIns="0" rIns="0" tIns="0" bIns="0" anchor="ctr">
+            <a:noAutofit/>
+          </a:bodyPr>
+          <a:p>
+            <a:pPr algn="ctr">
+              <a:buNone/>
+            </a:pPr>
+            <a:r>
+              <a:rPr b="0" lang="en-US" sz="4400" spc="-1" strike="noStrike">
+                <a:latin typeface="Arial"/>
+              </a:rPr>
+              <a:t>Click to edit the title text format</a:t>
+            </a:r>
+            <a:endParaRPr b="0" lang="en-US" sz="4400" spc="-1" strike="noStrike">
+              <a:latin typeface="Arial"/>
+            </a:endParaRPr>
+          </a:p>
+        </p:txBody>
+      </p:sp>
+      <p:sp>
+        <p:nvSpPr>
+          <p:cNvPr id="48" name="PlaceHolder 5"/>
+          <p:cNvSpPr>
+            <a:spLocks noGrp="1"/>
+          </p:cNvSpPr>
+          <p:nvPr>
+            <p:ph type="body"/>
+          </p:nvPr>
+        </p:nvSpPr>
+        <p:spPr>
+          <a:xfrm>
+            <a:off x="504000" y="1326600"/>
+            <a:ext cx="9072000" cy="3288600"/>
+          </a:xfrm>
+          <a:prstGeom prst="rect">
+            <a:avLst/>
+          </a:prstGeom>
+          <a:noFill/>
+          <a:ln w="0">
+            <a:noFill/>
+          </a:ln>
+        </p:spPr>
+        <p:txBody>
+          <a:bodyPr lIns="0" rIns="0" tIns="0" bIns="0" anchor="t">
+            <a:normAutofit/>
+          </a:bodyPr>
+          <a:p>
+            <a:pPr marL="432000" indent="-324000">
+              <a:spcBef>
+                <a:spcPts val="1417"/>
+              </a:spcBef>
+              <a:buClr>
+                <a:srgbClr val="000000"/>
+              </a:buClr>
+              <a:buSzPct val="45000"/>
+              <a:buFont typeface="Wingdings" charset="2"/>
+              <a:buChar char=""/>
+            </a:pPr>
+            <a:r>
+              <a:rPr b="0" lang="en-US" sz="3200" spc="-1" strike="noStrike">
+                <a:latin typeface="Arial"/>
+              </a:rPr>
+              <a:t>Click to edit the outline text format</a:t>
+            </a:r>
+            <a:endParaRPr b="0" lang="en-US" sz="3200" spc="-1" strike="noStrike">
+              <a:latin typeface="Arial"/>
+            </a:endParaRPr>
+          </a:p>
+          <a:p>
+            <a:pPr lvl="1" marL="864000" indent="-324000">
+              <a:spcBef>
+                <a:spcPts val="1134"/>
+              </a:spcBef>
+              <a:buClr>
+                <a:srgbClr val="000000"/>
+              </a:buClr>
+              <a:buSzPct val="75000"/>
+              <a:buFont typeface="Symbol" charset="2"/>
+              <a:buChar char=""/>
+            </a:pPr>
+            <a:r>
+              <a:rPr b="0" lang="en-US" sz="2800" spc="-1" strike="noStrike">
+                <a:latin typeface="Arial"/>
+              </a:rPr>
+              <a:t>Second Outline Level</a:t>
+            </a:r>
+            <a:endParaRPr b="0" lang="en-US" sz="2800" spc="-1" strike="noStrike">
+              <a:latin typeface="Arial"/>
+            </a:endParaRPr>
+          </a:p>
+          <a:p>
+            <a:pPr lvl="2" marL="1296000" indent="-288000">
+              <a:spcBef>
+                <a:spcPts val="850"/>
+              </a:spcBef>
+              <a:buClr>
+                <a:srgbClr val="000000"/>
+              </a:buClr>
+              <a:buSzPct val="45000"/>
+              <a:buFont typeface="Wingdings" charset="2"/>
+              <a:buChar char=""/>
+            </a:pPr>
+            <a:r>
+              <a:rPr b="0" lang="en-US" sz="2400" spc="-1" strike="noStrike">
+                <a:latin typeface="Arial"/>
+              </a:rPr>
+              <a:t>Third Outline Level</a:t>
+            </a:r>
+            <a:endParaRPr b="0" lang="en-US" sz="2400" spc="-1" strike="noStrike">
+              <a:latin typeface="Arial"/>
+            </a:endParaRPr>
+          </a:p>
+          <a:p>
+            <a:pPr lvl="3" marL="1728000" indent="-216000">
+              <a:spcBef>
+                <a:spcPts val="567"/>
+              </a:spcBef>
+              <a:buClr>
+                <a:srgbClr val="000000"/>
+              </a:buClr>
+              <a:buSzPct val="75000"/>
+              <a:buFont typeface="Symbol" charset="2"/>
+              <a:buChar char=""/>
+            </a:pPr>
+            <a:r>
+              <a:rPr b="0" lang="en-US" sz="2000" spc="-1" strike="noStrike">
+                <a:latin typeface="Arial"/>
+              </a:rPr>
+              <a:t>Fourth Outline Level</a:t>
+            </a:r>
+            <a:endParaRPr b="0" lang="en-US" sz="2000" spc="-1" strike="noStrike">
+              <a:latin typeface="Arial"/>
+            </a:endParaRPr>
+          </a:p>
+          <a:p>
+            <a:pPr lvl="4" marL="2160000" indent="-216000">
+              <a:spcBef>
+                <a:spcPts val="283"/>
+              </a:spcBef>
+              <a:buClr>
+                <a:srgbClr val="000000"/>
+              </a:buClr>
+              <a:buSzPct val="45000"/>
+              <a:buFont typeface="Wingdings" charset="2"/>
+              <a:buChar char=""/>
+            </a:pPr>
+            <a:r>
+              <a:rPr b="0" lang="en-US" sz="2000" spc="-1" strike="noStrike">
+                <a:latin typeface="Arial"/>
+              </a:rPr>
+              <a:t>Fifth Outline Level</a:t>
+            </a:r>
+            <a:endParaRPr b="0" lang="en-US" sz="2000" spc="-1" strike="noStrike">
+              <a:latin typeface="Arial"/>
+            </a:endParaRPr>
+          </a:p>
+          <a:p>
+            <a:pPr lvl="5" marL="2592000" indent="-216000">
+              <a:spcBef>
+                <a:spcPts val="283"/>
+              </a:spcBef>
+              <a:buClr>
+                <a:srgbClr val="000000"/>
+              </a:buClr>
+              <a:buSzPct val="45000"/>
+              <a:buFont typeface="Wingdings" charset="2"/>
+              <a:buChar char=""/>
+            </a:pPr>
+            <a:r>
+              <a:rPr b="0" lang="en-US" sz="2000" spc="-1" strike="noStrike">
+                <a:latin typeface="Arial"/>
+              </a:rPr>
+              <a:t>Sixth Outline Level</a:t>
+            </a:r>
+            <a:endParaRPr b="0" lang="en-US" sz="2000" spc="-1" strike="noStrike">
+              <a:latin typeface="Arial"/>
+            </a:endParaRPr>
+          </a:p>
+          <a:p>
+            <a:pPr lvl="6" marL="3024000" indent="-216000">
+              <a:spcBef>
+                <a:spcPts val="283"/>
+              </a:spcBef>
+              <a:buClr>
+                <a:srgbClr val="000000"/>
+              </a:buClr>
+              <a:buSzPct val="45000"/>
+              <a:buFont typeface="Wingdings" charset="2"/>
+              <a:buChar char=""/>
+            </a:pPr>
+            <a:r>
+              <a:rPr b="0" lang="en-US" sz="2000" spc="-1" strike="noStrike">
+                <a:latin typeface="Arial"/>
+              </a:rPr>
+              <a:t>Seventh Outline Level</a:t>
+            </a:r>
+            <a:endParaRPr b="0" lang="en-US" sz="2000" spc="-1" strike="noStrike">
               <a:latin typeface="Arial"/>
             </a:endParaRPr>
           </a:p>
@@ -5110,7 +4816,7 @@
         <p:spPr>
           <a:xfrm>
             <a:off x="0" y="1620000"/>
-            <a:ext cx="9000000" cy="1080000"/>
+            <a:ext cx="8999280" cy="1079280"/>
           </a:xfrm>
           <a:prstGeom prst="rect">
             <a:avLst/>
@@ -5126,6 +4832,9 @@
           </a:bodyPr>
           <a:p>
             <a:pPr algn="ctr">
+              <a:lnSpc>
+                <a:spcPct val="100000"/>
+              </a:lnSpc>
               <a:buNone/>
             </a:pPr>
             <a:r>
@@ -5138,9 +4847,6 @@
               <a:t>Predicting Taxon and DNA Type From Codon and Amino Acid Frequencies</a:t>
             </a:r>
             <a:endParaRPr b="0" lang="en-US" sz="3300" spc="-1" strike="noStrike">
-              <a:solidFill>
-                <a:srgbClr val="000000"/>
-              </a:solidFill>
               <a:latin typeface="Arial"/>
             </a:endParaRPr>
           </a:p>
@@ -5189,7 +4895,7 @@
         <p:spPr>
           <a:xfrm>
             <a:off x="360000" y="180000"/>
-            <a:ext cx="9360000" cy="478080"/>
+            <a:ext cx="9359280" cy="477360"/>
           </a:xfrm>
           <a:prstGeom prst="rect">
             <a:avLst/>
@@ -5205,6 +4911,9 @@
           </a:bodyPr>
           <a:p>
             <a:pPr algn="ctr">
+              <a:lnSpc>
+                <a:spcPct val="100000"/>
+              </a:lnSpc>
               <a:buNone/>
             </a:pPr>
             <a:r>
@@ -5217,9 +4926,6 @@
               <a:t>Extreme Gradient Boosting</a:t>
             </a:r>
             <a:endParaRPr b="0" lang="en-US" sz="3300" spc="-1" strike="noStrike">
-              <a:solidFill>
-                <a:srgbClr val="ffffff"/>
-              </a:solidFill>
               <a:latin typeface="Arial"/>
             </a:endParaRPr>
           </a:p>
@@ -5238,7 +4944,7 @@
         <p:spPr>
           <a:xfrm>
             <a:off x="360000" y="1080000"/>
-            <a:ext cx="9360000" cy="3600000"/>
+            <a:ext cx="9359280" cy="3599280"/>
           </a:xfrm>
           <a:prstGeom prst="rect">
             <a:avLst/>
@@ -5254,6 +4960,9 @@
           </a:bodyPr>
           <a:p>
             <a:pPr marL="432000" indent="-324000">
+              <a:lnSpc>
+                <a:spcPct val="100000"/>
+              </a:lnSpc>
               <a:spcBef>
                 <a:spcPts val="1060"/>
               </a:spcBef>
@@ -5274,14 +4983,14 @@
               <a:t>Decision tree ensemble with gradient boosting</a:t>
             </a:r>
             <a:endParaRPr b="0" lang="en-US" sz="2400" spc="-1" strike="noStrike">
-              <a:solidFill>
-                <a:srgbClr val="009bdd"/>
-              </a:solidFill>
               <a:latin typeface="Arial"/>
             </a:endParaRPr>
           </a:p>
           <a:p>
             <a:pPr marL="432000" indent="-324000">
+              <a:lnSpc>
+                <a:spcPct val="100000"/>
+              </a:lnSpc>
               <a:spcBef>
                 <a:spcPts val="1060"/>
               </a:spcBef>
@@ -5302,14 +5011,14 @@
               <a:t>Large hyperparameter space</a:t>
             </a:r>
             <a:endParaRPr b="0" lang="en-US" sz="2400" spc="-1" strike="noStrike">
-              <a:solidFill>
-                <a:srgbClr val="009bdd"/>
-              </a:solidFill>
               <a:latin typeface="Arial"/>
             </a:endParaRPr>
           </a:p>
           <a:p>
             <a:pPr marL="432000" indent="-324000">
+              <a:lnSpc>
+                <a:spcPct val="100000"/>
+              </a:lnSpc>
               <a:spcBef>
                 <a:spcPts val="1060"/>
               </a:spcBef>
@@ -5330,28 +5039,20 @@
               <a:t>Models were built with default hyperparameters, then optimized</a:t>
             </a:r>
             <a:endParaRPr b="0" lang="en-US" sz="2400" spc="-1" strike="noStrike">
-              <a:solidFill>
-                <a:srgbClr val="009bdd"/>
-              </a:solidFill>
-              <a:latin typeface="Arial"/>
-            </a:endParaRPr>
-          </a:p>
-          <a:p>
-            <a:pPr marL="432000" indent="-324000">
+              <a:latin typeface="Arial"/>
+            </a:endParaRPr>
+          </a:p>
+          <a:p>
+            <a:pPr>
+              <a:lnSpc>
+                <a:spcPct val="100000"/>
+              </a:lnSpc>
               <a:spcBef>
                 <a:spcPts val="1060"/>
               </a:spcBef>
-              <a:buClr>
-                <a:srgbClr val="77caee"/>
-              </a:buClr>
-              <a:buSzPct val="45000"/>
-              <a:buFont typeface="Wingdings" charset="2"/>
-              <a:buChar char=""/>
+              <a:buNone/>
             </a:pPr>
             <a:endParaRPr b="0" lang="en-US" sz="2400" spc="-1" strike="noStrike">
-              <a:solidFill>
-                <a:srgbClr val="009bdd"/>
-              </a:solidFill>
               <a:latin typeface="Arial"/>
             </a:endParaRPr>
           </a:p>
@@ -5370,7 +5071,7 @@
         <p:spPr>
           <a:xfrm>
             <a:off x="650160" y="2971800"/>
-            <a:ext cx="8722440" cy="1143000"/>
+            <a:ext cx="8721720" cy="1142280"/>
           </a:xfrm>
           <a:prstGeom prst="rect">
             <a:avLst/>
@@ -5387,36 +5088,35 @@
             <a:spLocks noGrp="1"/>
           </p:cNvSpPr>
           <p:nvPr>
-            <p:ph type="sldNum" idx="3"/>
+            <p:ph type="ftr" idx="1"/>
           </p:nvPr>
         </p:nvSpPr>
         <p:spPr/>
         <p:txBody>
           <a:bodyPr/>
           <a:p>
-            <a:fld id="{D9AFE10D-248C-4F0E-B303-F84D92BCDC53}" type="slidenum">
+            <a:r>
+              <a:t>Predicting Taxon and DNA Type</a:t>
+            </a:r>
+          </a:p>
+        </p:txBody>
+      </p:sp>
+      <p:sp>
+        <p:nvSpPr>
+          <p:cNvPr id="5" name="PlaceHolder 4"/>
+          <p:cNvSpPr>
+            <a:spLocks noGrp="1"/>
+          </p:cNvSpPr>
+          <p:nvPr>
+            <p:ph type="sldNum" idx="2"/>
+          </p:nvPr>
+        </p:nvSpPr>
+        <p:spPr/>
+        <p:txBody>
+          <a:bodyPr/>
+          <a:p>
+            <a:fld id="{0A5CC5A3-F226-47EB-BDC9-5A6783FEACC0}" type="slidenum">
               <a:t>10</a:t>
-            </a:fld>
-          </a:p>
-        </p:txBody>
-      </p:sp>
-      <p:sp>
-        <p:nvSpPr>
-          <p:cNvPr id="5" name="PlaceHolder 4"/>
-          <p:cNvSpPr>
-            <a:spLocks noGrp="1"/>
-          </p:cNvSpPr>
-          <p:nvPr>
-            <p:ph type="dt" idx="1"/>
-          </p:nvPr>
-        </p:nvSpPr>
-        <p:spPr/>
-        <p:txBody>
-          <a:bodyPr/>
-          <a:p>
-            <a:fld id="{878222BD-8041-48C2-A0FC-638AE8404978}" type="datetime1">
-              <a:rPr lang="en-US"/>
-              <a:t>12/10/2022</a:t>
             </a:fld>
           </a:p>
         </p:txBody>
@@ -5464,7 +5164,7 @@
         <p:spPr>
           <a:xfrm>
             <a:off x="360000" y="180000"/>
-            <a:ext cx="9360000" cy="478080"/>
+            <a:ext cx="9359280" cy="477360"/>
           </a:xfrm>
           <a:prstGeom prst="rect">
             <a:avLst/>
@@ -5480,6 +5180,9 @@
           </a:bodyPr>
           <a:p>
             <a:pPr algn="ctr">
+              <a:lnSpc>
+                <a:spcPct val="100000"/>
+              </a:lnSpc>
               <a:buNone/>
             </a:pPr>
             <a:r>
@@ -5492,9 +5195,6 @@
               <a:t>XGBoost with Hyperopt</a:t>
             </a:r>
             <a:endParaRPr b="0" lang="en-US" sz="3300" spc="-1" strike="noStrike">
-              <a:solidFill>
-                <a:srgbClr val="ffffff"/>
-              </a:solidFill>
               <a:latin typeface="Arial"/>
             </a:endParaRPr>
           </a:p>
@@ -5513,7 +5213,7 @@
         <p:spPr>
           <a:xfrm>
             <a:off x="360000" y="1080000"/>
-            <a:ext cx="9360000" cy="3600000"/>
+            <a:ext cx="9359280" cy="3599280"/>
           </a:xfrm>
           <a:prstGeom prst="rect">
             <a:avLst/>
@@ -5529,6 +5229,9 @@
           </a:bodyPr>
           <a:p>
             <a:pPr marL="432000" indent="-324000">
+              <a:lnSpc>
+                <a:spcPct val="100000"/>
+              </a:lnSpc>
               <a:spcBef>
                 <a:spcPts val="1060"/>
               </a:spcBef>
@@ -5549,14 +5252,14 @@
               <a:t>XGBoost has many hyperparameters; hyperopt used to optimize</a:t>
             </a:r>
             <a:endParaRPr b="0" lang="en-US" sz="2400" spc="-1" strike="noStrike">
-              <a:solidFill>
-                <a:srgbClr val="009bdd"/>
-              </a:solidFill>
               <a:latin typeface="Arial"/>
             </a:endParaRPr>
           </a:p>
           <a:p>
             <a:pPr marL="432000" indent="-324000">
+              <a:lnSpc>
+                <a:spcPct val="100000"/>
+              </a:lnSpc>
               <a:spcBef>
                 <a:spcPts val="1060"/>
               </a:spcBef>
@@ -5577,14 +5280,14 @@
               <a:t>Search time increases with hyperparameter space</a:t>
             </a:r>
             <a:endParaRPr b="0" lang="en-US" sz="2400" spc="-1" strike="noStrike">
-              <a:solidFill>
-                <a:srgbClr val="009bdd"/>
-              </a:solidFill>
               <a:latin typeface="Arial"/>
             </a:endParaRPr>
           </a:p>
           <a:p>
             <a:pPr marL="432000" indent="-324000">
+              <a:lnSpc>
+                <a:spcPct val="100000"/>
+              </a:lnSpc>
               <a:spcBef>
                 <a:spcPts val="1060"/>
               </a:spcBef>
@@ -5605,9 +5308,6 @@
               <a:t>Model assessment metrics were worse than XGB defaults</a:t>
             </a:r>
             <a:endParaRPr b="0" lang="en-US" sz="2400" spc="-1" strike="noStrike">
-              <a:solidFill>
-                <a:srgbClr val="009bdd"/>
-              </a:solidFill>
               <a:latin typeface="Arial"/>
             </a:endParaRPr>
           </a:p>
@@ -5626,7 +5326,7 @@
         <p:spPr>
           <a:xfrm>
             <a:off x="177840" y="2894760"/>
-            <a:ext cx="9599400" cy="1398600"/>
+            <a:ext cx="9598680" cy="1397880"/>
           </a:xfrm>
           <a:prstGeom prst="rect">
             <a:avLst/>
@@ -5643,36 +5343,35 @@
             <a:spLocks noGrp="1"/>
           </p:cNvSpPr>
           <p:nvPr>
-            <p:ph type="sldNum" idx="3"/>
+            <p:ph type="ftr" idx="1"/>
           </p:nvPr>
         </p:nvSpPr>
         <p:spPr/>
         <p:txBody>
           <a:bodyPr/>
           <a:p>
-            <a:fld id="{5D1B34F2-625A-4F11-8908-4EBB07F31AB3}" type="slidenum">
+            <a:r>
+              <a:t>Predicting Taxon and DNA Type</a:t>
+            </a:r>
+          </a:p>
+        </p:txBody>
+      </p:sp>
+      <p:sp>
+        <p:nvSpPr>
+          <p:cNvPr id="5" name="PlaceHolder 4"/>
+          <p:cNvSpPr>
+            <a:spLocks noGrp="1"/>
+          </p:cNvSpPr>
+          <p:nvPr>
+            <p:ph type="sldNum" idx="2"/>
+          </p:nvPr>
+        </p:nvSpPr>
+        <p:spPr/>
+        <p:txBody>
+          <a:bodyPr/>
+          <a:p>
+            <a:fld id="{1325FD6D-8DBC-4125-A7B5-3C553E11644C}" type="slidenum">
               <a:t>11</a:t>
-            </a:fld>
-          </a:p>
-        </p:txBody>
-      </p:sp>
-      <p:sp>
-        <p:nvSpPr>
-          <p:cNvPr id="5" name="PlaceHolder 4"/>
-          <p:cNvSpPr>
-            <a:spLocks noGrp="1"/>
-          </p:cNvSpPr>
-          <p:nvPr>
-            <p:ph type="dt" idx="1"/>
-          </p:nvPr>
-        </p:nvSpPr>
-        <p:spPr/>
-        <p:txBody>
-          <a:bodyPr/>
-          <a:p>
-            <a:fld id="{26B6B7EA-29FB-4CF2-A438-2D731138E804}" type="datetime1">
-              <a:rPr lang="en-US"/>
-              <a:t>12/10/2022</a:t>
             </a:fld>
           </a:p>
         </p:txBody>
@@ -5720,7 +5419,7 @@
         <p:spPr>
           <a:xfrm>
             <a:off x="360000" y="180000"/>
-            <a:ext cx="9360000" cy="478080"/>
+            <a:ext cx="9359280" cy="477360"/>
           </a:xfrm>
           <a:prstGeom prst="rect">
             <a:avLst/>
@@ -5736,6 +5435,9 @@
           </a:bodyPr>
           <a:p>
             <a:pPr algn="ctr">
+              <a:lnSpc>
+                <a:spcPct val="100000"/>
+              </a:lnSpc>
               <a:buNone/>
             </a:pPr>
             <a:r>
@@ -5748,9 +5450,6 @@
               <a:t>Multi-Layer Perceptron</a:t>
             </a:r>
             <a:endParaRPr b="0" lang="en-US" sz="3300" spc="-1" strike="noStrike">
-              <a:solidFill>
-                <a:srgbClr val="ffffff"/>
-              </a:solidFill>
               <a:latin typeface="Arial"/>
             </a:endParaRPr>
           </a:p>
@@ -5769,7 +5468,7 @@
         <p:spPr>
           <a:xfrm>
             <a:off x="360000" y="1080000"/>
-            <a:ext cx="9360000" cy="3600000"/>
+            <a:ext cx="9359280" cy="3599280"/>
           </a:xfrm>
           <a:prstGeom prst="rect">
             <a:avLst/>
@@ -5785,6 +5484,9 @@
           </a:bodyPr>
           <a:p>
             <a:pPr marL="432000" indent="-324000">
+              <a:lnSpc>
+                <a:spcPct val="100000"/>
+              </a:lnSpc>
               <a:spcBef>
                 <a:spcPts val="1060"/>
               </a:spcBef>
@@ -5802,17 +5504,17 @@
                 </a:solidFill>
                 <a:latin typeface="Arial"/>
               </a:rPr>
-              <a:t>Artficial neural network with hidden layers and nonlinear activation</a:t>
+              <a:t>Artificial neural network with hidden layers and nonlinear activation</a:t>
             </a:r>
             <a:endParaRPr b="0" lang="en-US" sz="2400" spc="-1" strike="noStrike">
-              <a:solidFill>
-                <a:srgbClr val="009bdd"/>
-              </a:solidFill>
               <a:latin typeface="Arial"/>
             </a:endParaRPr>
           </a:p>
           <a:p>
             <a:pPr marL="432000" indent="-324000">
+              <a:lnSpc>
+                <a:spcPct val="100000"/>
+              </a:lnSpc>
               <a:spcBef>
                 <a:spcPts val="1060"/>
               </a:spcBef>
@@ -5833,14 +5535,14 @@
               <a:t>Hyperopt used to optimize over hyperparameter space</a:t>
             </a:r>
             <a:endParaRPr b="0" lang="en-US" sz="2400" spc="-1" strike="noStrike">
-              <a:solidFill>
-                <a:srgbClr val="009bdd"/>
-              </a:solidFill>
               <a:latin typeface="Arial"/>
             </a:endParaRPr>
           </a:p>
           <a:p>
             <a:pPr marL="432000" indent="-324000">
+              <a:lnSpc>
+                <a:spcPct val="100000"/>
+              </a:lnSpc>
               <a:spcBef>
                 <a:spcPts val="1060"/>
               </a:spcBef>
@@ -5861,28 +5563,20 @@
               <a:t>Slowest ML method used but produced best results overall</a:t>
             </a:r>
             <a:endParaRPr b="0" lang="en-US" sz="2400" spc="-1" strike="noStrike">
-              <a:solidFill>
-                <a:srgbClr val="009bdd"/>
-              </a:solidFill>
-              <a:latin typeface="Arial"/>
-            </a:endParaRPr>
-          </a:p>
-          <a:p>
-            <a:pPr marL="432000" indent="-324000">
+              <a:latin typeface="Arial"/>
+            </a:endParaRPr>
+          </a:p>
+          <a:p>
+            <a:pPr>
+              <a:lnSpc>
+                <a:spcPct val="100000"/>
+              </a:lnSpc>
               <a:spcBef>
                 <a:spcPts val="1060"/>
               </a:spcBef>
-              <a:buClr>
-                <a:srgbClr val="77caee"/>
-              </a:buClr>
-              <a:buSzPct val="45000"/>
-              <a:buFont typeface="Wingdings" charset="2"/>
-              <a:buChar char=""/>
+              <a:buNone/>
             </a:pPr>
             <a:endParaRPr b="0" lang="en-US" sz="2400" spc="-1" strike="noStrike">
-              <a:solidFill>
-                <a:srgbClr val="009bdd"/>
-              </a:solidFill>
               <a:latin typeface="Arial"/>
             </a:endParaRPr>
           </a:p>
@@ -5901,7 +5595,7 @@
         <p:spPr>
           <a:xfrm>
             <a:off x="836640" y="2743200"/>
-            <a:ext cx="8535960" cy="1569240"/>
+            <a:ext cx="8535240" cy="1568520"/>
           </a:xfrm>
           <a:prstGeom prst="rect">
             <a:avLst/>
@@ -5918,36 +5612,35 @@
             <a:spLocks noGrp="1"/>
           </p:cNvSpPr>
           <p:nvPr>
-            <p:ph type="sldNum" idx="3"/>
+            <p:ph type="ftr" idx="1"/>
           </p:nvPr>
         </p:nvSpPr>
         <p:spPr/>
         <p:txBody>
           <a:bodyPr/>
           <a:p>
-            <a:fld id="{9735F490-93AE-4B1D-A6FF-ABBE045E0B7B}" type="slidenum">
+            <a:r>
+              <a:t>Predicting Taxon and DNA Type</a:t>
+            </a:r>
+          </a:p>
+        </p:txBody>
+      </p:sp>
+      <p:sp>
+        <p:nvSpPr>
+          <p:cNvPr id="5" name="PlaceHolder 4"/>
+          <p:cNvSpPr>
+            <a:spLocks noGrp="1"/>
+          </p:cNvSpPr>
+          <p:nvPr>
+            <p:ph type="sldNum" idx="2"/>
+          </p:nvPr>
+        </p:nvSpPr>
+        <p:spPr/>
+        <p:txBody>
+          <a:bodyPr/>
+          <a:p>
+            <a:fld id="{1D4AEF01-289F-452E-92DC-0FA0F95B7093}" type="slidenum">
               <a:t>12</a:t>
-            </a:fld>
-          </a:p>
-        </p:txBody>
-      </p:sp>
-      <p:sp>
-        <p:nvSpPr>
-          <p:cNvPr id="5" name="PlaceHolder 4"/>
-          <p:cNvSpPr>
-            <a:spLocks noGrp="1"/>
-          </p:cNvSpPr>
-          <p:nvPr>
-            <p:ph type="dt" idx="1"/>
-          </p:nvPr>
-        </p:nvSpPr>
-        <p:spPr/>
-        <p:txBody>
-          <a:bodyPr/>
-          <a:p>
-            <a:fld id="{814C7E2A-C38E-49FF-B2E1-E1F846A42A24}" type="datetime1">
-              <a:rPr lang="en-US"/>
-              <a:t>12/10/2022</a:t>
             </a:fld>
           </a:p>
         </p:txBody>
@@ -5995,7 +5688,7 @@
         <p:spPr>
           <a:xfrm>
             <a:off x="360000" y="180000"/>
-            <a:ext cx="9360000" cy="478080"/>
+            <a:ext cx="9359280" cy="477360"/>
           </a:xfrm>
           <a:prstGeom prst="rect">
             <a:avLst/>
@@ -6011,6 +5704,9 @@
           </a:bodyPr>
           <a:p>
             <a:pPr algn="ctr">
+              <a:lnSpc>
+                <a:spcPct val="100000"/>
+              </a:lnSpc>
               <a:buNone/>
             </a:pPr>
             <a:r>
@@ -6023,9 +5719,6 @@
               <a:t>Naive Bayes</a:t>
             </a:r>
             <a:endParaRPr b="0" lang="en-US" sz="3300" spc="-1" strike="noStrike">
-              <a:solidFill>
-                <a:srgbClr val="ffffff"/>
-              </a:solidFill>
               <a:latin typeface="Arial"/>
             </a:endParaRPr>
           </a:p>
@@ -6044,7 +5737,7 @@
         <p:spPr>
           <a:xfrm>
             <a:off x="360000" y="1080000"/>
-            <a:ext cx="9360000" cy="3600000"/>
+            <a:ext cx="9359280" cy="3599280"/>
           </a:xfrm>
           <a:prstGeom prst="rect">
             <a:avLst/>
@@ -6060,6 +5753,9 @@
           </a:bodyPr>
           <a:p>
             <a:pPr marL="432000" indent="-324000">
+              <a:lnSpc>
+                <a:spcPct val="100000"/>
+              </a:lnSpc>
               <a:spcBef>
                 <a:spcPts val="1060"/>
               </a:spcBef>
@@ -6080,14 +5776,14 @@
               <a:t>Simple and fast ML model; no hyperparameters</a:t>
             </a:r>
             <a:endParaRPr b="0" lang="en-US" sz="2400" spc="-1" strike="noStrike">
-              <a:solidFill>
-                <a:srgbClr val="009bdd"/>
-              </a:solidFill>
               <a:latin typeface="Arial"/>
             </a:endParaRPr>
           </a:p>
           <a:p>
             <a:pPr marL="432000" indent="-324000">
+              <a:lnSpc>
+                <a:spcPct val="100000"/>
+              </a:lnSpc>
               <a:spcBef>
                 <a:spcPts val="1060"/>
               </a:spcBef>
@@ -6108,14 +5804,14 @@
               <a:t>Assumption of independence among features is false</a:t>
             </a:r>
             <a:endParaRPr b="0" lang="en-US" sz="2400" spc="-1" strike="noStrike">
-              <a:solidFill>
-                <a:srgbClr val="009bdd"/>
-              </a:solidFill>
               <a:latin typeface="Arial"/>
             </a:endParaRPr>
           </a:p>
           <a:p>
             <a:pPr marL="432000" indent="-324000">
+              <a:lnSpc>
+                <a:spcPct val="100000"/>
+              </a:lnSpc>
               <a:spcBef>
                 <a:spcPts val="1060"/>
               </a:spcBef>
@@ -6136,47 +5832,34 @@
               <a:t>Produced uniformly worst results; predicting kingdom particularly</a:t>
             </a:r>
             <a:endParaRPr b="0" lang="en-US" sz="2400" spc="-1" strike="noStrike">
-              <a:solidFill>
-                <a:srgbClr val="009bdd"/>
-              </a:solidFill>
-              <a:latin typeface="Arial"/>
-            </a:endParaRPr>
-          </a:p>
-          <a:p>
-            <a:pPr marL="432000" indent="-324000">
+              <a:latin typeface="Arial"/>
+            </a:endParaRPr>
+          </a:p>
+          <a:p>
+            <a:pPr>
+              <a:lnSpc>
+                <a:spcPct val="100000"/>
+              </a:lnSpc>
               <a:spcBef>
                 <a:spcPts val="1060"/>
               </a:spcBef>
-              <a:buClr>
-                <a:srgbClr val="77caee"/>
-              </a:buClr>
-              <a:buSzPct val="45000"/>
-              <a:buFont typeface="Wingdings" charset="2"/>
-              <a:buChar char=""/>
+              <a:buNone/>
             </a:pPr>
             <a:endParaRPr b="0" lang="en-US" sz="2400" spc="-1" strike="noStrike">
-              <a:solidFill>
-                <a:srgbClr val="009bdd"/>
-              </a:solidFill>
-              <a:latin typeface="Arial"/>
-            </a:endParaRPr>
-          </a:p>
-          <a:p>
-            <a:pPr marL="432000" indent="-324000">
+              <a:latin typeface="Arial"/>
+            </a:endParaRPr>
+          </a:p>
+          <a:p>
+            <a:pPr>
+              <a:lnSpc>
+                <a:spcPct val="100000"/>
+              </a:lnSpc>
               <a:spcBef>
                 <a:spcPts val="1060"/>
               </a:spcBef>
-              <a:buClr>
-                <a:srgbClr val="77caee"/>
-              </a:buClr>
-              <a:buSzPct val="45000"/>
-              <a:buFont typeface="Wingdings" charset="2"/>
-              <a:buChar char=""/>
+              <a:buNone/>
             </a:pPr>
             <a:endParaRPr b="0" lang="en-US" sz="2400" spc="-1" strike="noStrike">
-              <a:solidFill>
-                <a:srgbClr val="009bdd"/>
-              </a:solidFill>
               <a:latin typeface="Arial"/>
             </a:endParaRPr>
           </a:p>
@@ -6195,7 +5878,7 @@
         <p:spPr>
           <a:xfrm>
             <a:off x="1102680" y="2949480"/>
-            <a:ext cx="7812720" cy="1393920"/>
+            <a:ext cx="7812000" cy="1393200"/>
           </a:xfrm>
           <a:prstGeom prst="rect">
             <a:avLst/>
@@ -6212,36 +5895,35 @@
             <a:spLocks noGrp="1"/>
           </p:cNvSpPr>
           <p:nvPr>
-            <p:ph type="sldNum" idx="3"/>
+            <p:ph type="ftr" idx="1"/>
           </p:nvPr>
         </p:nvSpPr>
         <p:spPr/>
         <p:txBody>
           <a:bodyPr/>
           <a:p>
-            <a:fld id="{C88BCB0B-8E81-4FB1-A80D-128D4CC683C0}" type="slidenum">
+            <a:r>
+              <a:t>Predicting Taxon and DNA Type</a:t>
+            </a:r>
+          </a:p>
+        </p:txBody>
+      </p:sp>
+      <p:sp>
+        <p:nvSpPr>
+          <p:cNvPr id="5" name="PlaceHolder 4"/>
+          <p:cNvSpPr>
+            <a:spLocks noGrp="1"/>
+          </p:cNvSpPr>
+          <p:nvPr>
+            <p:ph type="sldNum" idx="2"/>
+          </p:nvPr>
+        </p:nvSpPr>
+        <p:spPr/>
+        <p:txBody>
+          <a:bodyPr/>
+          <a:p>
+            <a:fld id="{F70F173E-BAC1-4427-8881-3E0DC0CA378E}" type="slidenum">
               <a:t>13</a:t>
-            </a:fld>
-          </a:p>
-        </p:txBody>
-      </p:sp>
-      <p:sp>
-        <p:nvSpPr>
-          <p:cNvPr id="5" name="PlaceHolder 4"/>
-          <p:cNvSpPr>
-            <a:spLocks noGrp="1"/>
-          </p:cNvSpPr>
-          <p:nvPr>
-            <p:ph type="dt" idx="1"/>
-          </p:nvPr>
-        </p:nvSpPr>
-        <p:spPr/>
-        <p:txBody>
-          <a:bodyPr/>
-          <a:p>
-            <a:fld id="{86A6E3CA-A44D-464F-8566-471D1308A6E2}" type="datetime1">
-              <a:rPr lang="en-US"/>
-              <a:t>12/10/2022</a:t>
             </a:fld>
           </a:p>
         </p:txBody>
@@ -6289,7 +5971,7 @@
         <p:spPr>
           <a:xfrm>
             <a:off x="360000" y="180000"/>
-            <a:ext cx="9360000" cy="478080"/>
+            <a:ext cx="9359280" cy="477360"/>
           </a:xfrm>
           <a:prstGeom prst="rect">
             <a:avLst/>
@@ -6305,6 +5987,9 @@
           </a:bodyPr>
           <a:p>
             <a:pPr algn="ctr">
+              <a:lnSpc>
+                <a:spcPct val="100000"/>
+              </a:lnSpc>
               <a:buNone/>
             </a:pPr>
             <a:r>
@@ -6317,9 +6002,6 @@
               <a:t>Feature Importance</a:t>
             </a:r>
             <a:endParaRPr b="0" lang="en-US" sz="3300" spc="-1" strike="noStrike">
-              <a:solidFill>
-                <a:srgbClr val="ffffff"/>
-              </a:solidFill>
               <a:latin typeface="Arial"/>
             </a:endParaRPr>
           </a:p>
@@ -6338,7 +6020,7 @@
         <p:spPr>
           <a:xfrm>
             <a:off x="360000" y="1080000"/>
-            <a:ext cx="9360000" cy="3600000"/>
+            <a:ext cx="9359280" cy="3599280"/>
           </a:xfrm>
           <a:prstGeom prst="rect">
             <a:avLst/>
@@ -6354,6 +6036,9 @@
           </a:bodyPr>
           <a:p>
             <a:pPr marL="432000" indent="-324000">
+              <a:lnSpc>
+                <a:spcPct val="100000"/>
+              </a:lnSpc>
               <a:spcBef>
                 <a:spcPts val="1060"/>
               </a:spcBef>
@@ -6374,14 +6059,14 @@
               <a:t>Feature importance was computed for RF, XGB, and MLP models</a:t>
             </a:r>
             <a:endParaRPr b="0" lang="en-US" sz="2400" spc="-1" strike="noStrike">
-              <a:solidFill>
-                <a:srgbClr val="009bdd"/>
-              </a:solidFill>
               <a:latin typeface="Arial"/>
             </a:endParaRPr>
           </a:p>
           <a:p>
             <a:pPr marL="432000" indent="-324000">
+              <a:lnSpc>
+                <a:spcPct val="100000"/>
+              </a:lnSpc>
               <a:spcBef>
                 <a:spcPts val="1060"/>
               </a:spcBef>
@@ -6402,14 +6087,14 @@
               <a:t>Both SHAP values and built-in methods used</a:t>
             </a:r>
             <a:endParaRPr b="0" lang="en-US" sz="2400" spc="-1" strike="noStrike">
-              <a:solidFill>
-                <a:srgbClr val="009bdd"/>
-              </a:solidFill>
               <a:latin typeface="Arial"/>
             </a:endParaRPr>
           </a:p>
           <a:p>
             <a:pPr marL="432000" indent="-324000">
+              <a:lnSpc>
+                <a:spcPct val="100000"/>
+              </a:lnSpc>
               <a:spcBef>
                 <a:spcPts val="1060"/>
               </a:spcBef>
@@ -6430,14 +6115,14 @@
               <a:t>Results generally similar </a:t>
             </a:r>
             <a:endParaRPr b="0" lang="en-US" sz="2400" spc="-1" strike="noStrike">
-              <a:solidFill>
-                <a:srgbClr val="009bdd"/>
-              </a:solidFill>
               <a:latin typeface="Arial"/>
             </a:endParaRPr>
           </a:p>
           <a:p>
             <a:pPr marL="432000" indent="-324000">
+              <a:lnSpc>
+                <a:spcPct val="100000"/>
+              </a:lnSpc>
               <a:spcBef>
                 <a:spcPts val="1060"/>
               </a:spcBef>
@@ -6458,14 +6143,14 @@
               <a:t>Needs more systematic</a:t>
             </a:r>
             <a:endParaRPr b="0" lang="en-US" sz="2400" spc="-1" strike="noStrike">
-              <a:solidFill>
-                <a:srgbClr val="009bdd"/>
-              </a:solidFill>
               <a:latin typeface="Arial"/>
             </a:endParaRPr>
           </a:p>
           <a:p>
             <a:pPr marL="432000" indent="-324000">
+              <a:lnSpc>
+                <a:spcPct val="100000"/>
+              </a:lnSpc>
               <a:spcBef>
                 <a:spcPts val="1060"/>
               </a:spcBef>
@@ -6486,14 +6171,14 @@
               <a:t>evaluation and further</a:t>
             </a:r>
             <a:endParaRPr b="0" lang="en-US" sz="2400" spc="-1" strike="noStrike">
-              <a:solidFill>
-                <a:srgbClr val="009bdd"/>
-              </a:solidFill>
               <a:latin typeface="Arial"/>
             </a:endParaRPr>
           </a:p>
           <a:p>
             <a:pPr marL="432000" indent="-324000">
+              <a:lnSpc>
+                <a:spcPct val="100000"/>
+              </a:lnSpc>
               <a:spcBef>
                 <a:spcPts val="1060"/>
               </a:spcBef>
@@ -6514,28 +6199,20 @@
               <a:t>study</a:t>
             </a:r>
             <a:endParaRPr b="0" lang="en-US" sz="2400" spc="-1" strike="noStrike">
-              <a:solidFill>
-                <a:srgbClr val="009bdd"/>
-              </a:solidFill>
-              <a:latin typeface="Arial"/>
-            </a:endParaRPr>
-          </a:p>
-          <a:p>
-            <a:pPr marL="432000" indent="-324000">
+              <a:latin typeface="Arial"/>
+            </a:endParaRPr>
+          </a:p>
+          <a:p>
+            <a:pPr>
+              <a:lnSpc>
+                <a:spcPct val="100000"/>
+              </a:lnSpc>
               <a:spcBef>
                 <a:spcPts val="1060"/>
               </a:spcBef>
-              <a:buClr>
-                <a:srgbClr val="77caee"/>
-              </a:buClr>
-              <a:buSzPct val="45000"/>
-              <a:buFont typeface="Wingdings" charset="2"/>
-              <a:buChar char=""/>
+              <a:buNone/>
             </a:pPr>
             <a:endParaRPr b="0" lang="en-US" sz="2400" spc="-1" strike="noStrike">
-              <a:solidFill>
-                <a:srgbClr val="009bdd"/>
-              </a:solidFill>
               <a:latin typeface="Arial"/>
             </a:endParaRPr>
           </a:p>
@@ -6554,7 +6231,7 @@
         <p:spPr>
           <a:xfrm>
             <a:off x="4627080" y="2024640"/>
-            <a:ext cx="2230920" cy="2655360"/>
+            <a:ext cx="2230200" cy="2654640"/>
           </a:xfrm>
           <a:prstGeom prst="rect">
             <a:avLst/>
@@ -6577,7 +6254,7 @@
         <p:spPr>
           <a:xfrm>
             <a:off x="7062120" y="1936800"/>
-            <a:ext cx="2305080" cy="2743200"/>
+            <a:ext cx="2304360" cy="2742480"/>
           </a:xfrm>
           <a:prstGeom prst="rect">
             <a:avLst/>
@@ -6594,36 +6271,35 @@
             <a:spLocks noGrp="1"/>
           </p:cNvSpPr>
           <p:nvPr>
-            <p:ph type="sldNum" idx="3"/>
+            <p:ph type="ftr" idx="1"/>
           </p:nvPr>
         </p:nvSpPr>
         <p:spPr/>
         <p:txBody>
           <a:bodyPr/>
           <a:p>
-            <a:fld id="{4567F539-4CF6-4095-8B9B-0E465758ED9A}" type="slidenum">
+            <a:r>
+              <a:t>Predicting Taxon and DNA Type</a:t>
+            </a:r>
+          </a:p>
+        </p:txBody>
+      </p:sp>
+      <p:sp>
+        <p:nvSpPr>
+          <p:cNvPr id="5" name="PlaceHolder 4"/>
+          <p:cNvSpPr>
+            <a:spLocks noGrp="1"/>
+          </p:cNvSpPr>
+          <p:nvPr>
+            <p:ph type="sldNum" idx="2"/>
+          </p:nvPr>
+        </p:nvSpPr>
+        <p:spPr/>
+        <p:txBody>
+          <a:bodyPr/>
+          <a:p>
+            <a:fld id="{DDDF12DD-65FA-4CD8-8E5F-AE1889DF059E}" type="slidenum">
               <a:t>14</a:t>
-            </a:fld>
-          </a:p>
-        </p:txBody>
-      </p:sp>
-      <p:sp>
-        <p:nvSpPr>
-          <p:cNvPr id="5" name="PlaceHolder 4"/>
-          <p:cNvSpPr>
-            <a:spLocks noGrp="1"/>
-          </p:cNvSpPr>
-          <p:nvPr>
-            <p:ph type="dt" idx="1"/>
-          </p:nvPr>
-        </p:nvSpPr>
-        <p:spPr/>
-        <p:txBody>
-          <a:bodyPr/>
-          <a:p>
-            <a:fld id="{6802AD34-EB82-4849-A833-0245E3AF706F}" type="datetime1">
-              <a:rPr lang="en-US"/>
-              <a:t>12/10/2022</a:t>
             </a:fld>
           </a:p>
         </p:txBody>
@@ -6671,7 +6347,7 @@
         <p:spPr>
           <a:xfrm>
             <a:off x="360000" y="180000"/>
-            <a:ext cx="9360000" cy="478080"/>
+            <a:ext cx="9359280" cy="477360"/>
           </a:xfrm>
           <a:prstGeom prst="rect">
             <a:avLst/>
@@ -6687,6 +6363,9 @@
           </a:bodyPr>
           <a:p>
             <a:pPr algn="ctr">
+              <a:lnSpc>
+                <a:spcPct val="100000"/>
+              </a:lnSpc>
               <a:buNone/>
             </a:pPr>
             <a:r>
@@ -6699,9 +6378,6 @@
               <a:t>Results (Khomtchouk 2020)</a:t>
             </a:r>
             <a:endParaRPr b="0" lang="en-US" sz="3300" spc="-1" strike="noStrike">
-              <a:solidFill>
-                <a:srgbClr val="ffffff"/>
-              </a:solidFill>
               <a:latin typeface="Arial"/>
             </a:endParaRPr>
           </a:p>
@@ -6720,7 +6396,7 @@
         <p:spPr>
           <a:xfrm>
             <a:off x="1756800" y="1080000"/>
-            <a:ext cx="6566400" cy="3600000"/>
+            <a:ext cx="6565680" cy="3599280"/>
           </a:xfrm>
           <a:prstGeom prst="rect">
             <a:avLst/>
@@ -6737,36 +6413,35 @@
             <a:spLocks noGrp="1"/>
           </p:cNvSpPr>
           <p:nvPr>
-            <p:ph type="sldNum" idx="3"/>
+            <p:ph type="ftr" idx="1"/>
           </p:nvPr>
         </p:nvSpPr>
         <p:spPr/>
         <p:txBody>
           <a:bodyPr/>
           <a:p>
-            <a:fld id="{6A8DA49F-E83E-45AE-B4BD-7D5954139B3F}" type="slidenum">
+            <a:r>
+              <a:t>Predicting Taxon and DNA Type</a:t>
+            </a:r>
+          </a:p>
+        </p:txBody>
+      </p:sp>
+      <p:sp>
+        <p:nvSpPr>
+          <p:cNvPr id="4" name="PlaceHolder 3"/>
+          <p:cNvSpPr>
+            <a:spLocks noGrp="1"/>
+          </p:cNvSpPr>
+          <p:nvPr>
+            <p:ph type="sldNum" idx="2"/>
+          </p:nvPr>
+        </p:nvSpPr>
+        <p:spPr/>
+        <p:txBody>
+          <a:bodyPr/>
+          <a:p>
+            <a:fld id="{4FDE39E8-14D4-4068-A96C-39234A0A6301}" type="slidenum">
               <a:t>15</a:t>
-            </a:fld>
-          </a:p>
-        </p:txBody>
-      </p:sp>
-      <p:sp>
-        <p:nvSpPr>
-          <p:cNvPr id="4" name="PlaceHolder 3"/>
-          <p:cNvSpPr>
-            <a:spLocks noGrp="1"/>
-          </p:cNvSpPr>
-          <p:nvPr>
-            <p:ph type="dt" idx="1"/>
-          </p:nvPr>
-        </p:nvSpPr>
-        <p:spPr/>
-        <p:txBody>
-          <a:bodyPr/>
-          <a:p>
-            <a:fld id="{0EDE796A-2E09-442E-86BC-BF96EB9B66EC}" type="datetime1">
-              <a:rPr lang="en-US"/>
-              <a:t>12/10/2022</a:t>
             </a:fld>
           </a:p>
         </p:txBody>
@@ -6814,7 +6489,7 @@
         <p:spPr>
           <a:xfrm>
             <a:off x="360000" y="180000"/>
-            <a:ext cx="9360000" cy="478080"/>
+            <a:ext cx="9359280" cy="477360"/>
           </a:xfrm>
           <a:prstGeom prst="rect">
             <a:avLst/>
@@ -6830,6 +6505,9 @@
           </a:bodyPr>
           <a:p>
             <a:pPr algn="ctr">
+              <a:lnSpc>
+                <a:spcPct val="100000"/>
+              </a:lnSpc>
               <a:buNone/>
             </a:pPr>
             <a:r>
@@ -6842,9 +6520,6 @@
               <a:t>Study Results (codon)</a:t>
             </a:r>
             <a:endParaRPr b="0" lang="en-US" sz="3300" spc="-1" strike="noStrike">
-              <a:solidFill>
-                <a:srgbClr val="ffffff"/>
-              </a:solidFill>
               <a:latin typeface="Arial"/>
             </a:endParaRPr>
           </a:p>
@@ -6863,7 +6538,7 @@
         <p:spPr>
           <a:xfrm>
             <a:off x="360000" y="1080000"/>
-            <a:ext cx="9360000" cy="3600000"/>
+            <a:ext cx="9359280" cy="3599280"/>
           </a:xfrm>
           <a:prstGeom prst="rect">
             <a:avLst/>
@@ -6879,6 +6554,9 @@
           </a:bodyPr>
           <a:p>
             <a:pPr marL="432000" indent="-324000">
+              <a:lnSpc>
+                <a:spcPct val="100000"/>
+              </a:lnSpc>
               <a:spcBef>
                 <a:spcPts val="1060"/>
               </a:spcBef>
@@ -6899,28 +6577,20 @@
               <a:t>Some similarity to 2020 study; MLP and k-NN best models</a:t>
             </a:r>
             <a:endParaRPr b="0" lang="en-US" sz="2400" spc="-1" strike="noStrike">
-              <a:solidFill>
-                <a:srgbClr val="009bdd"/>
-              </a:solidFill>
-              <a:latin typeface="Arial"/>
-            </a:endParaRPr>
-          </a:p>
-          <a:p>
-            <a:pPr marL="432000" indent="-324000">
+              <a:latin typeface="Arial"/>
+            </a:endParaRPr>
+          </a:p>
+          <a:p>
+            <a:pPr>
+              <a:lnSpc>
+                <a:spcPct val="100000"/>
+              </a:lnSpc>
               <a:spcBef>
                 <a:spcPts val="1060"/>
               </a:spcBef>
-              <a:buClr>
-                <a:srgbClr val="77caee"/>
-              </a:buClr>
-              <a:buSzPct val="45000"/>
-              <a:buFont typeface="Wingdings" charset="2"/>
-              <a:buChar char=""/>
+              <a:buNone/>
             </a:pPr>
             <a:endParaRPr b="0" lang="en-US" sz="2400" spc="-1" strike="noStrike">
-              <a:solidFill>
-                <a:srgbClr val="009bdd"/>
-              </a:solidFill>
               <a:latin typeface="Arial"/>
             </a:endParaRPr>
           </a:p>
@@ -6939,7 +6609,7 @@
         <p:spPr>
           <a:xfrm>
             <a:off x="2064960" y="1760400"/>
-            <a:ext cx="5707440" cy="2811600"/>
+            <a:ext cx="5706720" cy="2810880"/>
           </a:xfrm>
           <a:prstGeom prst="rect">
             <a:avLst/>
@@ -6956,36 +6626,35 @@
             <a:spLocks noGrp="1"/>
           </p:cNvSpPr>
           <p:nvPr>
-            <p:ph type="sldNum" idx="3"/>
+            <p:ph type="ftr" idx="1"/>
           </p:nvPr>
         </p:nvSpPr>
         <p:spPr/>
         <p:txBody>
           <a:bodyPr/>
           <a:p>
-            <a:fld id="{094C24E8-A4AD-4B36-90B2-638CAEB385A5}" type="slidenum">
+            <a:r>
+              <a:t>Predicting Taxon and DNA Type</a:t>
+            </a:r>
+          </a:p>
+        </p:txBody>
+      </p:sp>
+      <p:sp>
+        <p:nvSpPr>
+          <p:cNvPr id="5" name="PlaceHolder 4"/>
+          <p:cNvSpPr>
+            <a:spLocks noGrp="1"/>
+          </p:cNvSpPr>
+          <p:nvPr>
+            <p:ph type="sldNum" idx="2"/>
+          </p:nvPr>
+        </p:nvSpPr>
+        <p:spPr/>
+        <p:txBody>
+          <a:bodyPr/>
+          <a:p>
+            <a:fld id="{F5EE743F-6AEF-44C6-91F9-BA5477505866}" type="slidenum">
               <a:t>16</a:t>
-            </a:fld>
-          </a:p>
-        </p:txBody>
-      </p:sp>
-      <p:sp>
-        <p:nvSpPr>
-          <p:cNvPr id="5" name="PlaceHolder 4"/>
-          <p:cNvSpPr>
-            <a:spLocks noGrp="1"/>
-          </p:cNvSpPr>
-          <p:nvPr>
-            <p:ph type="dt" idx="1"/>
-          </p:nvPr>
-        </p:nvSpPr>
-        <p:spPr/>
-        <p:txBody>
-          <a:bodyPr/>
-          <a:p>
-            <a:fld id="{19790D6C-EF96-4170-B13A-EDA67B1213A8}" type="datetime1">
-              <a:rPr lang="en-US"/>
-              <a:t>12/10/2022</a:t>
             </a:fld>
           </a:p>
         </p:txBody>
@@ -7033,7 +6702,7 @@
         <p:spPr>
           <a:xfrm>
             <a:off x="360000" y="180000"/>
-            <a:ext cx="9360000" cy="478080"/>
+            <a:ext cx="9359280" cy="477360"/>
           </a:xfrm>
           <a:prstGeom prst="rect">
             <a:avLst/>
@@ -7049,6 +6718,9 @@
           </a:bodyPr>
           <a:p>
             <a:pPr algn="ctr">
+              <a:lnSpc>
+                <a:spcPct val="100000"/>
+              </a:lnSpc>
               <a:buNone/>
             </a:pPr>
             <a:r>
@@ -7061,9 +6733,6 @@
               <a:t>Study Results (amino)</a:t>
             </a:r>
             <a:endParaRPr b="0" lang="en-US" sz="3300" spc="-1" strike="noStrike">
-              <a:solidFill>
-                <a:srgbClr val="ffffff"/>
-              </a:solidFill>
               <a:latin typeface="Arial"/>
             </a:endParaRPr>
           </a:p>
@@ -7082,7 +6751,7 @@
         <p:spPr>
           <a:xfrm>
             <a:off x="360000" y="1080000"/>
-            <a:ext cx="9360000" cy="3600000"/>
+            <a:ext cx="9359280" cy="3599280"/>
           </a:xfrm>
           <a:prstGeom prst="rect">
             <a:avLst/>
@@ -7098,6 +6767,9 @@
           </a:bodyPr>
           <a:p>
             <a:pPr marL="432000" indent="-324000">
+              <a:lnSpc>
+                <a:spcPct val="100000"/>
+              </a:lnSpc>
               <a:spcBef>
                 <a:spcPts val="1060"/>
               </a:spcBef>
@@ -7118,28 +6790,20 @@
               <a:t>Verified that codon frequencies can be used with modest cost</a:t>
             </a:r>
             <a:endParaRPr b="0" lang="en-US" sz="2400" spc="-1" strike="noStrike">
-              <a:solidFill>
-                <a:srgbClr val="009bdd"/>
-              </a:solidFill>
-              <a:latin typeface="Arial"/>
-            </a:endParaRPr>
-          </a:p>
-          <a:p>
-            <a:pPr marL="432000" indent="-324000">
+              <a:latin typeface="Arial"/>
+            </a:endParaRPr>
+          </a:p>
+          <a:p>
+            <a:pPr>
+              <a:lnSpc>
+                <a:spcPct val="100000"/>
+              </a:lnSpc>
               <a:spcBef>
                 <a:spcPts val="1060"/>
               </a:spcBef>
-              <a:buClr>
-                <a:srgbClr val="77caee"/>
-              </a:buClr>
-              <a:buSzPct val="45000"/>
-              <a:buFont typeface="Wingdings" charset="2"/>
-              <a:buChar char=""/>
+              <a:buNone/>
             </a:pPr>
             <a:endParaRPr b="0" lang="en-US" sz="2400" spc="-1" strike="noStrike">
-              <a:solidFill>
-                <a:srgbClr val="009bdd"/>
-              </a:solidFill>
               <a:latin typeface="Arial"/>
             </a:endParaRPr>
           </a:p>
@@ -7158,7 +6822,7 @@
         <p:spPr>
           <a:xfrm>
             <a:off x="1699200" y="1623600"/>
-            <a:ext cx="6073200" cy="1348200"/>
+            <a:ext cx="6072480" cy="1347480"/>
           </a:xfrm>
           <a:prstGeom prst="rect">
             <a:avLst/>
@@ -7181,7 +6845,7 @@
         <p:spPr>
           <a:xfrm>
             <a:off x="1828800" y="3200400"/>
-            <a:ext cx="5509080" cy="1279800"/>
+            <a:ext cx="5508360" cy="1279080"/>
           </a:xfrm>
           <a:prstGeom prst="rect">
             <a:avLst/>
@@ -7198,36 +6862,35 @@
             <a:spLocks noGrp="1"/>
           </p:cNvSpPr>
           <p:nvPr>
-            <p:ph type="sldNum" idx="3"/>
+            <p:ph type="ftr" idx="1"/>
           </p:nvPr>
         </p:nvSpPr>
         <p:spPr/>
         <p:txBody>
           <a:bodyPr/>
           <a:p>
-            <a:fld id="{B9ED089A-0B18-4F3B-8E5D-36FEC2149AA2}" type="slidenum">
+            <a:r>
+              <a:t>Predicting Taxon and DNA Type</a:t>
+            </a:r>
+          </a:p>
+        </p:txBody>
+      </p:sp>
+      <p:sp>
+        <p:nvSpPr>
+          <p:cNvPr id="5" name="PlaceHolder 4"/>
+          <p:cNvSpPr>
+            <a:spLocks noGrp="1"/>
+          </p:cNvSpPr>
+          <p:nvPr>
+            <p:ph type="sldNum" idx="2"/>
+          </p:nvPr>
+        </p:nvSpPr>
+        <p:spPr/>
+        <p:txBody>
+          <a:bodyPr/>
+          <a:p>
+            <a:fld id="{6FA25EA5-407A-431E-877E-D4726EB64E87}" type="slidenum">
               <a:t>17</a:t>
-            </a:fld>
-          </a:p>
-        </p:txBody>
-      </p:sp>
-      <p:sp>
-        <p:nvSpPr>
-          <p:cNvPr id="5" name="PlaceHolder 4"/>
-          <p:cNvSpPr>
-            <a:spLocks noGrp="1"/>
-          </p:cNvSpPr>
-          <p:nvPr>
-            <p:ph type="dt" idx="1"/>
-          </p:nvPr>
-        </p:nvSpPr>
-        <p:spPr/>
-        <p:txBody>
-          <a:bodyPr/>
-          <a:p>
-            <a:fld id="{B1DE3B89-5389-41AB-AFBA-65152365B67E}" type="datetime1">
-              <a:rPr lang="en-US"/>
-              <a:t>12/10/2022</a:t>
             </a:fld>
           </a:p>
         </p:txBody>
@@ -7275,7 +6938,7 @@
         <p:spPr>
           <a:xfrm>
             <a:off x="360000" y="180000"/>
-            <a:ext cx="9360000" cy="478080"/>
+            <a:ext cx="9359280" cy="477360"/>
           </a:xfrm>
           <a:prstGeom prst="rect">
             <a:avLst/>
@@ -7291,6 +6954,9 @@
           </a:bodyPr>
           <a:p>
             <a:pPr algn="ctr">
+              <a:lnSpc>
+                <a:spcPct val="100000"/>
+              </a:lnSpc>
               <a:buNone/>
             </a:pPr>
             <a:r>
@@ -7303,9 +6969,6 @@
               <a:t>Conclusions</a:t>
             </a:r>
             <a:endParaRPr b="0" lang="en-US" sz="3300" spc="-1" strike="noStrike">
-              <a:solidFill>
-                <a:srgbClr val="ffffff"/>
-              </a:solidFill>
               <a:latin typeface="Arial"/>
             </a:endParaRPr>
           </a:p>
@@ -7324,7 +6987,7 @@
         <p:spPr>
           <a:xfrm>
             <a:off x="360000" y="1080000"/>
-            <a:ext cx="9360000" cy="3600000"/>
+            <a:ext cx="9359280" cy="3599280"/>
           </a:xfrm>
           <a:prstGeom prst="rect">
             <a:avLst/>
@@ -7340,6 +7003,9 @@
           </a:bodyPr>
           <a:p>
             <a:pPr marL="432000" indent="-324000">
+              <a:lnSpc>
+                <a:spcPct val="100000"/>
+              </a:lnSpc>
               <a:spcBef>
                 <a:spcPts val="1060"/>
               </a:spcBef>
@@ -7360,14 +7026,14 @@
               <a:t>Replicated Khomtchouk 2020 study with similar results</a:t>
             </a:r>
             <a:endParaRPr b="0" lang="en-US" sz="2400" spc="-1" strike="noStrike">
-              <a:solidFill>
-                <a:srgbClr val="009bdd"/>
-              </a:solidFill>
               <a:latin typeface="Arial"/>
             </a:endParaRPr>
           </a:p>
           <a:p>
             <a:pPr marL="432000" indent="-324000">
+              <a:lnSpc>
+                <a:spcPct val="100000"/>
+              </a:lnSpc>
               <a:spcBef>
                 <a:spcPts val="1060"/>
               </a:spcBef>
@@ -7388,14 +7054,14 @@
               <a:t>Amino acid frequencies can be used effectively for prediction</a:t>
             </a:r>
             <a:endParaRPr b="0" lang="en-US" sz="2400" spc="-1" strike="noStrike">
-              <a:solidFill>
-                <a:srgbClr val="009bdd"/>
-              </a:solidFill>
               <a:latin typeface="Arial"/>
             </a:endParaRPr>
           </a:p>
           <a:p>
             <a:pPr marL="432000" indent="-324000">
+              <a:lnSpc>
+                <a:spcPct val="100000"/>
+              </a:lnSpc>
               <a:spcBef>
                 <a:spcPts val="1060"/>
               </a:spcBef>
@@ -7416,28 +7082,20 @@
               <a:t>Best model: MLP with hyperopt, k-NN close and cheap</a:t>
             </a:r>
             <a:endParaRPr b="0" lang="en-US" sz="2400" spc="-1" strike="noStrike">
-              <a:solidFill>
-                <a:srgbClr val="009bdd"/>
-              </a:solidFill>
-              <a:latin typeface="Arial"/>
-            </a:endParaRPr>
-          </a:p>
-          <a:p>
-            <a:pPr marL="432000" indent="-324000">
+              <a:latin typeface="Arial"/>
+            </a:endParaRPr>
+          </a:p>
+          <a:p>
+            <a:pPr>
+              <a:lnSpc>
+                <a:spcPct val="100000"/>
+              </a:lnSpc>
               <a:spcBef>
                 <a:spcPts val="1060"/>
               </a:spcBef>
-              <a:buClr>
-                <a:srgbClr val="77caee"/>
-              </a:buClr>
-              <a:buSzPct val="45000"/>
-              <a:buFont typeface="Wingdings" charset="2"/>
-              <a:buChar char=""/>
+              <a:buNone/>
             </a:pPr>
             <a:endParaRPr b="0" lang="en-US" sz="2400" spc="-1" strike="noStrike">
-              <a:solidFill>
-                <a:srgbClr val="009bdd"/>
-              </a:solidFill>
               <a:latin typeface="Arial"/>
             </a:endParaRPr>
           </a:p>
@@ -7456,7 +7114,7 @@
         <p:spPr>
           <a:xfrm>
             <a:off x="848160" y="2971800"/>
-            <a:ext cx="8295840" cy="1234080"/>
+            <a:ext cx="8295120" cy="1233360"/>
           </a:xfrm>
           <a:prstGeom prst="rect">
             <a:avLst/>
@@ -7473,36 +7131,35 @@
             <a:spLocks noGrp="1"/>
           </p:cNvSpPr>
           <p:nvPr>
-            <p:ph type="sldNum" idx="3"/>
+            <p:ph type="ftr" idx="1"/>
           </p:nvPr>
         </p:nvSpPr>
         <p:spPr/>
         <p:txBody>
           <a:bodyPr/>
           <a:p>
-            <a:fld id="{156CDD31-5CE1-4BE9-895F-1501A11A3830}" type="slidenum">
+            <a:r>
+              <a:t>Predicting Taxon and DNA Type</a:t>
+            </a:r>
+          </a:p>
+        </p:txBody>
+      </p:sp>
+      <p:sp>
+        <p:nvSpPr>
+          <p:cNvPr id="5" name="PlaceHolder 4"/>
+          <p:cNvSpPr>
+            <a:spLocks noGrp="1"/>
+          </p:cNvSpPr>
+          <p:nvPr>
+            <p:ph type="sldNum" idx="2"/>
+          </p:nvPr>
+        </p:nvSpPr>
+        <p:spPr/>
+        <p:txBody>
+          <a:bodyPr/>
+          <a:p>
+            <a:fld id="{0922E992-CFE8-43AC-9ACF-E9724B97DD4E}" type="slidenum">
               <a:t>18</a:t>
-            </a:fld>
-          </a:p>
-        </p:txBody>
-      </p:sp>
-      <p:sp>
-        <p:nvSpPr>
-          <p:cNvPr id="5" name="PlaceHolder 4"/>
-          <p:cNvSpPr>
-            <a:spLocks noGrp="1"/>
-          </p:cNvSpPr>
-          <p:nvPr>
-            <p:ph type="dt" idx="1"/>
-          </p:nvPr>
-        </p:nvSpPr>
-        <p:spPr/>
-        <p:txBody>
-          <a:bodyPr/>
-          <a:p>
-            <a:fld id="{CBAFDF26-DAEA-4B46-9C73-45C5AB6A7E0C}" type="datetime1">
-              <a:rPr lang="en-US"/>
-              <a:t>12/10/2022</a:t>
             </a:fld>
           </a:p>
         </p:txBody>
@@ -7550,7 +7207,7 @@
         <p:spPr>
           <a:xfrm>
             <a:off x="360000" y="180000"/>
-            <a:ext cx="9360000" cy="478080"/>
+            <a:ext cx="9359280" cy="477360"/>
           </a:xfrm>
           <a:prstGeom prst="rect">
             <a:avLst/>
@@ -7566,6 +7223,9 @@
           </a:bodyPr>
           <a:p>
             <a:pPr algn="ctr">
+              <a:lnSpc>
+                <a:spcPct val="100000"/>
+              </a:lnSpc>
               <a:buNone/>
             </a:pPr>
             <a:r>
@@ -7578,9 +7238,6 @@
               <a:t>Next Steps</a:t>
             </a:r>
             <a:endParaRPr b="0" lang="en-US" sz="3300" spc="-1" strike="noStrike">
-              <a:solidFill>
-                <a:srgbClr val="ffffff"/>
-              </a:solidFill>
               <a:latin typeface="Arial"/>
             </a:endParaRPr>
           </a:p>
@@ -7599,7 +7256,7 @@
         <p:spPr>
           <a:xfrm>
             <a:off x="360000" y="1080000"/>
-            <a:ext cx="9360000" cy="3600000"/>
+            <a:ext cx="9359280" cy="3599280"/>
           </a:xfrm>
           <a:prstGeom prst="rect">
             <a:avLst/>
@@ -7615,6 +7272,9 @@
           </a:bodyPr>
           <a:p>
             <a:pPr marL="432000" indent="-324000">
+              <a:lnSpc>
+                <a:spcPct val="100000"/>
+              </a:lnSpc>
               <a:spcBef>
                 <a:spcPts val="1060"/>
               </a:spcBef>
@@ -7635,14 +7295,14 @@
               <a:t>More graphical EDA including SHAP heatmap plots</a:t>
             </a:r>
             <a:endParaRPr b="0" lang="en-US" sz="2400" spc="-1" strike="noStrike">
-              <a:solidFill>
-                <a:srgbClr val="009bdd"/>
-              </a:solidFill>
               <a:latin typeface="Arial"/>
             </a:endParaRPr>
           </a:p>
           <a:p>
             <a:pPr marL="432000" indent="-324000">
+              <a:lnSpc>
+                <a:spcPct val="100000"/>
+              </a:lnSpc>
               <a:spcBef>
                 <a:spcPts val="1060"/>
               </a:spcBef>
@@ -7663,14 +7323,14 @@
               <a:t>Explore correlations among aminos and codons</a:t>
             </a:r>
             <a:endParaRPr b="0" lang="en-US" sz="2400" spc="-1" strike="noStrike">
-              <a:solidFill>
-                <a:srgbClr val="009bdd"/>
-              </a:solidFill>
               <a:latin typeface="Arial"/>
             </a:endParaRPr>
           </a:p>
           <a:p>
             <a:pPr marL="432000" indent="-324000">
+              <a:lnSpc>
+                <a:spcPct val="100000"/>
+              </a:lnSpc>
               <a:spcBef>
                 <a:spcPts val="1060"/>
               </a:spcBef>
@@ -7691,14 +7351,14 @@
               <a:t>Resolve anomaly surrounding XGBoost with hyperopt</a:t>
             </a:r>
             <a:endParaRPr b="0" lang="en-US" sz="2400" spc="-1" strike="noStrike">
-              <a:solidFill>
-                <a:srgbClr val="009bdd"/>
-              </a:solidFill>
               <a:latin typeface="Arial"/>
             </a:endParaRPr>
           </a:p>
           <a:p>
             <a:pPr marL="432000" indent="-324000">
+              <a:lnSpc>
+                <a:spcPct val="100000"/>
+              </a:lnSpc>
               <a:spcBef>
                 <a:spcPts val="1060"/>
               </a:spcBef>
@@ -7719,14 +7379,14 @@
               <a:t>Include all performance metrics used in 2020 study</a:t>
             </a:r>
             <a:endParaRPr b="0" lang="en-US" sz="2400" spc="-1" strike="noStrike">
-              <a:solidFill>
-                <a:srgbClr val="009bdd"/>
-              </a:solidFill>
               <a:latin typeface="Arial"/>
             </a:endParaRPr>
           </a:p>
           <a:p>
             <a:pPr marL="432000" indent="-324000">
+              <a:lnSpc>
+                <a:spcPct val="100000"/>
+              </a:lnSpc>
               <a:spcBef>
                 <a:spcPts val="1060"/>
               </a:spcBef>
@@ -7747,14 +7407,14 @@
               <a:t>Fit models using untrimmed data for comparison</a:t>
             </a:r>
             <a:endParaRPr b="0" lang="en-US" sz="2400" spc="-1" strike="noStrike">
-              <a:solidFill>
-                <a:srgbClr val="009bdd"/>
-              </a:solidFill>
               <a:latin typeface="Arial"/>
             </a:endParaRPr>
           </a:p>
           <a:p>
             <a:pPr marL="432000" indent="-324000">
+              <a:lnSpc>
+                <a:spcPct val="100000"/>
+              </a:lnSpc>
               <a:spcBef>
                 <a:spcPts val="1060"/>
               </a:spcBef>
@@ -7775,9 +7435,6 @@
               <a:t>Determine ratio of codon to corresponding amino to fit models based on codon bias</a:t>
             </a:r>
             <a:endParaRPr b="0" lang="en-US" sz="2400" spc="-1" strike="noStrike">
-              <a:solidFill>
-                <a:srgbClr val="009bdd"/>
-              </a:solidFill>
               <a:latin typeface="Arial"/>
             </a:endParaRPr>
           </a:p>
@@ -7790,36 +7447,35 @@
             <a:spLocks noGrp="1"/>
           </p:cNvSpPr>
           <p:nvPr>
-            <p:ph type="sldNum" idx="3"/>
+            <p:ph type="ftr" idx="1"/>
           </p:nvPr>
         </p:nvSpPr>
         <p:spPr/>
         <p:txBody>
           <a:bodyPr/>
           <a:p>
-            <a:fld id="{DB1D4229-5302-4597-86B7-00CFA21E5512}" type="slidenum">
+            <a:r>
+              <a:t>Predicting Taxon and DNA Type</a:t>
+            </a:r>
+          </a:p>
+        </p:txBody>
+      </p:sp>
+      <p:sp>
+        <p:nvSpPr>
+          <p:cNvPr id="5" name="PlaceHolder 4"/>
+          <p:cNvSpPr>
+            <a:spLocks noGrp="1"/>
+          </p:cNvSpPr>
+          <p:nvPr>
+            <p:ph type="sldNum" idx="2"/>
+          </p:nvPr>
+        </p:nvSpPr>
+        <p:spPr/>
+        <p:txBody>
+          <a:bodyPr/>
+          <a:p>
+            <a:fld id="{0C42BF21-BBBD-4357-BFEA-453A76F0F6A4}" type="slidenum">
               <a:t>19</a:t>
-            </a:fld>
-          </a:p>
-        </p:txBody>
-      </p:sp>
-      <p:sp>
-        <p:nvSpPr>
-          <p:cNvPr id="5" name="PlaceHolder 4"/>
-          <p:cNvSpPr>
-            <a:spLocks noGrp="1"/>
-          </p:cNvSpPr>
-          <p:nvPr>
-            <p:ph type="dt" idx="1"/>
-          </p:nvPr>
-        </p:nvSpPr>
-        <p:spPr/>
-        <p:txBody>
-          <a:bodyPr/>
-          <a:p>
-            <a:fld id="{9AB2474E-9254-4600-9D17-A24367BC7406}" type="datetime1">
-              <a:rPr lang="en-US"/>
-              <a:t>12/10/2022</a:t>
             </a:fld>
           </a:p>
         </p:txBody>
@@ -7867,7 +7523,7 @@
         <p:spPr>
           <a:xfrm>
             <a:off x="360000" y="180000"/>
-            <a:ext cx="9360000" cy="478080"/>
+            <a:ext cx="9359280" cy="477360"/>
           </a:xfrm>
           <a:prstGeom prst="rect">
             <a:avLst/>
@@ -7883,6 +7539,9 @@
           </a:bodyPr>
           <a:p>
             <a:pPr algn="ctr">
+              <a:lnSpc>
+                <a:spcPct val="100000"/>
+              </a:lnSpc>
               <a:buNone/>
             </a:pPr>
             <a:r>
@@ -7895,9 +7554,6 @@
               <a:t>Background</a:t>
             </a:r>
             <a:endParaRPr b="0" lang="en-US" sz="3300" spc="-1" strike="noStrike">
-              <a:solidFill>
-                <a:srgbClr val="ffffff"/>
-              </a:solidFill>
               <a:latin typeface="Arial"/>
             </a:endParaRPr>
           </a:p>
@@ -7916,7 +7572,7 @@
         <p:spPr>
           <a:xfrm>
             <a:off x="360000" y="1080000"/>
-            <a:ext cx="9360000" cy="3600000"/>
+            <a:ext cx="9359280" cy="3599280"/>
           </a:xfrm>
           <a:prstGeom prst="rect">
             <a:avLst/>
@@ -7932,6 +7588,9 @@
           </a:bodyPr>
           <a:p>
             <a:pPr marL="432000" indent="-324000">
+              <a:lnSpc>
+                <a:spcPct val="100000"/>
+              </a:lnSpc>
               <a:spcBef>
                 <a:spcPts val="1060"/>
               </a:spcBef>
@@ -7952,14 +7611,14 @@
               <a:t>DNA is organized into codons of three sequential base pairs</a:t>
             </a:r>
             <a:endParaRPr b="0" lang="en-US" sz="2400" spc="-1" strike="noStrike">
-              <a:solidFill>
-                <a:srgbClr val="009bdd"/>
-              </a:solidFill>
               <a:latin typeface="Arial"/>
             </a:endParaRPr>
           </a:p>
           <a:p>
             <a:pPr marL="432000" indent="-324000">
+              <a:lnSpc>
+                <a:spcPct val="100000"/>
+              </a:lnSpc>
               <a:spcBef>
                 <a:spcPts val="1060"/>
               </a:spcBef>
@@ -7980,14 +7639,14 @@
               <a:t>The 64 possible codons code for 20 amino acids</a:t>
             </a:r>
             <a:endParaRPr b="0" lang="en-US" sz="2400" spc="-1" strike="noStrike">
-              <a:solidFill>
-                <a:srgbClr val="009bdd"/>
-              </a:solidFill>
               <a:latin typeface="Arial"/>
             </a:endParaRPr>
           </a:p>
           <a:p>
             <a:pPr marL="432000" indent="-324000">
+              <a:lnSpc>
+                <a:spcPct val="100000"/>
+              </a:lnSpc>
               <a:spcBef>
                 <a:spcPts val="1060"/>
               </a:spcBef>
@@ -8008,14 +7667,14 @@
               <a:t>Many amino acids are produced by multiple codons</a:t>
             </a:r>
             <a:endParaRPr b="0" lang="en-US" sz="2400" spc="-1" strike="noStrike">
-              <a:solidFill>
-                <a:srgbClr val="009bdd"/>
-              </a:solidFill>
               <a:latin typeface="Arial"/>
             </a:endParaRPr>
           </a:p>
           <a:p>
             <a:pPr marL="432000" indent="-324000">
+              <a:lnSpc>
+                <a:spcPct val="100000"/>
+              </a:lnSpc>
               <a:spcBef>
                 <a:spcPts val="1060"/>
               </a:spcBef>
@@ -8036,14 +7695,14 @@
               <a:t>Prior research (Khomtchouk 2020) demonstrates that taxonomic group and DNA type can be predicted from codon frequencies</a:t>
             </a:r>
             <a:endParaRPr b="0" lang="en-US" sz="2400" spc="-1" strike="noStrike">
-              <a:solidFill>
-                <a:srgbClr val="009bdd"/>
-              </a:solidFill>
               <a:latin typeface="Arial"/>
             </a:endParaRPr>
           </a:p>
           <a:p>
             <a:pPr marL="432000" indent="-324000">
+              <a:lnSpc>
+                <a:spcPct val="100000"/>
+              </a:lnSpc>
               <a:spcBef>
                 <a:spcPts val="1060"/>
               </a:spcBef>
@@ -8064,14 +7723,14 @@
               <a:t>Analyzing codon frequencies is far less computationally intensive than analyzing entire gene sequences</a:t>
             </a:r>
             <a:endParaRPr b="0" lang="en-US" sz="2400" spc="-1" strike="noStrike">
-              <a:solidFill>
-                <a:srgbClr val="009bdd"/>
-              </a:solidFill>
               <a:latin typeface="Arial"/>
             </a:endParaRPr>
           </a:p>
           <a:p>
             <a:pPr marL="432000" indent="-324000">
+              <a:lnSpc>
+                <a:spcPct val="100000"/>
+              </a:lnSpc>
               <a:spcBef>
                 <a:spcPts val="1060"/>
               </a:spcBef>
@@ -8092,9 +7751,6 @@
               <a:t>Perhaps it’s also possible to use amino acid frequencies</a:t>
             </a:r>
             <a:endParaRPr b="0" lang="en-US" sz="2400" spc="-1" strike="noStrike">
-              <a:solidFill>
-                <a:srgbClr val="009bdd"/>
-              </a:solidFill>
               <a:latin typeface="Arial"/>
             </a:endParaRPr>
           </a:p>
@@ -8107,36 +7763,35 @@
             <a:spLocks noGrp="1"/>
           </p:cNvSpPr>
           <p:nvPr>
-            <p:ph type="sldNum" idx="3"/>
+            <p:ph type="ftr" idx="1"/>
           </p:nvPr>
         </p:nvSpPr>
         <p:spPr/>
         <p:txBody>
           <a:bodyPr/>
           <a:p>
-            <a:fld id="{538BEA96-B9EB-40F8-BF81-92A9AAB7F85D}" type="slidenum">
+            <a:r>
+              <a:t>Predicting Taxon and DNA Type</a:t>
+            </a:r>
+          </a:p>
+        </p:txBody>
+      </p:sp>
+      <p:sp>
+        <p:nvSpPr>
+          <p:cNvPr id="5" name="PlaceHolder 4"/>
+          <p:cNvSpPr>
+            <a:spLocks noGrp="1"/>
+          </p:cNvSpPr>
+          <p:nvPr>
+            <p:ph type="sldNum" idx="2"/>
+          </p:nvPr>
+        </p:nvSpPr>
+        <p:spPr/>
+        <p:txBody>
+          <a:bodyPr/>
+          <a:p>
+            <a:fld id="{F4C07C22-21AA-48B1-AB2B-ED71ECDB05A2}" type="slidenum">
               <a:t>2</a:t>
-            </a:fld>
-          </a:p>
-        </p:txBody>
-      </p:sp>
-      <p:sp>
-        <p:nvSpPr>
-          <p:cNvPr id="5" name="PlaceHolder 4"/>
-          <p:cNvSpPr>
-            <a:spLocks noGrp="1"/>
-          </p:cNvSpPr>
-          <p:nvPr>
-            <p:ph type="dt" idx="1"/>
-          </p:nvPr>
-        </p:nvSpPr>
-        <p:spPr/>
-        <p:txBody>
-          <a:bodyPr/>
-          <a:p>
-            <a:fld id="{35B72407-7627-4E91-BD1D-94C8FAD1E1D5}" type="datetime1">
-              <a:rPr lang="en-US"/>
-              <a:t>12/10/2022</a:t>
             </a:fld>
           </a:p>
         </p:txBody>
@@ -8184,7 +7839,7 @@
         <p:spPr>
           <a:xfrm>
             <a:off x="360000" y="180000"/>
-            <a:ext cx="9360000" cy="478080"/>
+            <a:ext cx="9359280" cy="477360"/>
           </a:xfrm>
           <a:prstGeom prst="rect">
             <a:avLst/>
@@ -8200,6 +7855,9 @@
           </a:bodyPr>
           <a:p>
             <a:pPr algn="ctr">
+              <a:lnSpc>
+                <a:spcPct val="100000"/>
+              </a:lnSpc>
               <a:buNone/>
             </a:pPr>
             <a:r>
@@ -8212,9 +7870,6 @@
               <a:t>Study Overview</a:t>
             </a:r>
             <a:endParaRPr b="0" lang="en-US" sz="3300" spc="-1" strike="noStrike">
-              <a:solidFill>
-                <a:srgbClr val="ffffff"/>
-              </a:solidFill>
               <a:latin typeface="Arial"/>
             </a:endParaRPr>
           </a:p>
@@ -8233,7 +7888,7 @@
         <p:spPr>
           <a:xfrm>
             <a:off x="360000" y="1080000"/>
-            <a:ext cx="9360000" cy="3600000"/>
+            <a:ext cx="9359280" cy="3599280"/>
           </a:xfrm>
           <a:prstGeom prst="rect">
             <a:avLst/>
@@ -8249,6 +7904,9 @@
           </a:bodyPr>
           <a:p>
             <a:pPr marL="432000" indent="-324000">
+              <a:lnSpc>
+                <a:spcPct val="100000"/>
+              </a:lnSpc>
               <a:spcBef>
                 <a:spcPts val="1060"/>
               </a:spcBef>
@@ -8278,14 +7936,14 @@
               <a:t>Data used in prior study from CUTG database for reproducibility</a:t>
             </a:r>
             <a:endParaRPr b="0" lang="en-US" sz="2400" spc="-1" strike="noStrike">
-              <a:solidFill>
-                <a:srgbClr val="009bdd"/>
-              </a:solidFill>
               <a:latin typeface="Arial"/>
             </a:endParaRPr>
           </a:p>
           <a:p>
             <a:pPr marL="432000" indent="-324000">
+              <a:lnSpc>
+                <a:spcPct val="100000"/>
+              </a:lnSpc>
               <a:spcBef>
                 <a:spcPts val="1060"/>
               </a:spcBef>
@@ -8315,14 +7973,14 @@
               <a:t>Amino frequencies generated from codons using dictionary</a:t>
             </a:r>
             <a:endParaRPr b="0" lang="en-US" sz="2400" spc="-1" strike="noStrike">
-              <a:solidFill>
-                <a:srgbClr val="009bdd"/>
-              </a:solidFill>
               <a:latin typeface="Arial"/>
             </a:endParaRPr>
           </a:p>
           <a:p>
             <a:pPr marL="432000" indent="-324000">
+              <a:lnSpc>
+                <a:spcPct val="100000"/>
+              </a:lnSpc>
               <a:spcBef>
                 <a:spcPts val="1060"/>
               </a:spcBef>
@@ -8352,14 +8010,14 @@
               <a:t>Data scaled, outcome variables (DNAtype and kingdom) encoded</a:t>
             </a:r>
             <a:endParaRPr b="0" lang="en-US" sz="2400" spc="-1" strike="noStrike">
-              <a:solidFill>
-                <a:srgbClr val="009bdd"/>
-              </a:solidFill>
               <a:latin typeface="Arial"/>
             </a:endParaRPr>
           </a:p>
           <a:p>
             <a:pPr marL="432000" indent="-324000">
+              <a:lnSpc>
+                <a:spcPct val="100000"/>
+              </a:lnSpc>
               <a:spcBef>
                 <a:spcPts val="1060"/>
               </a:spcBef>
@@ -8389,14 +8047,14 @@
               <a:t>Three way train-validation-test split applied</a:t>
             </a:r>
             <a:endParaRPr b="0" lang="en-US" sz="2400" spc="-1" strike="noStrike">
-              <a:solidFill>
-                <a:srgbClr val="009bdd"/>
-              </a:solidFill>
               <a:latin typeface="Arial"/>
             </a:endParaRPr>
           </a:p>
           <a:p>
             <a:pPr marL="432000" indent="-324000">
+              <a:lnSpc>
+                <a:spcPct val="100000"/>
+              </a:lnSpc>
               <a:spcBef>
                 <a:spcPts val="1060"/>
               </a:spcBef>
@@ -8426,14 +8084,14 @@
               <a:t>Codon and amino frequencies used to predict DNAtype and kingdom using k-NN, Random Forest, XGBoost, MLP, and Naive Bayes models</a:t>
             </a:r>
             <a:endParaRPr b="0" lang="en-US" sz="2400" spc="-1" strike="noStrike">
-              <a:solidFill>
-                <a:srgbClr val="009bdd"/>
-              </a:solidFill>
               <a:latin typeface="Arial"/>
             </a:endParaRPr>
           </a:p>
           <a:p>
             <a:pPr marL="432000" indent="-324000">
+              <a:lnSpc>
+                <a:spcPct val="100000"/>
+              </a:lnSpc>
               <a:spcBef>
                 <a:spcPts val="1060"/>
               </a:spcBef>
@@ -8454,9 +8112,6 @@
               <a:t>SHAP analysis used for feature importance</a:t>
             </a:r>
             <a:endParaRPr b="0" lang="en-US" sz="2400" spc="-1" strike="noStrike">
-              <a:solidFill>
-                <a:srgbClr val="009bdd"/>
-              </a:solidFill>
               <a:latin typeface="Arial"/>
             </a:endParaRPr>
           </a:p>
@@ -8469,36 +8124,35 @@
             <a:spLocks noGrp="1"/>
           </p:cNvSpPr>
           <p:nvPr>
-            <p:ph type="sldNum" idx="3"/>
+            <p:ph type="ftr" idx="1"/>
           </p:nvPr>
         </p:nvSpPr>
         <p:spPr/>
         <p:txBody>
           <a:bodyPr/>
           <a:p>
-            <a:fld id="{CE7BA383-C6CF-461F-AB9D-2E9C7D321FC4}" type="slidenum">
+            <a:r>
+              <a:t>Predicting Taxon and DNA Type</a:t>
+            </a:r>
+          </a:p>
+        </p:txBody>
+      </p:sp>
+      <p:sp>
+        <p:nvSpPr>
+          <p:cNvPr id="5" name="PlaceHolder 4"/>
+          <p:cNvSpPr>
+            <a:spLocks noGrp="1"/>
+          </p:cNvSpPr>
+          <p:nvPr>
+            <p:ph type="sldNum" idx="2"/>
+          </p:nvPr>
+        </p:nvSpPr>
+        <p:spPr/>
+        <p:txBody>
+          <a:bodyPr/>
+          <a:p>
+            <a:fld id="{BF9EB9FF-4B0F-43FD-B074-1FA2A94E79E7}" type="slidenum">
               <a:t>3</a:t>
-            </a:fld>
-          </a:p>
-        </p:txBody>
-      </p:sp>
-      <p:sp>
-        <p:nvSpPr>
-          <p:cNvPr id="5" name="PlaceHolder 4"/>
-          <p:cNvSpPr>
-            <a:spLocks noGrp="1"/>
-          </p:cNvSpPr>
-          <p:nvPr>
-            <p:ph type="dt" idx="1"/>
-          </p:nvPr>
-        </p:nvSpPr>
-        <p:spPr/>
-        <p:txBody>
-          <a:bodyPr/>
-          <a:p>
-            <a:fld id="{3DD11823-7B6B-4372-BFEF-83AF7120D1A0}" type="datetime1">
-              <a:rPr lang="en-US"/>
-              <a:t>12/10/2022</a:t>
             </a:fld>
           </a:p>
         </p:txBody>
@@ -8546,7 +8200,7 @@
         <p:spPr>
           <a:xfrm>
             <a:off x="360000" y="180000"/>
-            <a:ext cx="9360000" cy="478080"/>
+            <a:ext cx="9359280" cy="477360"/>
           </a:xfrm>
           <a:prstGeom prst="rect">
             <a:avLst/>
@@ -8562,6 +8216,9 @@
           </a:bodyPr>
           <a:p>
             <a:pPr algn="ctr">
+              <a:lnSpc>
+                <a:spcPct val="100000"/>
+              </a:lnSpc>
               <a:buNone/>
             </a:pPr>
             <a:r>
@@ -8574,9 +8231,6 @@
               <a:t>Data Preprocessing</a:t>
             </a:r>
             <a:endParaRPr b="0" lang="en-US" sz="3300" spc="-1" strike="noStrike">
-              <a:solidFill>
-                <a:srgbClr val="ffffff"/>
-              </a:solidFill>
               <a:latin typeface="Arial"/>
             </a:endParaRPr>
           </a:p>
@@ -8595,7 +8249,7 @@
         <p:spPr>
           <a:xfrm>
             <a:off x="360000" y="1080000"/>
-            <a:ext cx="9360000" cy="3600000"/>
+            <a:ext cx="9359280" cy="3599280"/>
           </a:xfrm>
           <a:prstGeom prst="rect">
             <a:avLst/>
@@ -8611,6 +8265,9 @@
           </a:bodyPr>
           <a:p>
             <a:pPr marL="432000" indent="-324000">
+              <a:lnSpc>
+                <a:spcPct val="100000"/>
+              </a:lnSpc>
               <a:spcBef>
                 <a:spcPts val="1060"/>
               </a:spcBef>
@@ -8631,14 +8288,14 @@
               <a:t>Data from 2020 study used; 13,028 observations, 69 variables</a:t>
             </a:r>
             <a:endParaRPr b="0" lang="en-US" sz="2400" spc="-1" strike="noStrike">
-              <a:solidFill>
-                <a:srgbClr val="009bdd"/>
-              </a:solidFill>
               <a:latin typeface="Arial"/>
             </a:endParaRPr>
           </a:p>
           <a:p>
             <a:pPr marL="432000" indent="-324000">
+              <a:lnSpc>
+                <a:spcPct val="100000"/>
+              </a:lnSpc>
               <a:spcBef>
                 <a:spcPts val="1060"/>
               </a:spcBef>
@@ -8659,24 +8316,25 @@
               <a:t>Source: </a:t>
             </a:r>
             <a:r>
-              <a:rPr b="0" lang="en-US" sz="2400" spc="-1" strike="noStrike">
+              <a:rPr b="0" lang="en-US" sz="2400" spc="-1" strike="noStrike" u="sng">
                 <a:solidFill>
-                  <a:srgbClr val="009bdd"/>
+                  <a:srgbClr val="0000ff"/>
                 </a:solidFill>
+                <a:uFillTx/>
                 <a:latin typeface="Arial"/>
                 <a:hlinkClick r:id="rId1"/>
               </a:rPr>
               <a:t>https://archive.ics.uci.edu/ml/datasets/Codon+usage</a:t>
             </a:r>
             <a:endParaRPr b="0" lang="en-US" sz="2400" spc="-1" strike="noStrike">
-              <a:solidFill>
-                <a:srgbClr val="009bdd"/>
-              </a:solidFill>
               <a:latin typeface="Arial"/>
             </a:endParaRPr>
           </a:p>
           <a:p>
             <a:pPr marL="432000" indent="-324000">
+              <a:lnSpc>
+                <a:spcPct val="100000"/>
+              </a:lnSpc>
               <a:spcBef>
                 <a:spcPts val="1060"/>
               </a:spcBef>
@@ -8697,14 +8355,14 @@
               <a:t>Data put into pandas dataframe; type issues resolved</a:t>
             </a:r>
             <a:endParaRPr b="0" lang="en-US" sz="2400" spc="-1" strike="noStrike">
-              <a:solidFill>
-                <a:srgbClr val="009bdd"/>
-              </a:solidFill>
               <a:latin typeface="Arial"/>
             </a:endParaRPr>
           </a:p>
           <a:p>
             <a:pPr marL="432000" indent="-324000">
+              <a:lnSpc>
+                <a:spcPct val="100000"/>
+              </a:lnSpc>
               <a:spcBef>
                 <a:spcPts val="1060"/>
               </a:spcBef>
@@ -8725,14 +8383,14 @@
               <a:t>Column labels decoded for clarification</a:t>
             </a:r>
             <a:endParaRPr b="0" lang="en-US" sz="2400" spc="-1" strike="noStrike">
-              <a:solidFill>
-                <a:srgbClr val="009bdd"/>
-              </a:solidFill>
               <a:latin typeface="Arial"/>
             </a:endParaRPr>
           </a:p>
           <a:p>
             <a:pPr marL="432000" indent="-324000">
+              <a:lnSpc>
+                <a:spcPct val="100000"/>
+              </a:lnSpc>
               <a:spcBef>
                 <a:spcPts val="1060"/>
               </a:spcBef>
@@ -8753,14 +8411,14 @@
               <a:t>Sparse groups trimmed to improve model fit; 62 rows removed</a:t>
             </a:r>
             <a:endParaRPr b="0" lang="en-US" sz="2400" spc="-1" strike="noStrike">
-              <a:solidFill>
-                <a:srgbClr val="009bdd"/>
-              </a:solidFill>
               <a:latin typeface="Arial"/>
             </a:endParaRPr>
           </a:p>
           <a:p>
             <a:pPr marL="432000" indent="-324000">
+              <a:lnSpc>
+                <a:spcPct val="100000"/>
+              </a:lnSpc>
               <a:spcBef>
                 <a:spcPts val="1060"/>
               </a:spcBef>
@@ -8781,14 +8439,14 @@
               <a:t>One-hot encoding used for categorical response variables</a:t>
             </a:r>
             <a:endParaRPr b="0" lang="en-US" sz="2400" spc="-1" strike="noStrike">
-              <a:solidFill>
-                <a:srgbClr val="009bdd"/>
-              </a:solidFill>
               <a:latin typeface="Arial"/>
             </a:endParaRPr>
           </a:p>
           <a:p>
             <a:pPr marL="432000" indent="-324000">
+              <a:lnSpc>
+                <a:spcPct val="100000"/>
+              </a:lnSpc>
               <a:spcBef>
                 <a:spcPts val="1060"/>
               </a:spcBef>
@@ -8809,9 +8467,6 @@
               <a:t>Three-way train-validation-test split applied</a:t>
             </a:r>
             <a:endParaRPr b="0" lang="en-US" sz="2400" spc="-1" strike="noStrike">
-              <a:solidFill>
-                <a:srgbClr val="009bdd"/>
-              </a:solidFill>
               <a:latin typeface="Arial"/>
             </a:endParaRPr>
           </a:p>
@@ -8824,36 +8479,35 @@
             <a:spLocks noGrp="1"/>
           </p:cNvSpPr>
           <p:nvPr>
-            <p:ph type="sldNum" idx="3"/>
+            <p:ph type="ftr" idx="1"/>
           </p:nvPr>
         </p:nvSpPr>
         <p:spPr/>
         <p:txBody>
           <a:bodyPr/>
           <a:p>
-            <a:fld id="{CA7F1F65-7853-4012-93E1-A540DD5E6B1E}" type="slidenum">
+            <a:r>
+              <a:t>Predicting Taxon and DNA Type</a:t>
+            </a:r>
+          </a:p>
+        </p:txBody>
+      </p:sp>
+      <p:sp>
+        <p:nvSpPr>
+          <p:cNvPr id="5" name="PlaceHolder 4"/>
+          <p:cNvSpPr>
+            <a:spLocks noGrp="1"/>
+          </p:cNvSpPr>
+          <p:nvPr>
+            <p:ph type="sldNum" idx="2"/>
+          </p:nvPr>
+        </p:nvSpPr>
+        <p:spPr/>
+        <p:txBody>
+          <a:bodyPr/>
+          <a:p>
+            <a:fld id="{3F92F2E9-5F2C-45FF-B1F7-DF968C1A97ED}" type="slidenum">
               <a:t>4</a:t>
-            </a:fld>
-          </a:p>
-        </p:txBody>
-      </p:sp>
-      <p:sp>
-        <p:nvSpPr>
-          <p:cNvPr id="5" name="PlaceHolder 4"/>
-          <p:cNvSpPr>
-            <a:spLocks noGrp="1"/>
-          </p:cNvSpPr>
-          <p:nvPr>
-            <p:ph type="dt" idx="1"/>
-          </p:nvPr>
-        </p:nvSpPr>
-        <p:spPr/>
-        <p:txBody>
-          <a:bodyPr/>
-          <a:p>
-            <a:fld id="{A5E7828C-2643-410E-93B3-ACABA5B3B6D5}" type="datetime1">
-              <a:rPr lang="en-US"/>
-              <a:t>12/10/2022</a:t>
             </a:fld>
           </a:p>
         </p:txBody>
@@ -8901,7 +8555,7 @@
         <p:spPr>
           <a:xfrm>
             <a:off x="360000" y="180000"/>
-            <a:ext cx="9360000" cy="478080"/>
+            <a:ext cx="9359280" cy="477360"/>
           </a:xfrm>
           <a:prstGeom prst="rect">
             <a:avLst/>
@@ -8917,6 +8571,9 @@
           </a:bodyPr>
           <a:p>
             <a:pPr algn="ctr">
+              <a:lnSpc>
+                <a:spcPct val="100000"/>
+              </a:lnSpc>
               <a:buNone/>
             </a:pPr>
             <a:r>
@@ -8929,9 +8586,6 @@
               <a:t>Exploratory Data Analysis</a:t>
             </a:r>
             <a:endParaRPr b="0" lang="en-US" sz="3300" spc="-1" strike="noStrike">
-              <a:solidFill>
-                <a:srgbClr val="ffffff"/>
-              </a:solidFill>
               <a:latin typeface="Arial"/>
             </a:endParaRPr>
           </a:p>
@@ -8950,7 +8604,7 @@
         <p:spPr>
           <a:xfrm>
             <a:off x="360000" y="1080000"/>
-            <a:ext cx="9360000" cy="3600000"/>
+            <a:ext cx="9359280" cy="3599280"/>
           </a:xfrm>
           <a:prstGeom prst="rect">
             <a:avLst/>
@@ -8966,6 +8620,9 @@
           </a:bodyPr>
           <a:p>
             <a:pPr marL="432000" indent="-324000">
+              <a:lnSpc>
+                <a:spcPct val="100000"/>
+              </a:lnSpc>
               <a:spcBef>
                 <a:spcPts val="1060"/>
               </a:spcBef>
@@ -8986,14 +8643,14 @@
               <a:t>Data are moderately unbalanced</a:t>
             </a:r>
             <a:endParaRPr b="0" lang="en-US" sz="2400" spc="-1" strike="noStrike">
-              <a:solidFill>
-                <a:srgbClr val="009bdd"/>
-              </a:solidFill>
               <a:latin typeface="Arial"/>
             </a:endParaRPr>
           </a:p>
           <a:p>
             <a:pPr marL="432000" indent="-324000">
+              <a:lnSpc>
+                <a:spcPct val="100000"/>
+              </a:lnSpc>
               <a:spcBef>
                 <a:spcPts val="1060"/>
               </a:spcBef>
@@ -9014,28 +8671,20 @@
               <a:t>Boxplots illustrate relationships among taxonomic groups</a:t>
             </a:r>
             <a:endParaRPr b="0" lang="en-US" sz="2400" spc="-1" strike="noStrike">
-              <a:solidFill>
-                <a:srgbClr val="009bdd"/>
-              </a:solidFill>
-              <a:latin typeface="Arial"/>
-            </a:endParaRPr>
-          </a:p>
-          <a:p>
-            <a:pPr marL="432000" indent="-324000">
+              <a:latin typeface="Arial"/>
+            </a:endParaRPr>
+          </a:p>
+          <a:p>
+            <a:pPr>
+              <a:lnSpc>
+                <a:spcPct val="100000"/>
+              </a:lnSpc>
               <a:spcBef>
                 <a:spcPts val="1060"/>
               </a:spcBef>
-              <a:buClr>
-                <a:srgbClr val="77caee"/>
-              </a:buClr>
-              <a:buSzPct val="45000"/>
-              <a:buFont typeface="Wingdings" charset="2"/>
-              <a:buChar char=""/>
+              <a:buNone/>
             </a:pPr>
             <a:endParaRPr b="0" lang="en-US" sz="2400" spc="-1" strike="noStrike">
-              <a:solidFill>
-                <a:srgbClr val="009bdd"/>
-              </a:solidFill>
               <a:latin typeface="Arial"/>
             </a:endParaRPr>
           </a:p>
@@ -9054,7 +8703,7 @@
         <p:spPr>
           <a:xfrm>
             <a:off x="914400" y="2057400"/>
-            <a:ext cx="3657600" cy="2883960"/>
+            <a:ext cx="3656880" cy="2883240"/>
           </a:xfrm>
           <a:prstGeom prst="rect">
             <a:avLst/>
@@ -9077,7 +8726,7 @@
         <p:spPr>
           <a:xfrm>
             <a:off x="4784400" y="2057400"/>
-            <a:ext cx="3445200" cy="2797560"/>
+            <a:ext cx="3444480" cy="2796840"/>
           </a:xfrm>
           <a:prstGeom prst="rect">
             <a:avLst/>
@@ -9094,36 +8743,35 @@
             <a:spLocks noGrp="1"/>
           </p:cNvSpPr>
           <p:nvPr>
-            <p:ph type="sldNum" idx="3"/>
+            <p:ph type="ftr" idx="1"/>
           </p:nvPr>
         </p:nvSpPr>
         <p:spPr/>
         <p:txBody>
           <a:bodyPr/>
           <a:p>
-            <a:fld id="{EC053FC1-FCE8-4395-A8E9-607A483DA378}" type="slidenum">
+            <a:r>
+              <a:t>Predicting Taxon and DNA Type</a:t>
+            </a:r>
+          </a:p>
+        </p:txBody>
+      </p:sp>
+      <p:sp>
+        <p:nvSpPr>
+          <p:cNvPr id="5" name="PlaceHolder 4"/>
+          <p:cNvSpPr>
+            <a:spLocks noGrp="1"/>
+          </p:cNvSpPr>
+          <p:nvPr>
+            <p:ph type="sldNum" idx="2"/>
+          </p:nvPr>
+        </p:nvSpPr>
+        <p:spPr/>
+        <p:txBody>
+          <a:bodyPr/>
+          <a:p>
+            <a:fld id="{E20164F8-F0E9-46C2-B10A-4DB551AA8D54}" type="slidenum">
               <a:t>5</a:t>
-            </a:fld>
-          </a:p>
-        </p:txBody>
-      </p:sp>
-      <p:sp>
-        <p:nvSpPr>
-          <p:cNvPr id="5" name="PlaceHolder 4"/>
-          <p:cNvSpPr>
-            <a:spLocks noGrp="1"/>
-          </p:cNvSpPr>
-          <p:nvPr>
-            <p:ph type="dt" idx="1"/>
-          </p:nvPr>
-        </p:nvSpPr>
-        <p:spPr/>
-        <p:txBody>
-          <a:bodyPr/>
-          <a:p>
-            <a:fld id="{31891E7C-251D-4995-A114-ED1227FF9466}" type="datetime1">
-              <a:rPr lang="en-US"/>
-              <a:t>12/10/2022</a:t>
             </a:fld>
           </a:p>
         </p:txBody>
@@ -9171,7 +8819,7 @@
         <p:spPr>
           <a:xfrm>
             <a:off x="360000" y="180000"/>
-            <a:ext cx="9360000" cy="478080"/>
+            <a:ext cx="9359280" cy="477360"/>
           </a:xfrm>
           <a:prstGeom prst="rect">
             <a:avLst/>
@@ -9187,6 +8835,9 @@
           </a:bodyPr>
           <a:p>
             <a:pPr algn="ctr">
+              <a:lnSpc>
+                <a:spcPct val="100000"/>
+              </a:lnSpc>
               <a:buNone/>
             </a:pPr>
             <a:r>
@@ -9199,9 +8850,6 @@
               <a:t>Exploratory Data Analysis 2</a:t>
             </a:r>
             <a:endParaRPr b="0" lang="en-US" sz="3300" spc="-1" strike="noStrike">
-              <a:solidFill>
-                <a:srgbClr val="ffffff"/>
-              </a:solidFill>
               <a:latin typeface="Arial"/>
             </a:endParaRPr>
           </a:p>
@@ -9220,7 +8868,7 @@
         <p:spPr>
           <a:xfrm>
             <a:off x="360000" y="1080000"/>
-            <a:ext cx="9360000" cy="3600000"/>
+            <a:ext cx="9359280" cy="3599280"/>
           </a:xfrm>
           <a:prstGeom prst="rect">
             <a:avLst/>
@@ -9236,6 +8884,9 @@
           </a:bodyPr>
           <a:p>
             <a:pPr marL="432000" indent="-324000">
+              <a:lnSpc>
+                <a:spcPct val="100000"/>
+              </a:lnSpc>
               <a:spcBef>
                 <a:spcPts val="1060"/>
               </a:spcBef>
@@ -9256,14 +8907,14 @@
               <a:t>Scatterplots show some strong correlations between aminos</a:t>
             </a:r>
             <a:endParaRPr b="0" lang="en-US" sz="2400" spc="-1" strike="noStrike">
-              <a:solidFill>
-                <a:srgbClr val="009bdd"/>
-              </a:solidFill>
               <a:latin typeface="Arial"/>
             </a:endParaRPr>
           </a:p>
           <a:p>
             <a:pPr marL="432000" indent="-324000">
+              <a:lnSpc>
+                <a:spcPct val="100000"/>
+              </a:lnSpc>
               <a:spcBef>
                 <a:spcPts val="1060"/>
               </a:spcBef>
@@ -9284,9 +8935,6 @@
               <a:t>Needs further exploration</a:t>
             </a:r>
             <a:endParaRPr b="0" lang="en-US" sz="2400" spc="-1" strike="noStrike">
-              <a:solidFill>
-                <a:srgbClr val="009bdd"/>
-              </a:solidFill>
               <a:latin typeface="Arial"/>
             </a:endParaRPr>
           </a:p>
@@ -9305,7 +8953,7 @@
         <p:spPr>
           <a:xfrm>
             <a:off x="3414240" y="2187360"/>
-            <a:ext cx="3215160" cy="2384640"/>
+            <a:ext cx="3214440" cy="2383920"/>
           </a:xfrm>
           <a:prstGeom prst="rect">
             <a:avLst/>
@@ -9322,36 +8970,35 @@
             <a:spLocks noGrp="1"/>
           </p:cNvSpPr>
           <p:nvPr>
-            <p:ph type="sldNum" idx="3"/>
+            <p:ph type="ftr" idx="1"/>
           </p:nvPr>
         </p:nvSpPr>
         <p:spPr/>
         <p:txBody>
           <a:bodyPr/>
           <a:p>
-            <a:fld id="{039E15CD-B619-493F-AFE3-8C4BAF051704}" type="slidenum">
+            <a:r>
+              <a:t>Predicting Taxon and DNA Type</a:t>
+            </a:r>
+          </a:p>
+        </p:txBody>
+      </p:sp>
+      <p:sp>
+        <p:nvSpPr>
+          <p:cNvPr id="5" name="PlaceHolder 4"/>
+          <p:cNvSpPr>
+            <a:spLocks noGrp="1"/>
+          </p:cNvSpPr>
+          <p:nvPr>
+            <p:ph type="sldNum" idx="2"/>
+          </p:nvPr>
+        </p:nvSpPr>
+        <p:spPr/>
+        <p:txBody>
+          <a:bodyPr/>
+          <a:p>
+            <a:fld id="{C6E59DC9-107D-4EE5-8BCB-9B34DF45B60F}" type="slidenum">
               <a:t>6</a:t>
-            </a:fld>
-          </a:p>
-        </p:txBody>
-      </p:sp>
-      <p:sp>
-        <p:nvSpPr>
-          <p:cNvPr id="5" name="PlaceHolder 4"/>
-          <p:cNvSpPr>
-            <a:spLocks noGrp="1"/>
-          </p:cNvSpPr>
-          <p:nvPr>
-            <p:ph type="dt" idx="1"/>
-          </p:nvPr>
-        </p:nvSpPr>
-        <p:spPr/>
-        <p:txBody>
-          <a:bodyPr/>
-          <a:p>
-            <a:fld id="{FA5BDB43-5B8D-45F7-8EA0-30E8FF2506DA}" type="datetime1">
-              <a:rPr lang="en-US"/>
-              <a:t>12/10/2022</a:t>
             </a:fld>
           </a:p>
         </p:txBody>
@@ -9399,7 +9046,7 @@
         <p:spPr>
           <a:xfrm>
             <a:off x="360000" y="180000"/>
-            <a:ext cx="9360000" cy="478080"/>
+            <a:ext cx="9359280" cy="477360"/>
           </a:xfrm>
           <a:prstGeom prst="rect">
             <a:avLst/>
@@ -9415,6 +9062,9 @@
           </a:bodyPr>
           <a:p>
             <a:pPr algn="ctr">
+              <a:lnSpc>
+                <a:spcPct val="100000"/>
+              </a:lnSpc>
               <a:buNone/>
             </a:pPr>
             <a:r>
@@ -9427,9 +9077,6 @@
               <a:t>Principal Component Analysis</a:t>
             </a:r>
             <a:endParaRPr b="0" lang="en-US" sz="3300" spc="-1" strike="noStrike">
-              <a:solidFill>
-                <a:srgbClr val="ffffff"/>
-              </a:solidFill>
               <a:latin typeface="Arial"/>
             </a:endParaRPr>
           </a:p>
@@ -9448,7 +9095,7 @@
         <p:spPr>
           <a:xfrm>
             <a:off x="360000" y="1080000"/>
-            <a:ext cx="9360000" cy="3600000"/>
+            <a:ext cx="9359280" cy="3599280"/>
           </a:xfrm>
           <a:prstGeom prst="rect">
             <a:avLst/>
@@ -9464,6 +9111,9 @@
           </a:bodyPr>
           <a:p>
             <a:pPr marL="432000" indent="-324000">
+              <a:lnSpc>
+                <a:spcPct val="100000"/>
+              </a:lnSpc>
               <a:spcBef>
                 <a:spcPts val="1060"/>
               </a:spcBef>
@@ -9484,14 +9134,14 @@
               <a:t>PCA displayed ‘elbow’ at 3 PC’s for both codons and aminos</a:t>
             </a:r>
             <a:endParaRPr b="0" lang="en-US" sz="2400" spc="-1" strike="noStrike">
-              <a:solidFill>
-                <a:srgbClr val="009bdd"/>
-              </a:solidFill>
               <a:latin typeface="Arial"/>
             </a:endParaRPr>
           </a:p>
           <a:p>
             <a:pPr marL="432000" indent="-324000">
+              <a:lnSpc>
+                <a:spcPct val="100000"/>
+              </a:lnSpc>
               <a:spcBef>
                 <a:spcPts val="1060"/>
               </a:spcBef>
@@ -9512,28 +9162,20 @@
               <a:t>Explained variation not sufficient for reliable model construction</a:t>
             </a:r>
             <a:endParaRPr b="0" lang="en-US" sz="2400" spc="-1" strike="noStrike">
-              <a:solidFill>
-                <a:srgbClr val="009bdd"/>
-              </a:solidFill>
-              <a:latin typeface="Arial"/>
-            </a:endParaRPr>
-          </a:p>
-          <a:p>
-            <a:pPr marL="432000" indent="-324000">
+              <a:latin typeface="Arial"/>
+            </a:endParaRPr>
+          </a:p>
+          <a:p>
+            <a:pPr>
+              <a:lnSpc>
+                <a:spcPct val="100000"/>
+              </a:lnSpc>
               <a:spcBef>
                 <a:spcPts val="1060"/>
               </a:spcBef>
-              <a:buClr>
-                <a:srgbClr val="77caee"/>
-              </a:buClr>
-              <a:buSzPct val="45000"/>
-              <a:buFont typeface="Wingdings" charset="2"/>
-              <a:buChar char=""/>
+              <a:buNone/>
             </a:pPr>
             <a:endParaRPr b="0" lang="en-US" sz="2400" spc="-1" strike="noStrike">
-              <a:solidFill>
-                <a:srgbClr val="009bdd"/>
-              </a:solidFill>
               <a:latin typeface="Arial"/>
             </a:endParaRPr>
           </a:p>
@@ -9552,7 +9194,7 @@
         <p:spPr>
           <a:xfrm>
             <a:off x="937800" y="2155680"/>
-            <a:ext cx="3508920" cy="2416320"/>
+            <a:ext cx="3508200" cy="2415600"/>
           </a:xfrm>
           <a:prstGeom prst="rect">
             <a:avLst/>
@@ -9575,7 +9217,7 @@
         <p:spPr>
           <a:xfrm>
             <a:off x="4975920" y="2120040"/>
-            <a:ext cx="3482280" cy="2402280"/>
+            <a:ext cx="3481560" cy="2401560"/>
           </a:xfrm>
           <a:prstGeom prst="rect">
             <a:avLst/>
@@ -9592,36 +9234,35 @@
             <a:spLocks noGrp="1"/>
           </p:cNvSpPr>
           <p:nvPr>
-            <p:ph type="sldNum" idx="3"/>
+            <p:ph type="ftr" idx="1"/>
           </p:nvPr>
         </p:nvSpPr>
         <p:spPr/>
         <p:txBody>
           <a:bodyPr/>
           <a:p>
-            <a:fld id="{DD2D778D-6B6B-47D9-932C-7750E0F18E55}" type="slidenum">
+            <a:r>
+              <a:t>Predicting Taxon and DNA Type</a:t>
+            </a:r>
+          </a:p>
+        </p:txBody>
+      </p:sp>
+      <p:sp>
+        <p:nvSpPr>
+          <p:cNvPr id="5" name="PlaceHolder 4"/>
+          <p:cNvSpPr>
+            <a:spLocks noGrp="1"/>
+          </p:cNvSpPr>
+          <p:nvPr>
+            <p:ph type="sldNum" idx="2"/>
+          </p:nvPr>
+        </p:nvSpPr>
+        <p:spPr/>
+        <p:txBody>
+          <a:bodyPr/>
+          <a:p>
+            <a:fld id="{00CC6A7F-4735-46A3-AD2A-0DBD0EA21BDB}" type="slidenum">
               <a:t>7</a:t>
-            </a:fld>
-          </a:p>
-        </p:txBody>
-      </p:sp>
-      <p:sp>
-        <p:nvSpPr>
-          <p:cNvPr id="5" name="PlaceHolder 4"/>
-          <p:cNvSpPr>
-            <a:spLocks noGrp="1"/>
-          </p:cNvSpPr>
-          <p:nvPr>
-            <p:ph type="dt" idx="1"/>
-          </p:nvPr>
-        </p:nvSpPr>
-        <p:spPr/>
-        <p:txBody>
-          <a:bodyPr/>
-          <a:p>
-            <a:fld id="{6342781A-DFF3-4D06-AF6C-44732B83A823}" type="datetime1">
-              <a:rPr lang="en-US"/>
-              <a:t>12/10/2022</a:t>
             </a:fld>
           </a:p>
         </p:txBody>
@@ -9669,7 +9310,7 @@
         <p:spPr>
           <a:xfrm>
             <a:off x="360000" y="180000"/>
-            <a:ext cx="9360000" cy="478080"/>
+            <a:ext cx="9359280" cy="477360"/>
           </a:xfrm>
           <a:prstGeom prst="rect">
             <a:avLst/>
@@ -9685,6 +9326,9 @@
           </a:bodyPr>
           <a:p>
             <a:pPr algn="ctr">
+              <a:lnSpc>
+                <a:spcPct val="100000"/>
+              </a:lnSpc>
               <a:buNone/>
             </a:pPr>
             <a:r>
@@ -9697,9 +9341,6 @@
               <a:t>K-Nearest Neighbors</a:t>
             </a:r>
             <a:endParaRPr b="0" lang="en-US" sz="3300" spc="-1" strike="noStrike">
-              <a:solidFill>
-                <a:srgbClr val="ffffff"/>
-              </a:solidFill>
               <a:latin typeface="Arial"/>
             </a:endParaRPr>
           </a:p>
@@ -9718,7 +9359,7 @@
         <p:spPr>
           <a:xfrm>
             <a:off x="360000" y="1080000"/>
-            <a:ext cx="9360000" cy="3600000"/>
+            <a:ext cx="9359280" cy="3599280"/>
           </a:xfrm>
           <a:prstGeom prst="rect">
             <a:avLst/>
@@ -9734,6 +9375,9 @@
           </a:bodyPr>
           <a:p>
             <a:pPr marL="432000" indent="-324000">
+              <a:lnSpc>
+                <a:spcPct val="100000"/>
+              </a:lnSpc>
               <a:spcBef>
                 <a:spcPts val="1060"/>
               </a:spcBef>
@@ -9754,14 +9398,14 @@
               <a:t>K-NN predicts categories by plurality of k closest observations</a:t>
             </a:r>
             <a:endParaRPr b="0" lang="en-US" sz="2400" spc="-1" strike="noStrike">
-              <a:solidFill>
-                <a:srgbClr val="009bdd"/>
-              </a:solidFill>
               <a:latin typeface="Arial"/>
             </a:endParaRPr>
           </a:p>
           <a:p>
             <a:pPr marL="432000" indent="-324000">
+              <a:lnSpc>
+                <a:spcPct val="100000"/>
+              </a:lnSpc>
               <a:spcBef>
                 <a:spcPts val="1060"/>
               </a:spcBef>
@@ -9782,14 +9426,14 @@
               <a:t>K optimized at 1 for predicting kingdom, 3 for DNAtype</a:t>
             </a:r>
             <a:endParaRPr b="0" lang="en-US" sz="2400" spc="-1" strike="noStrike">
-              <a:solidFill>
-                <a:srgbClr val="009bdd"/>
-              </a:solidFill>
               <a:latin typeface="Arial"/>
             </a:endParaRPr>
           </a:p>
           <a:p>
             <a:pPr marL="432000" indent="-324000">
+              <a:lnSpc>
+                <a:spcPct val="100000"/>
+              </a:lnSpc>
               <a:spcBef>
                 <a:spcPts val="1060"/>
               </a:spcBef>
@@ -9810,56 +9454,48 @@
               <a:t>Fast runtime; more effective at predicting DNAtype</a:t>
             </a:r>
             <a:endParaRPr b="0" lang="en-US" sz="2400" spc="-1" strike="noStrike">
-              <a:solidFill>
-                <a:srgbClr val="009bdd"/>
-              </a:solidFill>
-              <a:latin typeface="Arial"/>
-            </a:endParaRPr>
-          </a:p>
-          <a:p>
-            <a:pPr marL="432000" indent="-324000">
-              <a:spcBef>
-                <a:spcPts val="1060"/>
-              </a:spcBef>
-              <a:buClr>
-                <a:srgbClr val="77caee"/>
-              </a:buClr>
-              <a:buSzPct val="45000"/>
-              <a:buFont typeface="Wingdings" charset="2"/>
-              <a:buChar char=""/>
-            </a:pPr>
-            <a:endParaRPr b="0" lang="en-US" sz="2400" spc="-1" strike="noStrike">
-              <a:solidFill>
-                <a:srgbClr val="009bdd"/>
-              </a:solidFill>
-              <a:latin typeface="Arial"/>
-            </a:endParaRPr>
-          </a:p>
-          <a:p>
-            <a:pPr algn="ctr">
+              <a:latin typeface="Arial"/>
+            </a:endParaRPr>
+          </a:p>
+          <a:p>
+            <a:pPr>
+              <a:lnSpc>
+                <a:spcPct val="100000"/>
+              </a:lnSpc>
               <a:spcBef>
                 <a:spcPts val="1060"/>
               </a:spcBef>
               <a:buNone/>
             </a:pPr>
             <a:endParaRPr b="0" lang="en-US" sz="2400" spc="-1" strike="noStrike">
-              <a:solidFill>
-                <a:srgbClr val="009bdd"/>
-              </a:solidFill>
               <a:latin typeface="Arial"/>
             </a:endParaRPr>
           </a:p>
           <a:p>
             <a:pPr algn="ctr">
+              <a:lnSpc>
+                <a:spcPct val="100000"/>
+              </a:lnSpc>
               <a:spcBef>
                 <a:spcPts val="1060"/>
               </a:spcBef>
               <a:buNone/>
             </a:pPr>
             <a:endParaRPr b="0" lang="en-US" sz="2400" spc="-1" strike="noStrike">
-              <a:solidFill>
-                <a:srgbClr val="009bdd"/>
-              </a:solidFill>
+              <a:latin typeface="Arial"/>
+            </a:endParaRPr>
+          </a:p>
+          <a:p>
+            <a:pPr algn="ctr">
+              <a:lnSpc>
+                <a:spcPct val="100000"/>
+              </a:lnSpc>
+              <a:spcBef>
+                <a:spcPts val="1060"/>
+              </a:spcBef>
+              <a:buNone/>
+            </a:pPr>
+            <a:endParaRPr b="0" lang="en-US" sz="2400" spc="-1" strike="noStrike">
               <a:latin typeface="Arial"/>
             </a:endParaRPr>
           </a:p>
@@ -9878,7 +9514,7 @@
         <p:spPr>
           <a:xfrm>
             <a:off x="228600" y="2993040"/>
-            <a:ext cx="9491040" cy="1578960"/>
+            <a:ext cx="9490320" cy="1578240"/>
           </a:xfrm>
           <a:prstGeom prst="rect">
             <a:avLst/>
@@ -9895,36 +9531,35 @@
             <a:spLocks noGrp="1"/>
           </p:cNvSpPr>
           <p:nvPr>
-            <p:ph type="sldNum" idx="3"/>
+            <p:ph type="ftr" idx="1"/>
           </p:nvPr>
         </p:nvSpPr>
         <p:spPr/>
         <p:txBody>
           <a:bodyPr/>
           <a:p>
-            <a:fld id="{24B9D434-EE24-4229-A337-42E3C538C05F}" type="slidenum">
+            <a:r>
+              <a:t>Predicting Taxon and DNA Type</a:t>
+            </a:r>
+          </a:p>
+        </p:txBody>
+      </p:sp>
+      <p:sp>
+        <p:nvSpPr>
+          <p:cNvPr id="5" name="PlaceHolder 4"/>
+          <p:cNvSpPr>
+            <a:spLocks noGrp="1"/>
+          </p:cNvSpPr>
+          <p:nvPr>
+            <p:ph type="sldNum" idx="2"/>
+          </p:nvPr>
+        </p:nvSpPr>
+        <p:spPr/>
+        <p:txBody>
+          <a:bodyPr/>
+          <a:p>
+            <a:fld id="{0A3B7CA1-C167-4A1D-9EE8-8B2111183BC4}" type="slidenum">
               <a:t>8</a:t>
-            </a:fld>
-          </a:p>
-        </p:txBody>
-      </p:sp>
-      <p:sp>
-        <p:nvSpPr>
-          <p:cNvPr id="5" name="PlaceHolder 4"/>
-          <p:cNvSpPr>
-            <a:spLocks noGrp="1"/>
-          </p:cNvSpPr>
-          <p:nvPr>
-            <p:ph type="dt" idx="1"/>
-          </p:nvPr>
-        </p:nvSpPr>
-        <p:spPr/>
-        <p:txBody>
-          <a:bodyPr/>
-          <a:p>
-            <a:fld id="{42B6090B-40DF-495E-86AC-7EB1292600B4}" type="datetime1">
-              <a:rPr lang="en-US"/>
-              <a:t>12/10/2022</a:t>
             </a:fld>
           </a:p>
         </p:txBody>
@@ -9972,7 +9607,7 @@
         <p:spPr>
           <a:xfrm>
             <a:off x="360000" y="180000"/>
-            <a:ext cx="9360000" cy="478080"/>
+            <a:ext cx="9359280" cy="477360"/>
           </a:xfrm>
           <a:prstGeom prst="rect">
             <a:avLst/>
@@ -9988,6 +9623,9 @@
           </a:bodyPr>
           <a:p>
             <a:pPr algn="ctr">
+              <a:lnSpc>
+                <a:spcPct val="100000"/>
+              </a:lnSpc>
               <a:buNone/>
             </a:pPr>
             <a:r>
@@ -10000,9 +9638,6 @@
               <a:t>Random Forest</a:t>
             </a:r>
             <a:endParaRPr b="0" lang="en-US" sz="3300" spc="-1" strike="noStrike">
-              <a:solidFill>
-                <a:srgbClr val="ffffff"/>
-              </a:solidFill>
               <a:latin typeface="Arial"/>
             </a:endParaRPr>
           </a:p>
@@ -10021,7 +9656,7 @@
         <p:spPr>
           <a:xfrm>
             <a:off x="360000" y="1080000"/>
-            <a:ext cx="9360000" cy="3600000"/>
+            <a:ext cx="9359280" cy="3599280"/>
           </a:xfrm>
           <a:prstGeom prst="rect">
             <a:avLst/>
@@ -10037,6 +9672,9 @@
           </a:bodyPr>
           <a:p>
             <a:pPr marL="432000" indent="-324000">
+              <a:lnSpc>
+                <a:spcPct val="100000"/>
+              </a:lnSpc>
               <a:spcBef>
                 <a:spcPts val="1060"/>
               </a:spcBef>
@@ -10057,14 +9695,14 @@
               <a:t>Ensemble of decision trees; hyperparameter # of trees</a:t>
             </a:r>
             <a:endParaRPr b="0" lang="en-US" sz="2400" spc="-1" strike="noStrike">
-              <a:solidFill>
-                <a:srgbClr val="009bdd"/>
-              </a:solidFill>
               <a:latin typeface="Arial"/>
             </a:endParaRPr>
           </a:p>
           <a:p>
             <a:pPr marL="432000" indent="-324000">
+              <a:lnSpc>
+                <a:spcPct val="100000"/>
+              </a:lnSpc>
               <a:spcBef>
                 <a:spcPts val="1060"/>
               </a:spcBef>
@@ -10085,14 +9723,14 @@
               <a:t>Optimization found marginal differences with respect to #</a:t>
             </a:r>
             <a:endParaRPr b="0" lang="en-US" sz="2400" spc="-1" strike="noStrike">
-              <a:solidFill>
-                <a:srgbClr val="009bdd"/>
-              </a:solidFill>
               <a:latin typeface="Arial"/>
             </a:endParaRPr>
           </a:p>
           <a:p>
             <a:pPr marL="432000" indent="-324000">
+              <a:lnSpc>
+                <a:spcPct val="100000"/>
+              </a:lnSpc>
               <a:spcBef>
                 <a:spcPts val="1060"/>
               </a:spcBef>
@@ -10113,28 +9751,20 @@
               <a:t>Three different tested values had identical highest test F1</a:t>
             </a:r>
             <a:endParaRPr b="0" lang="en-US" sz="2400" spc="-1" strike="noStrike">
-              <a:solidFill>
-                <a:srgbClr val="009bdd"/>
-              </a:solidFill>
-              <a:latin typeface="Arial"/>
-            </a:endParaRPr>
-          </a:p>
-          <a:p>
-            <a:pPr marL="432000" indent="-324000">
+              <a:latin typeface="Arial"/>
+            </a:endParaRPr>
+          </a:p>
+          <a:p>
+            <a:pPr>
+              <a:lnSpc>
+                <a:spcPct val="100000"/>
+              </a:lnSpc>
               <a:spcBef>
                 <a:spcPts val="1060"/>
               </a:spcBef>
-              <a:buClr>
-                <a:srgbClr val="77caee"/>
-              </a:buClr>
-              <a:buSzPct val="45000"/>
-              <a:buFont typeface="Wingdings" charset="2"/>
-              <a:buChar char=""/>
+              <a:buNone/>
             </a:pPr>
             <a:endParaRPr b="0" lang="en-US" sz="2400" spc="-1" strike="noStrike">
-              <a:solidFill>
-                <a:srgbClr val="009bdd"/>
-              </a:solidFill>
               <a:latin typeface="Arial"/>
             </a:endParaRPr>
           </a:p>
@@ -10153,7 +9783,7 @@
         <p:spPr>
           <a:xfrm>
             <a:off x="1604520" y="2951280"/>
-            <a:ext cx="6396480" cy="1392120"/>
+            <a:ext cx="6395760" cy="1391400"/>
           </a:xfrm>
           <a:prstGeom prst="rect">
             <a:avLst/>
@@ -10170,36 +9800,35 @@
             <a:spLocks noGrp="1"/>
           </p:cNvSpPr>
           <p:nvPr>
-            <p:ph type="sldNum" idx="3"/>
+            <p:ph type="ftr" idx="1"/>
           </p:nvPr>
         </p:nvSpPr>
         <p:spPr/>
         <p:txBody>
           <a:bodyPr/>
           <a:p>
-            <a:fld id="{DED1585C-2EEE-40B6-BF47-AB4A4BC7CCCD}" type="slidenum">
+            <a:r>
+              <a:t>Predicting Taxon and DNA Type</a:t>
+            </a:r>
+          </a:p>
+        </p:txBody>
+      </p:sp>
+      <p:sp>
+        <p:nvSpPr>
+          <p:cNvPr id="5" name="PlaceHolder 4"/>
+          <p:cNvSpPr>
+            <a:spLocks noGrp="1"/>
+          </p:cNvSpPr>
+          <p:nvPr>
+            <p:ph type="sldNum" idx="2"/>
+          </p:nvPr>
+        </p:nvSpPr>
+        <p:spPr/>
+        <p:txBody>
+          <a:bodyPr/>
+          <a:p>
+            <a:fld id="{9D8B4271-66A7-4945-A007-5D7D5AE39B08}" type="slidenum">
               <a:t>9</a:t>
-            </a:fld>
-          </a:p>
-        </p:txBody>
-      </p:sp>
-      <p:sp>
-        <p:nvSpPr>
-          <p:cNvPr id="5" name="PlaceHolder 4"/>
-          <p:cNvSpPr>
-            <a:spLocks noGrp="1"/>
-          </p:cNvSpPr>
-          <p:nvPr>
-            <p:ph type="dt" idx="1"/>
-          </p:nvPr>
-        </p:nvSpPr>
-        <p:spPr/>
-        <p:txBody>
-          <a:bodyPr/>
-          <a:p>
-            <a:fld id="{2C92156C-5BFB-4F4D-866E-27181B1CCBCC}" type="datetime1">
-              <a:rPr lang="en-US"/>
-              <a:t>12/10/2022</a:t>
             </a:fld>
           </a:p>
         </p:txBody>
